--- a/12-16-18-23-27-sept-2019/Analysis/Colaboración, uso del lenguaje y comprensión.pptx
+++ b/12-16-18-23-27-sept-2019/Analysis/Colaboración, uso del lenguaje y comprensión.pptx
@@ -116,6 +116,11 @@
       </a:defRPr>
     </a:lvl9pPr>
   </p:defaultTextStyle>
+  <p:extLst>
+    <p:ext uri="{EFAFB233-063F-42B5-8137-9DF3F51BA10A}">
+      <p15:sldGuideLst xmlns:p15="http://schemas.microsoft.com/office/powerpoint/2012/main"/>
+    </p:ext>
+  </p:extLst>
 </p:presentation>
 </file>
 
@@ -3334,7 +3339,11 @@
           <a:p>
             <a:r>
               <a:rPr lang="es-CO" dirty="0" smtClean="0"/>
-              <a:t>¿Cómo se evidencia mejor que discriminar </a:t>
+              <a:t>Gráficas </a:t>
+            </a:r>
+            <a:r>
+              <a:rPr lang="es-CO" dirty="0" smtClean="0"/>
+              <a:t>de desempeño separando </a:t>
             </a:r>
             <a:r>
               <a:rPr lang="es-CO" dirty="0" err="1" smtClean="0"/>
@@ -3342,49 +3351,59 @@
             </a:r>
             <a:r>
               <a:rPr lang="es-CO" dirty="0" smtClean="0"/>
-              <a:t> es más difícil que </a:t>
+              <a:t> de </a:t>
             </a:r>
             <a:r>
               <a:rPr lang="es-CO" dirty="0" err="1" smtClean="0"/>
               <a:t>Hounds</a:t>
             </a:r>
-            <a:r>
-              <a:rPr lang="es-CO" dirty="0" smtClean="0"/>
-              <a:t>? =&gt; Separar gráficas de desempeño por raza de perro</a:t>
-            </a:r>
-          </a:p>
-          <a:p>
-            <a:r>
-              <a:rPr lang="es-CO" dirty="0" smtClean="0"/>
-              <a:t>¿Cómo se ven las gráficas de desempeño separando </a:t>
+            <a:endParaRPr lang="es-CO" dirty="0"/>
+          </a:p>
+          <a:p>
+            <a:pPr lvl="1"/>
+            <a:r>
+              <a:rPr lang="es-CO" dirty="0" smtClean="0"/>
+              <a:t>Ya están las tablas, pero hay que combinarlas =&gt; </a:t>
             </a:r>
             <a:r>
               <a:rPr lang="es-CO" dirty="0" err="1" smtClean="0"/>
-              <a:t>Terriers</a:t>
-            </a:r>
-            <a:r>
-              <a:rPr lang="es-CO" dirty="0" smtClean="0"/>
-              <a:t> de </a:t>
+              <a:t>Ezzzgar</a:t>
+            </a:r>
+            <a:endParaRPr lang="es-CO" dirty="0" smtClean="0"/>
+          </a:p>
+          <a:p>
+            <a:r>
+              <a:rPr lang="es-CO" dirty="0" smtClean="0"/>
+              <a:t>Graficar el número de mensajes por ronda, agregado y también de acuerdo a </a:t>
+            </a:r>
+            <a:r>
+              <a:rPr lang="es-CO" dirty="0" smtClean="0"/>
+              <a:t>experticia =&gt; </a:t>
             </a:r>
             <a:r>
               <a:rPr lang="es-CO" dirty="0" err="1" smtClean="0"/>
-              <a:t>Hounds</a:t>
-            </a:r>
-            <a:r>
-              <a:rPr lang="es-CO" dirty="0" smtClean="0"/>
-              <a:t>?</a:t>
-            </a:r>
-          </a:p>
-          <a:p>
-            <a:r>
-              <a:rPr lang="es-CO" dirty="0" smtClean="0"/>
-              <a:t>Graficar el número de mensajes por ronda, agregado y también de acuerdo a experticia</a:t>
-            </a:r>
-          </a:p>
-          <a:p>
-            <a:r>
-              <a:rPr lang="es-CO" dirty="0" smtClean="0"/>
-              <a:t>En la condición por parejas, correlacionar los “</a:t>
+              <a:t>Ezzzgar</a:t>
+            </a:r>
+            <a:endParaRPr lang="es-CO" dirty="0" smtClean="0"/>
+          </a:p>
+          <a:p>
+            <a:r>
+              <a:rPr lang="es-CO" dirty="0" err="1" smtClean="0"/>
+              <a:t>Correctitud</a:t>
+            </a:r>
+            <a:r>
+              <a:rPr lang="es-CO" dirty="0" smtClean="0"/>
+              <a:t> de clasificación =&gt; Alejandro</a:t>
+            </a:r>
+          </a:p>
+          <a:p>
+            <a:r>
+              <a:rPr lang="es-CO" dirty="0" err="1" smtClean="0"/>
+              <a:t>Correctitud</a:t>
+            </a:r>
+            <a:r>
+              <a:rPr lang="es-CO" dirty="0" smtClean="0"/>
+              <a:t> de “</a:t>
             </a:r>
             <a:r>
               <a:rPr lang="es-CO" dirty="0" err="1" smtClean="0"/>
@@ -3392,13 +3411,37 @@
             </a:r>
             <a:r>
               <a:rPr lang="es-CO" dirty="0" smtClean="0"/>
-              <a:t>” con la clasificación correcta</a:t>
-            </a:r>
-          </a:p>
-          <a:p>
-            <a:r>
-              <a:rPr lang="es-CO" dirty="0" smtClean="0"/>
-              <a:t>Correlacionar la comunicación correcta con el envío de mensajes</a:t>
+              <a:t>”</a:t>
+            </a:r>
+          </a:p>
+          <a:p>
+            <a:r>
+              <a:rPr lang="es-CO" dirty="0" smtClean="0"/>
+              <a:t>Correlacionar </a:t>
+            </a:r>
+            <a:r>
+              <a:rPr lang="es-CO" dirty="0" smtClean="0"/>
+              <a:t>la comunicación correcta con el envío de </a:t>
+            </a:r>
+            <a:r>
+              <a:rPr lang="es-CO" dirty="0" smtClean="0"/>
+              <a:t>mensajes</a:t>
+            </a:r>
+          </a:p>
+          <a:p>
+            <a:r>
+              <a:rPr lang="es-CO" dirty="0" smtClean="0"/>
+              <a:t>Condición parejas: “Cantidad” de interacción</a:t>
+            </a:r>
+          </a:p>
+          <a:p>
+            <a:r>
+              <a:rPr lang="es-CO" dirty="0" smtClean="0"/>
+              <a:t>Sacar índice de cooperación </a:t>
+            </a:r>
+            <a:r>
+              <a:rPr lang="es-CO" smtClean="0"/>
+              <a:t>=&gt; Alejandro</a:t>
             </a:r>
             <a:endParaRPr lang="es-CO" dirty="0"/>
           </a:p>
@@ -3627,7 +3670,23 @@
           <a:p>
             <a:r>
               <a:rPr lang="es-CO" dirty="0" smtClean="0"/>
-              <a:t>2 tratamientos: individual y por parejas</a:t>
+              <a:t>2 </a:t>
+            </a:r>
+            <a:r>
+              <a:rPr lang="es-CO" dirty="0" smtClean="0"/>
+              <a:t>tratamientos (</a:t>
+            </a:r>
+            <a:r>
+              <a:rPr lang="es-CO" dirty="0" err="1" smtClean="0"/>
+              <a:t>between-subjects</a:t>
+            </a:r>
+            <a:r>
+              <a:rPr lang="es-CO" dirty="0" smtClean="0"/>
+              <a:t>): </a:t>
+            </a:r>
+            <a:r>
+              <a:rPr lang="es-CO" dirty="0" smtClean="0"/>
+              <a:t>individual y por parejas</a:t>
             </a:r>
           </a:p>
           <a:p>
@@ -3677,13 +3736,7 @@
               <a:rPr lang="es-CO" dirty="0" smtClean="0">
                 <a:sym typeface="Symbol" panose="05050102010706020507" pitchFamily="18" charset="2"/>
               </a:rPr>
-              <a:t>X</a:t>
-            </a:r>
-            <a:r>
-              <a:rPr lang="es-CO" dirty="0" smtClean="0">
-                <a:sym typeface="Symbol" panose="05050102010706020507" pitchFamily="18" charset="2"/>
-              </a:rPr>
-              <a:t>26k)</a:t>
+              <a:t>X26k)</a:t>
             </a:r>
           </a:p>
           <a:p>
@@ -3795,11 +3848,7 @@
             </a:r>
             <a:r>
               <a:rPr lang="es-CO" dirty="0" smtClean="0"/>
-              <a:t> Terrier, </a:t>
-            </a:r>
-            <a:r>
-              <a:rPr lang="es-CO" dirty="0" smtClean="0"/>
-              <a:t>Norwich Terrier, </a:t>
+              <a:t> Terrier, Norwich Terrier, </a:t>
             </a:r>
             <a:r>
               <a:rPr lang="es-CO" dirty="0" err="1" smtClean="0"/>
@@ -3815,11 +3864,7 @@
             </a:r>
             <a:r>
               <a:rPr lang="es-CO" dirty="0" smtClean="0"/>
-              <a:t>, </a:t>
-            </a:r>
-            <a:r>
-              <a:rPr lang="es-CO" dirty="0" smtClean="0"/>
-              <a:t>Scottish </a:t>
+              <a:t>, Scottish </a:t>
             </a:r>
             <a:r>
               <a:rPr lang="es-CO" dirty="0" err="1" smtClean="0"/>
@@ -3830,11 +3875,7 @@
           <a:p>
             <a:r>
               <a:rPr lang="es-CO" dirty="0" smtClean="0"/>
-              <a:t>Pago: 1 perro correcto =&gt; 2k, </a:t>
-            </a:r>
-            <a:r>
-              <a:rPr lang="es-CO" dirty="0" smtClean="0"/>
-              <a:t>2 perros =&gt; 4k, 3 perros =&gt; 6k, 4 perros =&gt; 9k, 5 perros =&gt; 13k</a:t>
+              <a:t>Pago: 1 perro correcto =&gt; 2k, 2 perros =&gt; 4k, 3 perros =&gt; 6k, 4 perros =&gt; 9k, 5 perros =&gt; 13k</a:t>
             </a:r>
           </a:p>
           <a:p>

--- a/12-16-18-23-27-sept-2019/Analysis/Colaboración, uso del lenguaje y comprensión.pptx
+++ b/12-16-18-23-27-sept-2019/Analysis/Colaboración, uso del lenguaje y comprensión.pptx
@@ -14,10 +14,12 @@
     <p:sldId id="262" r:id="rId8"/>
     <p:sldId id="263" r:id="rId9"/>
     <p:sldId id="264" r:id="rId10"/>
-    <p:sldId id="265" r:id="rId11"/>
-    <p:sldId id="266" r:id="rId12"/>
-    <p:sldId id="268" r:id="rId13"/>
-    <p:sldId id="267" r:id="rId14"/>
+    <p:sldId id="269" r:id="rId11"/>
+    <p:sldId id="270" r:id="rId12"/>
+    <p:sldId id="265" r:id="rId13"/>
+    <p:sldId id="266" r:id="rId14"/>
+    <p:sldId id="268" r:id="rId15"/>
+    <p:sldId id="267" r:id="rId16"/>
   </p:sldIdLst>
   <p:sldSz cx="12192000" cy="6858000"/>
   <p:notesSz cx="6858000" cy="9144000"/>
@@ -255,7 +257,7 @@
           <a:p>
             <a:fld id="{7A7858B5-3D53-4E9C-A8C8-DB087F1FBF2D}" type="datetimeFigureOut">
               <a:rPr lang="es-CO" smtClean="0"/>
-              <a:t>15/01/2020</a:t>
+              <a:t>21/01/2020</a:t>
             </a:fld>
             <a:endParaRPr lang="es-CO"/>
           </a:p>
@@ -425,7 +427,7 @@
           <a:p>
             <a:fld id="{7A7858B5-3D53-4E9C-A8C8-DB087F1FBF2D}" type="datetimeFigureOut">
               <a:rPr lang="es-CO" smtClean="0"/>
-              <a:t>15/01/2020</a:t>
+              <a:t>21/01/2020</a:t>
             </a:fld>
             <a:endParaRPr lang="es-CO"/>
           </a:p>
@@ -605,7 +607,7 @@
           <a:p>
             <a:fld id="{7A7858B5-3D53-4E9C-A8C8-DB087F1FBF2D}" type="datetimeFigureOut">
               <a:rPr lang="es-CO" smtClean="0"/>
-              <a:t>15/01/2020</a:t>
+              <a:t>21/01/2020</a:t>
             </a:fld>
             <a:endParaRPr lang="es-CO"/>
           </a:p>
@@ -775,7 +777,7 @@
           <a:p>
             <a:fld id="{7A7858B5-3D53-4E9C-A8C8-DB087F1FBF2D}" type="datetimeFigureOut">
               <a:rPr lang="es-CO" smtClean="0"/>
-              <a:t>15/01/2020</a:t>
+              <a:t>21/01/2020</a:t>
             </a:fld>
             <a:endParaRPr lang="es-CO"/>
           </a:p>
@@ -1021,7 +1023,7 @@
           <a:p>
             <a:fld id="{7A7858B5-3D53-4E9C-A8C8-DB087F1FBF2D}" type="datetimeFigureOut">
               <a:rPr lang="es-CO" smtClean="0"/>
-              <a:t>15/01/2020</a:t>
+              <a:t>21/01/2020</a:t>
             </a:fld>
             <a:endParaRPr lang="es-CO"/>
           </a:p>
@@ -1253,7 +1255,7 @@
           <a:p>
             <a:fld id="{7A7858B5-3D53-4E9C-A8C8-DB087F1FBF2D}" type="datetimeFigureOut">
               <a:rPr lang="es-CO" smtClean="0"/>
-              <a:t>15/01/2020</a:t>
+              <a:t>21/01/2020</a:t>
             </a:fld>
             <a:endParaRPr lang="es-CO"/>
           </a:p>
@@ -1620,7 +1622,7 @@
           <a:p>
             <a:fld id="{7A7858B5-3D53-4E9C-A8C8-DB087F1FBF2D}" type="datetimeFigureOut">
               <a:rPr lang="es-CO" smtClean="0"/>
-              <a:t>15/01/2020</a:t>
+              <a:t>21/01/2020</a:t>
             </a:fld>
             <a:endParaRPr lang="es-CO"/>
           </a:p>
@@ -1738,7 +1740,7 @@
           <a:p>
             <a:fld id="{7A7858B5-3D53-4E9C-A8C8-DB087F1FBF2D}" type="datetimeFigureOut">
               <a:rPr lang="es-CO" smtClean="0"/>
-              <a:t>15/01/2020</a:t>
+              <a:t>21/01/2020</a:t>
             </a:fld>
             <a:endParaRPr lang="es-CO"/>
           </a:p>
@@ -1833,7 +1835,7 @@
           <a:p>
             <a:fld id="{7A7858B5-3D53-4E9C-A8C8-DB087F1FBF2D}" type="datetimeFigureOut">
               <a:rPr lang="es-CO" smtClean="0"/>
-              <a:t>15/01/2020</a:t>
+              <a:t>21/01/2020</a:t>
             </a:fld>
             <a:endParaRPr lang="es-CO"/>
           </a:p>
@@ -2110,7 +2112,7 @@
           <a:p>
             <a:fld id="{7A7858B5-3D53-4E9C-A8C8-DB087F1FBF2D}" type="datetimeFigureOut">
               <a:rPr lang="es-CO" smtClean="0"/>
-              <a:t>15/01/2020</a:t>
+              <a:t>21/01/2020</a:t>
             </a:fld>
             <a:endParaRPr lang="es-CO"/>
           </a:p>
@@ -2363,7 +2365,7 @@
           <a:p>
             <a:fld id="{7A7858B5-3D53-4E9C-A8C8-DB087F1FBF2D}" type="datetimeFigureOut">
               <a:rPr lang="es-CO" smtClean="0"/>
-              <a:t>15/01/2020</a:t>
+              <a:t>21/01/2020</a:t>
             </a:fld>
             <a:endParaRPr lang="es-CO"/>
           </a:p>
@@ -2576,7 +2578,7 @@
           <a:p>
             <a:fld id="{7A7858B5-3D53-4E9C-A8C8-DB087F1FBF2D}" type="datetimeFigureOut">
               <a:rPr lang="es-CO" smtClean="0"/>
-              <a:t>15/01/2020</a:t>
+              <a:t>21/01/2020</a:t>
             </a:fld>
             <a:endParaRPr lang="es-CO"/>
           </a:p>
@@ -3070,6 +3072,304 @@
           <a:p>
             <a:r>
               <a:rPr lang="es-CO" dirty="0" smtClean="0"/>
+              <a:t>Score in </a:t>
+            </a:r>
+            <a:r>
+              <a:rPr lang="es-CO" dirty="0" err="1" smtClean="0"/>
+              <a:t>game</a:t>
+            </a:r>
+            <a:r>
+              <a:rPr lang="es-CO" dirty="0" smtClean="0"/>
+              <a:t> rounds</a:t>
+            </a:r>
+            <a:endParaRPr lang="es-CO" dirty="0"/>
+          </a:p>
+        </p:txBody>
+      </p:sp>
+      <p:pic>
+        <p:nvPicPr>
+          <p:cNvPr id="3" name="Imagen 2"/>
+          <p:cNvPicPr>
+            <a:picLocks noChangeAspect="1"/>
+          </p:cNvPicPr>
+          <p:nvPr/>
+        </p:nvPicPr>
+        <p:blipFill>
+          <a:blip r:embed="rId2"/>
+          <a:stretch>
+            <a:fillRect/>
+          </a:stretch>
+        </p:blipFill>
+        <p:spPr>
+          <a:xfrm>
+            <a:off x="1705232" y="1441183"/>
+            <a:ext cx="7718853" cy="3855747"/>
+          </a:xfrm>
+          <a:prstGeom prst="rect">
+            <a:avLst/>
+          </a:prstGeom>
+        </p:spPr>
+      </p:pic>
+      <p:sp>
+        <p:nvSpPr>
+          <p:cNvPr id="7" name="CuadroTexto 6"/>
+          <p:cNvSpPr txBox="1"/>
+          <p:nvPr/>
+        </p:nvSpPr>
+        <p:spPr>
+          <a:xfrm>
+            <a:off x="1482811" y="5782962"/>
+            <a:ext cx="7625934" cy="646331"/>
+          </a:xfrm>
+          <a:prstGeom prst="rect">
+            <a:avLst/>
+          </a:prstGeom>
+          <a:noFill/>
+        </p:spPr>
+        <p:txBody>
+          <a:bodyPr wrap="none" rtlCol="0">
+            <a:spAutoFit/>
+          </a:bodyPr>
+          <a:lstStyle/>
+          <a:p>
+            <a:pPr marL="285750" indent="-285750">
+              <a:buFont typeface="Arial" panose="020B0604020202020204" pitchFamily="34" charset="0"/>
+              <a:buChar char="•"/>
+            </a:pPr>
+            <a:r>
+              <a:rPr lang="es-CO" dirty="0" smtClean="0"/>
+              <a:t>No se observa diferencia significativa respecto a los grupos y a los individuos</a:t>
+            </a:r>
+          </a:p>
+          <a:p>
+            <a:pPr marL="285750" indent="-285750">
+              <a:buFont typeface="Arial" panose="020B0604020202020204" pitchFamily="34" charset="0"/>
+              <a:buChar char="•"/>
+            </a:pPr>
+            <a:r>
+              <a:rPr lang="es-CO" dirty="0"/>
+              <a:t>No se observa diferencia </a:t>
+            </a:r>
+            <a:r>
+              <a:rPr lang="es-CO" dirty="0" smtClean="0"/>
+              <a:t>significativa respecto a los </a:t>
+            </a:r>
+            <a:r>
+              <a:rPr lang="es-CO" dirty="0" err="1" smtClean="0"/>
+              <a:t>hounds</a:t>
+            </a:r>
+            <a:r>
+              <a:rPr lang="es-CO" dirty="0" smtClean="0"/>
+              <a:t> y a los </a:t>
+            </a:r>
+            <a:r>
+              <a:rPr lang="es-CO" dirty="0" err="1" smtClean="0"/>
+              <a:t>terriers</a:t>
+            </a:r>
+            <a:endParaRPr lang="es-CO" dirty="0"/>
+          </a:p>
+        </p:txBody>
+      </p:sp>
+    </p:spTree>
+    <p:extLst>
+      <p:ext uri="{BB962C8B-B14F-4D97-AF65-F5344CB8AC3E}">
+        <p14:creationId xmlns:p14="http://schemas.microsoft.com/office/powerpoint/2010/main" val="43718161"/>
+      </p:ext>
+    </p:extLst>
+  </p:cSld>
+  <p:clrMapOvr>
+    <a:masterClrMapping/>
+  </p:clrMapOvr>
+</p:sld>
+</file>
+
+<file path=ppt/slides/slide11.xml><?xml version="1.0" encoding="utf-8"?>
+<p:sld xmlns:a="http://schemas.openxmlformats.org/drawingml/2006/main" xmlns:r="http://schemas.openxmlformats.org/officeDocument/2006/relationships" xmlns:p="http://schemas.openxmlformats.org/presentationml/2006/main">
+  <p:cSld>
+    <p:spTree>
+      <p:nvGrpSpPr>
+        <p:cNvPr id="1" name=""/>
+        <p:cNvGrpSpPr/>
+        <p:nvPr/>
+      </p:nvGrpSpPr>
+      <p:grpSpPr>
+        <a:xfrm>
+          <a:off x="0" y="0"/>
+          <a:ext cx="0" cy="0"/>
+          <a:chOff x="0" y="0"/>
+          <a:chExt cx="0" cy="0"/>
+        </a:xfrm>
+      </p:grpSpPr>
+      <p:sp>
+        <p:nvSpPr>
+          <p:cNvPr id="2" name="Título 1"/>
+          <p:cNvSpPr>
+            <a:spLocks noGrp="1"/>
+          </p:cNvSpPr>
+          <p:nvPr>
+            <p:ph type="title"/>
+          </p:nvPr>
+        </p:nvSpPr>
+        <p:spPr/>
+        <p:txBody>
+          <a:bodyPr/>
+          <a:lstStyle/>
+          <a:p>
+            <a:r>
+              <a:rPr lang="es-CO" dirty="0" err="1" smtClean="0"/>
+              <a:t>Number</a:t>
+            </a:r>
+            <a:r>
+              <a:rPr lang="es-CO" dirty="0" smtClean="0"/>
+              <a:t> of </a:t>
+            </a:r>
+            <a:r>
+              <a:rPr lang="es-CO" dirty="0" err="1" smtClean="0"/>
+              <a:t>messages</a:t>
+            </a:r>
+            <a:r>
+              <a:rPr lang="es-CO" dirty="0" smtClean="0"/>
+              <a:t> per round</a:t>
+            </a:r>
+            <a:endParaRPr lang="es-CO" dirty="0"/>
+          </a:p>
+        </p:txBody>
+      </p:sp>
+      <p:sp>
+        <p:nvSpPr>
+          <p:cNvPr id="7" name="CuadroTexto 6"/>
+          <p:cNvSpPr txBox="1"/>
+          <p:nvPr/>
+        </p:nvSpPr>
+        <p:spPr>
+          <a:xfrm>
+            <a:off x="1482811" y="5782962"/>
+            <a:ext cx="9202456" cy="646331"/>
+          </a:xfrm>
+          <a:prstGeom prst="rect">
+            <a:avLst/>
+          </a:prstGeom>
+          <a:noFill/>
+        </p:spPr>
+        <p:txBody>
+          <a:bodyPr wrap="none" rtlCol="0">
+            <a:spAutoFit/>
+          </a:bodyPr>
+          <a:lstStyle/>
+          <a:p>
+            <a:pPr marL="285750" indent="-285750">
+              <a:buFont typeface="Arial" panose="020B0604020202020204" pitchFamily="34" charset="0"/>
+              <a:buChar char="•"/>
+            </a:pPr>
+            <a:r>
+              <a:rPr lang="es-CO" dirty="0" smtClean="0"/>
+              <a:t>La comunicación promedio disminuye muy poco y termina alrededor de 1 mensaje por ronda</a:t>
+            </a:r>
+          </a:p>
+          <a:p>
+            <a:pPr marL="285750" indent="-285750">
+              <a:buFont typeface="Arial" panose="020B0604020202020204" pitchFamily="34" charset="0"/>
+              <a:buChar char="•"/>
+            </a:pPr>
+            <a:r>
+              <a:rPr lang="es-CO" dirty="0" smtClean="0"/>
+              <a:t>No </a:t>
+            </a:r>
+            <a:r>
+              <a:rPr lang="es-CO" dirty="0"/>
+              <a:t>se observa diferencia </a:t>
+            </a:r>
+            <a:r>
+              <a:rPr lang="es-CO" dirty="0" smtClean="0"/>
+              <a:t>significativa respecto a los </a:t>
+            </a:r>
+            <a:r>
+              <a:rPr lang="es-CO" dirty="0" err="1" smtClean="0"/>
+              <a:t>hounds</a:t>
+            </a:r>
+            <a:r>
+              <a:rPr lang="es-CO" dirty="0" smtClean="0"/>
+              <a:t> y a los </a:t>
+            </a:r>
+            <a:r>
+              <a:rPr lang="es-CO" dirty="0" err="1" smtClean="0"/>
+              <a:t>terriers</a:t>
+            </a:r>
+            <a:endParaRPr lang="es-CO" dirty="0"/>
+          </a:p>
+        </p:txBody>
+      </p:sp>
+      <p:pic>
+        <p:nvPicPr>
+          <p:cNvPr id="5" name="Imagen 4"/>
+          <p:cNvPicPr>
+            <a:picLocks noChangeAspect="1"/>
+          </p:cNvPicPr>
+          <p:nvPr/>
+        </p:nvPicPr>
+        <p:blipFill>
+          <a:blip r:embed="rId2"/>
+          <a:stretch>
+            <a:fillRect/>
+          </a:stretch>
+        </p:blipFill>
+        <p:spPr>
+          <a:xfrm>
+            <a:off x="2597286" y="1550473"/>
+            <a:ext cx="5920638" cy="4232489"/>
+          </a:xfrm>
+          <a:prstGeom prst="rect">
+            <a:avLst/>
+          </a:prstGeom>
+        </p:spPr>
+      </p:pic>
+    </p:spTree>
+    <p:extLst>
+      <p:ext uri="{BB962C8B-B14F-4D97-AF65-F5344CB8AC3E}">
+        <p14:creationId xmlns:p14="http://schemas.microsoft.com/office/powerpoint/2010/main" val="211567745"/>
+      </p:ext>
+    </p:extLst>
+  </p:cSld>
+  <p:clrMapOvr>
+    <a:masterClrMapping/>
+  </p:clrMapOvr>
+</p:sld>
+</file>
+
+<file path=ppt/slides/slide12.xml><?xml version="1.0" encoding="utf-8"?>
+<p:sld xmlns:a="http://schemas.openxmlformats.org/drawingml/2006/main" xmlns:r="http://schemas.openxmlformats.org/officeDocument/2006/relationships" xmlns:p="http://schemas.openxmlformats.org/presentationml/2006/main">
+  <p:cSld>
+    <p:spTree>
+      <p:nvGrpSpPr>
+        <p:cNvPr id="1" name=""/>
+        <p:cNvGrpSpPr/>
+        <p:nvPr/>
+      </p:nvGrpSpPr>
+      <p:grpSpPr>
+        <a:xfrm>
+          <a:off x="0" y="0"/>
+          <a:ext cx="0" cy="0"/>
+          <a:chOff x="0" y="0"/>
+          <a:chExt cx="0" cy="0"/>
+        </a:xfrm>
+      </p:grpSpPr>
+      <p:sp>
+        <p:nvSpPr>
+          <p:cNvPr id="2" name="Título 1"/>
+          <p:cNvSpPr>
+            <a:spLocks noGrp="1"/>
+          </p:cNvSpPr>
+          <p:nvPr>
+            <p:ph type="title"/>
+          </p:nvPr>
+        </p:nvSpPr>
+        <p:spPr/>
+        <p:txBody>
+          <a:bodyPr/>
+          <a:lstStyle/>
+          <a:p>
+            <a:r>
+              <a:rPr lang="es-CO" dirty="0" smtClean="0"/>
               <a:t>Algunos resultados (2/3)</a:t>
             </a:r>
             <a:endParaRPr lang="es-CO" dirty="0"/>
@@ -3113,7 +3413,7 @@
 </p:sld>
 </file>
 
-<file path=ppt/slides/slide11.xml><?xml version="1.0" encoding="utf-8"?>
+<file path=ppt/slides/slide13.xml><?xml version="1.0" encoding="utf-8"?>
 <p:sld xmlns:a="http://schemas.openxmlformats.org/drawingml/2006/main" xmlns:r="http://schemas.openxmlformats.org/officeDocument/2006/relationships" xmlns:p="http://schemas.openxmlformats.org/presentationml/2006/main">
   <p:cSld>
     <p:spTree>
@@ -3190,7 +3490,7 @@
 </p:sld>
 </file>
 
-<file path=ppt/slides/slide12.xml><?xml version="1.0" encoding="utf-8"?>
+<file path=ppt/slides/slide14.xml><?xml version="1.0" encoding="utf-8"?>
 <p:sld xmlns:a="http://schemas.openxmlformats.org/drawingml/2006/main" xmlns:r="http://schemas.openxmlformats.org/officeDocument/2006/relationships" xmlns:p="http://schemas.openxmlformats.org/presentationml/2006/main">
   <p:cSld>
     <p:spTree>
@@ -3280,7 +3580,7 @@
 </p:sld>
 </file>
 
-<file path=ppt/slides/slide13.xml><?xml version="1.0" encoding="utf-8"?>
+<file path=ppt/slides/slide15.xml><?xml version="1.0" encoding="utf-8"?>
 <p:sld xmlns:a="http://schemas.openxmlformats.org/drawingml/2006/main" xmlns:r="http://schemas.openxmlformats.org/officeDocument/2006/relationships" xmlns:p="http://schemas.openxmlformats.org/presentationml/2006/main">
   <p:cSld>
     <p:spTree>
@@ -3339,11 +3639,7 @@
           <a:p>
             <a:r>
               <a:rPr lang="es-CO" dirty="0" smtClean="0"/>
-              <a:t>Gráficas </a:t>
-            </a:r>
-            <a:r>
-              <a:rPr lang="es-CO" dirty="0" smtClean="0"/>
-              <a:t>de desempeño separando </a:t>
+              <a:t>Gráficas de desempeño separando </a:t>
             </a:r>
             <a:r>
               <a:rPr lang="es-CO" dirty="0" err="1" smtClean="0"/>
@@ -3357,32 +3653,28 @@
               <a:rPr lang="es-CO" dirty="0" err="1" smtClean="0"/>
               <a:t>Hounds</a:t>
             </a:r>
+            <a:r>
+              <a:rPr lang="es-CO" dirty="0" smtClean="0"/>
+              <a:t> =&gt; OK</a:t>
+            </a:r>
             <a:endParaRPr lang="es-CO" dirty="0"/>
           </a:p>
           <a:p>
-            <a:pPr lvl="1"/>
-            <a:r>
-              <a:rPr lang="es-CO" dirty="0" smtClean="0"/>
-              <a:t>Ya están las tablas, pero hay que combinarlas =&gt; </a:t>
-            </a:r>
-            <a:r>
-              <a:rPr lang="es-CO" dirty="0" err="1" smtClean="0"/>
-              <a:t>Ezzzgar</a:t>
-            </a:r>
-            <a:endParaRPr lang="es-CO" dirty="0" smtClean="0"/>
-          </a:p>
-          <a:p>
-            <a:r>
-              <a:rPr lang="es-CO" dirty="0" smtClean="0"/>
-              <a:t>Graficar el número de mensajes por ronda, agregado y también de acuerdo a </a:t>
-            </a:r>
-            <a:r>
-              <a:rPr lang="es-CO" dirty="0" smtClean="0"/>
-              <a:t>experticia =&gt; </a:t>
-            </a:r>
-            <a:r>
-              <a:rPr lang="es-CO" dirty="0" err="1" smtClean="0"/>
-              <a:t>Ezzzgar</a:t>
+            <a:r>
+              <a:rPr lang="es-CO" dirty="0" smtClean="0"/>
+              <a:t>Graficar </a:t>
+            </a:r>
+            <a:r>
+              <a:rPr lang="es-CO" dirty="0" smtClean="0"/>
+              <a:t>el número de mensajes por ronda, agregado y también de acuerdo a experticia </a:t>
+            </a:r>
+            <a:r>
+              <a:rPr lang="es-CO" smtClean="0"/>
+              <a:t>=&gt; </a:t>
+            </a:r>
+            <a:r>
+              <a:rPr lang="es-CO" smtClean="0"/>
+              <a:t>OK</a:t>
             </a:r>
             <a:endParaRPr lang="es-CO" dirty="0" smtClean="0"/>
           </a:p>
@@ -3417,15 +3709,7 @@
           <a:p>
             <a:r>
               <a:rPr lang="es-CO" dirty="0" smtClean="0"/>
-              <a:t>Correlacionar </a:t>
-            </a:r>
-            <a:r>
-              <a:rPr lang="es-CO" dirty="0" smtClean="0"/>
-              <a:t>la comunicación correcta con el envío de </a:t>
-            </a:r>
-            <a:r>
-              <a:rPr lang="es-CO" dirty="0" smtClean="0"/>
-              <a:t>mensajes</a:t>
+              <a:t>Correlacionar la comunicación correcta con el envío de mensajes</a:t>
             </a:r>
           </a:p>
           <a:p>
@@ -3437,11 +3721,7 @@
           <a:p>
             <a:r>
               <a:rPr lang="es-CO" dirty="0" smtClean="0"/>
-              <a:t>Sacar índice de cooperación </a:t>
-            </a:r>
-            <a:r>
-              <a:rPr lang="es-CO" smtClean="0"/>
-              <a:t>=&gt; Alejandro</a:t>
+              <a:t>Sacar índice de cooperación =&gt; Alejandro</a:t>
             </a:r>
             <a:endParaRPr lang="es-CO" dirty="0"/>
           </a:p>
@@ -3670,11 +3950,7 @@
           <a:p>
             <a:r>
               <a:rPr lang="es-CO" dirty="0" smtClean="0"/>
-              <a:t>2 </a:t>
-            </a:r>
-            <a:r>
-              <a:rPr lang="es-CO" dirty="0" smtClean="0"/>
-              <a:t>tratamientos (</a:t>
+              <a:t>2 tratamientos (</a:t>
             </a:r>
             <a:r>
               <a:rPr lang="es-CO" dirty="0" err="1" smtClean="0"/>
@@ -3682,11 +3958,7 @@
             </a:r>
             <a:r>
               <a:rPr lang="es-CO" dirty="0" smtClean="0"/>
-              <a:t>): </a:t>
-            </a:r>
-            <a:r>
-              <a:rPr lang="es-CO" dirty="0" smtClean="0"/>
-              <a:t>individual y por parejas</a:t>
+              <a:t>): individual y por parejas</a:t>
             </a:r>
           </a:p>
           <a:p>
@@ -4434,7 +4706,7 @@
           <a:p>
             <a:r>
               <a:rPr lang="es-CO" dirty="0" smtClean="0"/>
-              <a:t>Algunos resultados (1/3)</a:t>
+              <a:t>Score in training rounds</a:t>
             </a:r>
             <a:endParaRPr lang="es-CO" dirty="0"/>
           </a:p>
@@ -4442,7 +4714,7 @@
       </p:sp>
       <p:pic>
         <p:nvPicPr>
-          <p:cNvPr id="6" name="Imagen 5"/>
+          <p:cNvPr id="3" name="Imagen 2"/>
           <p:cNvPicPr>
             <a:picLocks noChangeAspect="1"/>
           </p:cNvPicPr>
@@ -4456,14 +4728,74 @@
         </p:blipFill>
         <p:spPr>
           <a:xfrm>
-            <a:off x="1039965" y="1594966"/>
-            <a:ext cx="9304762" cy="5000000"/>
+            <a:off x="1680517" y="1395549"/>
+            <a:ext cx="7776521" cy="3884553"/>
           </a:xfrm>
           <a:prstGeom prst="rect">
             <a:avLst/>
           </a:prstGeom>
         </p:spPr>
       </p:pic>
+      <p:sp>
+        <p:nvSpPr>
+          <p:cNvPr id="4" name="CuadroTexto 3"/>
+          <p:cNvSpPr txBox="1"/>
+          <p:nvPr/>
+        </p:nvSpPr>
+        <p:spPr>
+          <a:xfrm>
+            <a:off x="1482811" y="5782962"/>
+            <a:ext cx="7625934" cy="646331"/>
+          </a:xfrm>
+          <a:prstGeom prst="rect">
+            <a:avLst/>
+          </a:prstGeom>
+          <a:noFill/>
+        </p:spPr>
+        <p:txBody>
+          <a:bodyPr wrap="none" rtlCol="0">
+            <a:spAutoFit/>
+          </a:bodyPr>
+          <a:lstStyle/>
+          <a:p>
+            <a:pPr marL="285750" indent="-285750">
+              <a:buFont typeface="Arial" panose="020B0604020202020204" pitchFamily="34" charset="0"/>
+              <a:buChar char="•"/>
+            </a:pPr>
+            <a:r>
+              <a:rPr lang="es-CO" dirty="0" smtClean="0"/>
+              <a:t>No se observa diferencia significativa respecto a los grupos y a los individuos</a:t>
+            </a:r>
+          </a:p>
+          <a:p>
+            <a:pPr marL="285750" indent="-285750">
+              <a:buFont typeface="Arial" panose="020B0604020202020204" pitchFamily="34" charset="0"/>
+              <a:buChar char="•"/>
+            </a:pPr>
+            <a:r>
+              <a:rPr lang="es-CO" dirty="0"/>
+              <a:t>No se observa diferencia </a:t>
+            </a:r>
+            <a:r>
+              <a:rPr lang="es-CO" dirty="0" smtClean="0"/>
+              <a:t>significativa respecto a los </a:t>
+            </a:r>
+            <a:r>
+              <a:rPr lang="es-CO" dirty="0" err="1" smtClean="0"/>
+              <a:t>hounds</a:t>
+            </a:r>
+            <a:r>
+              <a:rPr lang="es-CO" dirty="0" smtClean="0"/>
+              <a:t> y a los </a:t>
+            </a:r>
+            <a:r>
+              <a:rPr lang="es-CO" dirty="0" err="1" smtClean="0"/>
+              <a:t>terriers</a:t>
+            </a:r>
+            <a:endParaRPr lang="es-CO" dirty="0"/>
+          </a:p>
+        </p:txBody>
+      </p:sp>
     </p:spTree>
     <p:extLst>
       <p:ext uri="{BB962C8B-B14F-4D97-AF65-F5344CB8AC3E}">

--- a/12-16-18-23-27-sept-2019/Analysis/Colaboración, uso del lenguaje y comprensión.pptx
+++ b/12-16-18-23-27-sept-2019/Analysis/Colaboración, uso del lenguaje y comprensión.pptx
@@ -13,8 +13,8 @@
     <p:sldId id="261" r:id="rId7"/>
     <p:sldId id="262" r:id="rId8"/>
     <p:sldId id="263" r:id="rId9"/>
-    <p:sldId id="264" r:id="rId10"/>
-    <p:sldId id="269" r:id="rId11"/>
+    <p:sldId id="271" r:id="rId10"/>
+    <p:sldId id="272" r:id="rId11"/>
     <p:sldId id="270" r:id="rId12"/>
     <p:sldId id="265" r:id="rId13"/>
     <p:sldId id="266" r:id="rId14"/>
@@ -257,7 +257,7 @@
           <a:p>
             <a:fld id="{7A7858B5-3D53-4E9C-A8C8-DB087F1FBF2D}" type="datetimeFigureOut">
               <a:rPr lang="es-CO" smtClean="0"/>
-              <a:t>21/01/2020</a:t>
+              <a:t>22/01/2020</a:t>
             </a:fld>
             <a:endParaRPr lang="es-CO"/>
           </a:p>
@@ -427,7 +427,7 @@
           <a:p>
             <a:fld id="{7A7858B5-3D53-4E9C-A8C8-DB087F1FBF2D}" type="datetimeFigureOut">
               <a:rPr lang="es-CO" smtClean="0"/>
-              <a:t>21/01/2020</a:t>
+              <a:t>22/01/2020</a:t>
             </a:fld>
             <a:endParaRPr lang="es-CO"/>
           </a:p>
@@ -607,7 +607,7 @@
           <a:p>
             <a:fld id="{7A7858B5-3D53-4E9C-A8C8-DB087F1FBF2D}" type="datetimeFigureOut">
               <a:rPr lang="es-CO" smtClean="0"/>
-              <a:t>21/01/2020</a:t>
+              <a:t>22/01/2020</a:t>
             </a:fld>
             <a:endParaRPr lang="es-CO"/>
           </a:p>
@@ -777,7 +777,7 @@
           <a:p>
             <a:fld id="{7A7858B5-3D53-4E9C-A8C8-DB087F1FBF2D}" type="datetimeFigureOut">
               <a:rPr lang="es-CO" smtClean="0"/>
-              <a:t>21/01/2020</a:t>
+              <a:t>22/01/2020</a:t>
             </a:fld>
             <a:endParaRPr lang="es-CO"/>
           </a:p>
@@ -1023,7 +1023,7 @@
           <a:p>
             <a:fld id="{7A7858B5-3D53-4E9C-A8C8-DB087F1FBF2D}" type="datetimeFigureOut">
               <a:rPr lang="es-CO" smtClean="0"/>
-              <a:t>21/01/2020</a:t>
+              <a:t>22/01/2020</a:t>
             </a:fld>
             <a:endParaRPr lang="es-CO"/>
           </a:p>
@@ -1255,7 +1255,7 @@
           <a:p>
             <a:fld id="{7A7858B5-3D53-4E9C-A8C8-DB087F1FBF2D}" type="datetimeFigureOut">
               <a:rPr lang="es-CO" smtClean="0"/>
-              <a:t>21/01/2020</a:t>
+              <a:t>22/01/2020</a:t>
             </a:fld>
             <a:endParaRPr lang="es-CO"/>
           </a:p>
@@ -1622,7 +1622,7 @@
           <a:p>
             <a:fld id="{7A7858B5-3D53-4E9C-A8C8-DB087F1FBF2D}" type="datetimeFigureOut">
               <a:rPr lang="es-CO" smtClean="0"/>
-              <a:t>21/01/2020</a:t>
+              <a:t>22/01/2020</a:t>
             </a:fld>
             <a:endParaRPr lang="es-CO"/>
           </a:p>
@@ -1740,7 +1740,7 @@
           <a:p>
             <a:fld id="{7A7858B5-3D53-4E9C-A8C8-DB087F1FBF2D}" type="datetimeFigureOut">
               <a:rPr lang="es-CO" smtClean="0"/>
-              <a:t>21/01/2020</a:t>
+              <a:t>22/01/2020</a:t>
             </a:fld>
             <a:endParaRPr lang="es-CO"/>
           </a:p>
@@ -1835,7 +1835,7 @@
           <a:p>
             <a:fld id="{7A7858B5-3D53-4E9C-A8C8-DB087F1FBF2D}" type="datetimeFigureOut">
               <a:rPr lang="es-CO" smtClean="0"/>
-              <a:t>21/01/2020</a:t>
+              <a:t>22/01/2020</a:t>
             </a:fld>
             <a:endParaRPr lang="es-CO"/>
           </a:p>
@@ -2112,7 +2112,7 @@
           <a:p>
             <a:fld id="{7A7858B5-3D53-4E9C-A8C8-DB087F1FBF2D}" type="datetimeFigureOut">
               <a:rPr lang="es-CO" smtClean="0"/>
-              <a:t>21/01/2020</a:t>
+              <a:t>22/01/2020</a:t>
             </a:fld>
             <a:endParaRPr lang="es-CO"/>
           </a:p>
@@ -2365,7 +2365,7 @@
           <a:p>
             <a:fld id="{7A7858B5-3D53-4E9C-A8C8-DB087F1FBF2D}" type="datetimeFigureOut">
               <a:rPr lang="es-CO" smtClean="0"/>
-              <a:t>21/01/2020</a:t>
+              <a:t>22/01/2020</a:t>
             </a:fld>
             <a:endParaRPr lang="es-CO"/>
           </a:p>
@@ -2578,7 +2578,7 @@
           <a:p>
             <a:fld id="{7A7858B5-3D53-4E9C-A8C8-DB087F1FBF2D}" type="datetimeFigureOut">
               <a:rPr lang="es-CO" smtClean="0"/>
-              <a:t>21/01/2020</a:t>
+              <a:t>22/01/2020</a:t>
             </a:fld>
             <a:endParaRPr lang="es-CO"/>
           </a:p>
@@ -3072,23 +3072,93 @@
           <a:p>
             <a:r>
               <a:rPr lang="es-CO" dirty="0" smtClean="0"/>
-              <a:t>Score in </a:t>
+              <a:t>Score per round (</a:t>
             </a:r>
             <a:r>
               <a:rPr lang="es-CO" dirty="0" err="1" smtClean="0"/>
-              <a:t>game</a:t>
-            </a:r>
-            <a:r>
-              <a:rPr lang="es-CO" dirty="0" smtClean="0"/>
-              <a:t> rounds</a:t>
+              <a:t>Game</a:t>
+            </a:r>
+            <a:r>
+              <a:rPr lang="es-CO" dirty="0" smtClean="0"/>
+              <a:t>)</a:t>
             </a:r>
             <a:endParaRPr lang="es-CO" dirty="0"/>
+          </a:p>
+        </p:txBody>
+      </p:sp>
+      <p:sp>
+        <p:nvSpPr>
+          <p:cNvPr id="7" name="CuadroTexto 6"/>
+          <p:cNvSpPr txBox="1"/>
+          <p:nvPr/>
+        </p:nvSpPr>
+        <p:spPr>
+          <a:xfrm>
+            <a:off x="1482811" y="5782962"/>
+            <a:ext cx="9902904" cy="923330"/>
+          </a:xfrm>
+          <a:prstGeom prst="rect">
+            <a:avLst/>
+          </a:prstGeom>
+          <a:noFill/>
+        </p:spPr>
+        <p:txBody>
+          <a:bodyPr wrap="none" rtlCol="0">
+            <a:spAutoFit/>
+          </a:bodyPr>
+          <a:lstStyle/>
+          <a:p>
+            <a:pPr marL="285750" indent="-285750">
+              <a:buFont typeface="Arial" panose="020B0604020202020204" pitchFamily="34" charset="0"/>
+              <a:buChar char="•"/>
+            </a:pPr>
+            <a:r>
+              <a:rPr lang="es-CO" dirty="0" smtClean="0"/>
+              <a:t>No hay diferencia entre las condiciones</a:t>
+            </a:r>
+          </a:p>
+          <a:p>
+            <a:pPr marL="285750" indent="-285750">
+              <a:buFont typeface="Arial" panose="020B0604020202020204" pitchFamily="34" charset="0"/>
+              <a:buChar char="•"/>
+            </a:pPr>
+            <a:r>
+              <a:rPr lang="es-CO" dirty="0" smtClean="0"/>
+              <a:t>No hay mucha diferencia entre las </a:t>
+            </a:r>
+            <a:r>
+              <a:rPr lang="es-CO" dirty="0" err="1" smtClean="0"/>
+              <a:t>experticies</a:t>
+            </a:r>
+            <a:r>
+              <a:rPr lang="es-CO" dirty="0" smtClean="0"/>
+              <a:t>, pero los </a:t>
+            </a:r>
+            <a:r>
+              <a:rPr lang="es-CO" dirty="0" err="1" smtClean="0"/>
+              <a:t>hound</a:t>
+            </a:r>
+            <a:r>
+              <a:rPr lang="es-CO" dirty="0" smtClean="0"/>
+              <a:t> parecen un poco mejor al comienzo</a:t>
+            </a:r>
+          </a:p>
+          <a:p>
+            <a:pPr marL="285750" indent="-285750">
+              <a:buFont typeface="Arial" panose="020B0604020202020204" pitchFamily="34" charset="0"/>
+              <a:buChar char="•"/>
+            </a:pPr>
+            <a:r>
+              <a:rPr lang="es-CO" dirty="0" smtClean="0"/>
+              <a:t>No hay diferencia entre las clases de perro</a:t>
+            </a:r>
+            <a:endParaRPr lang="es-CO" dirty="0" smtClean="0"/>
           </a:p>
         </p:txBody>
       </p:sp>
       <p:pic>
         <p:nvPicPr>
-          <p:cNvPr id="3" name="Imagen 2"/>
+          <p:cNvPr id="5" name="Imagen 4"/>
           <p:cNvPicPr>
             <a:picLocks noChangeAspect="1"/>
           </p:cNvPicPr>
@@ -3102,78 +3172,18 @@
         </p:blipFill>
         <p:spPr>
           <a:xfrm>
-            <a:off x="1705232" y="1441183"/>
-            <a:ext cx="7718853" cy="3855747"/>
+            <a:off x="453081" y="1312797"/>
+            <a:ext cx="10441760" cy="4470165"/>
           </a:xfrm>
           <a:prstGeom prst="rect">
             <a:avLst/>
           </a:prstGeom>
         </p:spPr>
       </p:pic>
-      <p:sp>
-        <p:nvSpPr>
-          <p:cNvPr id="7" name="CuadroTexto 6"/>
-          <p:cNvSpPr txBox="1"/>
-          <p:nvPr/>
-        </p:nvSpPr>
-        <p:spPr>
-          <a:xfrm>
-            <a:off x="1482811" y="5782962"/>
-            <a:ext cx="7625934" cy="646331"/>
-          </a:xfrm>
-          <a:prstGeom prst="rect">
-            <a:avLst/>
-          </a:prstGeom>
-          <a:noFill/>
-        </p:spPr>
-        <p:txBody>
-          <a:bodyPr wrap="none" rtlCol="0">
-            <a:spAutoFit/>
-          </a:bodyPr>
-          <a:lstStyle/>
-          <a:p>
-            <a:pPr marL="285750" indent="-285750">
-              <a:buFont typeface="Arial" panose="020B0604020202020204" pitchFamily="34" charset="0"/>
-              <a:buChar char="•"/>
-            </a:pPr>
-            <a:r>
-              <a:rPr lang="es-CO" dirty="0" smtClean="0"/>
-              <a:t>No se observa diferencia significativa respecto a los grupos y a los individuos</a:t>
-            </a:r>
-          </a:p>
-          <a:p>
-            <a:pPr marL="285750" indent="-285750">
-              <a:buFont typeface="Arial" panose="020B0604020202020204" pitchFamily="34" charset="0"/>
-              <a:buChar char="•"/>
-            </a:pPr>
-            <a:r>
-              <a:rPr lang="es-CO" dirty="0"/>
-              <a:t>No se observa diferencia </a:t>
-            </a:r>
-            <a:r>
-              <a:rPr lang="es-CO" dirty="0" smtClean="0"/>
-              <a:t>significativa respecto a los </a:t>
-            </a:r>
-            <a:r>
-              <a:rPr lang="es-CO" dirty="0" err="1" smtClean="0"/>
-              <a:t>hounds</a:t>
-            </a:r>
-            <a:r>
-              <a:rPr lang="es-CO" dirty="0" smtClean="0"/>
-              <a:t> y a los </a:t>
-            </a:r>
-            <a:r>
-              <a:rPr lang="es-CO" dirty="0" err="1" smtClean="0"/>
-              <a:t>terriers</a:t>
-            </a:r>
-            <a:endParaRPr lang="es-CO" dirty="0"/>
-          </a:p>
-        </p:txBody>
-      </p:sp>
     </p:spTree>
     <p:extLst>
       <p:ext uri="{BB962C8B-B14F-4D97-AF65-F5344CB8AC3E}">
-        <p14:creationId xmlns:p14="http://schemas.microsoft.com/office/powerpoint/2010/main" val="43718161"/>
+        <p14:creationId xmlns:p14="http://schemas.microsoft.com/office/powerpoint/2010/main" val="2326785754"/>
       </p:ext>
     </p:extLst>
   </p:cSld>
@@ -3662,21 +3672,8 @@
           <a:p>
             <a:r>
               <a:rPr lang="es-CO" dirty="0" smtClean="0"/>
-              <a:t>Graficar </a:t>
-            </a:r>
-            <a:r>
-              <a:rPr lang="es-CO" dirty="0" smtClean="0"/>
-              <a:t>el número de mensajes por ronda, agregado y también de acuerdo a experticia </a:t>
-            </a:r>
-            <a:r>
-              <a:rPr lang="es-CO" smtClean="0"/>
-              <a:t>=&gt; </a:t>
-            </a:r>
-            <a:r>
-              <a:rPr lang="es-CO" smtClean="0"/>
-              <a:t>OK</a:t>
-            </a:r>
-            <a:endParaRPr lang="es-CO" dirty="0" smtClean="0"/>
+              <a:t>Graficar el número de mensajes por ronda, agregado y también de acuerdo a experticia =&gt; OK</a:t>
+            </a:r>
           </a:p>
           <a:p>
             <a:r>
@@ -4706,9 +4703,87 @@
           <a:p>
             <a:r>
               <a:rPr lang="es-CO" dirty="0" smtClean="0"/>
-              <a:t>Score in training rounds</a:t>
+              <a:t>Score per round (Training)</a:t>
             </a:r>
             <a:endParaRPr lang="es-CO" dirty="0"/>
+          </a:p>
+        </p:txBody>
+      </p:sp>
+      <p:sp>
+        <p:nvSpPr>
+          <p:cNvPr id="7" name="CuadroTexto 6"/>
+          <p:cNvSpPr txBox="1"/>
+          <p:nvPr/>
+        </p:nvSpPr>
+        <p:spPr>
+          <a:xfrm>
+            <a:off x="1482811" y="5782962"/>
+            <a:ext cx="9813136" cy="923330"/>
+          </a:xfrm>
+          <a:prstGeom prst="rect">
+            <a:avLst/>
+          </a:prstGeom>
+          <a:noFill/>
+        </p:spPr>
+        <p:txBody>
+          <a:bodyPr wrap="none" rtlCol="0">
+            <a:spAutoFit/>
+          </a:bodyPr>
+          <a:lstStyle/>
+          <a:p>
+            <a:pPr marL="285750" indent="-285750">
+              <a:buFont typeface="Arial" panose="020B0604020202020204" pitchFamily="34" charset="0"/>
+              <a:buChar char="•"/>
+            </a:pPr>
+            <a:r>
+              <a:rPr lang="es-CO" dirty="0" smtClean="0"/>
+              <a:t>No hay mucha diferencia entre las condiciones, pero las parejas parecen un poco mejor</a:t>
+            </a:r>
+          </a:p>
+          <a:p>
+            <a:pPr marL="285750" indent="-285750">
+              <a:buFont typeface="Arial" panose="020B0604020202020204" pitchFamily="34" charset="0"/>
+              <a:buChar char="•"/>
+            </a:pPr>
+            <a:r>
+              <a:rPr lang="es-CO" dirty="0" smtClean="0"/>
+              <a:t>No hay mucha diferencia entre las </a:t>
+            </a:r>
+            <a:r>
+              <a:rPr lang="es-CO" dirty="0" err="1" smtClean="0"/>
+              <a:t>experticies</a:t>
+            </a:r>
+            <a:r>
+              <a:rPr lang="es-CO" dirty="0" smtClean="0"/>
+              <a:t>, pero los </a:t>
+            </a:r>
+            <a:r>
+              <a:rPr lang="es-CO" dirty="0" err="1" smtClean="0"/>
+              <a:t>hound</a:t>
+            </a:r>
+            <a:r>
+              <a:rPr lang="es-CO" dirty="0" smtClean="0"/>
+              <a:t> parecen un poco mejor</a:t>
+            </a:r>
+          </a:p>
+          <a:p>
+            <a:pPr marL="285750" indent="-285750">
+              <a:buFont typeface="Arial" panose="020B0604020202020204" pitchFamily="34" charset="0"/>
+              <a:buChar char="•"/>
+            </a:pPr>
+            <a:r>
+              <a:rPr lang="es-CO" dirty="0" smtClean="0"/>
+              <a:t>No hay mucha diferencia entre las clases de perro, pero los </a:t>
+            </a:r>
+            <a:r>
+              <a:rPr lang="es-CO" dirty="0" err="1" smtClean="0"/>
+              <a:t>Cairn</a:t>
+            </a:r>
+            <a:r>
+              <a:rPr lang="es-CO" dirty="0" smtClean="0"/>
+              <a:t> Terrier parece un poco más difíciles</a:t>
+            </a:r>
+            <a:endParaRPr lang="es-CO" dirty="0" smtClean="0"/>
           </a:p>
         </p:txBody>
       </p:sp>
@@ -4728,78 +4803,18 @@
         </p:blipFill>
         <p:spPr>
           <a:xfrm>
-            <a:off x="1680517" y="1395549"/>
-            <a:ext cx="7776521" cy="3884553"/>
+            <a:off x="780535" y="1370461"/>
+            <a:ext cx="10169912" cy="4353786"/>
           </a:xfrm>
           <a:prstGeom prst="rect">
             <a:avLst/>
           </a:prstGeom>
         </p:spPr>
       </p:pic>
-      <p:sp>
-        <p:nvSpPr>
-          <p:cNvPr id="4" name="CuadroTexto 3"/>
-          <p:cNvSpPr txBox="1"/>
-          <p:nvPr/>
-        </p:nvSpPr>
-        <p:spPr>
-          <a:xfrm>
-            <a:off x="1482811" y="5782962"/>
-            <a:ext cx="7625934" cy="646331"/>
-          </a:xfrm>
-          <a:prstGeom prst="rect">
-            <a:avLst/>
-          </a:prstGeom>
-          <a:noFill/>
-        </p:spPr>
-        <p:txBody>
-          <a:bodyPr wrap="none" rtlCol="0">
-            <a:spAutoFit/>
-          </a:bodyPr>
-          <a:lstStyle/>
-          <a:p>
-            <a:pPr marL="285750" indent="-285750">
-              <a:buFont typeface="Arial" panose="020B0604020202020204" pitchFamily="34" charset="0"/>
-              <a:buChar char="•"/>
-            </a:pPr>
-            <a:r>
-              <a:rPr lang="es-CO" dirty="0" smtClean="0"/>
-              <a:t>No se observa diferencia significativa respecto a los grupos y a los individuos</a:t>
-            </a:r>
-          </a:p>
-          <a:p>
-            <a:pPr marL="285750" indent="-285750">
-              <a:buFont typeface="Arial" panose="020B0604020202020204" pitchFamily="34" charset="0"/>
-              <a:buChar char="•"/>
-            </a:pPr>
-            <a:r>
-              <a:rPr lang="es-CO" dirty="0"/>
-              <a:t>No se observa diferencia </a:t>
-            </a:r>
-            <a:r>
-              <a:rPr lang="es-CO" dirty="0" smtClean="0"/>
-              <a:t>significativa respecto a los </a:t>
-            </a:r>
-            <a:r>
-              <a:rPr lang="es-CO" dirty="0" err="1" smtClean="0"/>
-              <a:t>hounds</a:t>
-            </a:r>
-            <a:r>
-              <a:rPr lang="es-CO" dirty="0" smtClean="0"/>
-              <a:t> y a los </a:t>
-            </a:r>
-            <a:r>
-              <a:rPr lang="es-CO" dirty="0" err="1" smtClean="0"/>
-              <a:t>terriers</a:t>
-            </a:r>
-            <a:endParaRPr lang="es-CO" dirty="0"/>
-          </a:p>
-        </p:txBody>
-      </p:sp>
     </p:spTree>
     <p:extLst>
       <p:ext uri="{BB962C8B-B14F-4D97-AF65-F5344CB8AC3E}">
-        <p14:creationId xmlns:p14="http://schemas.microsoft.com/office/powerpoint/2010/main" val="2547698213"/>
+        <p14:creationId xmlns:p14="http://schemas.microsoft.com/office/powerpoint/2010/main" val="370034579"/>
       </p:ext>
     </p:extLst>
   </p:cSld>

--- a/12-16-18-23-27-sept-2019/Analysis/Colaboración, uso del lenguaje y comprensión.pptx
+++ b/12-16-18-23-27-sept-2019/Analysis/Colaboración, uso del lenguaje y comprensión.pptx
@@ -15,11 +15,16 @@
     <p:sldId id="263" r:id="rId9"/>
     <p:sldId id="271" r:id="rId10"/>
     <p:sldId id="272" r:id="rId11"/>
-    <p:sldId id="270" r:id="rId12"/>
-    <p:sldId id="265" r:id="rId13"/>
-    <p:sldId id="266" r:id="rId14"/>
+    <p:sldId id="265" r:id="rId12"/>
+    <p:sldId id="274" r:id="rId13"/>
+    <p:sldId id="273" r:id="rId14"/>
     <p:sldId id="268" r:id="rId15"/>
-    <p:sldId id="267" r:id="rId16"/>
+    <p:sldId id="270" r:id="rId16"/>
+    <p:sldId id="276" r:id="rId17"/>
+    <p:sldId id="275" r:id="rId18"/>
+    <p:sldId id="277" r:id="rId19"/>
+    <p:sldId id="278" r:id="rId20"/>
+    <p:sldId id="267" r:id="rId21"/>
   </p:sldIdLst>
   <p:sldSz cx="12192000" cy="6858000"/>
   <p:notesSz cx="6858000" cy="9144000"/>
@@ -257,7 +262,7 @@
           <a:p>
             <a:fld id="{7A7858B5-3D53-4E9C-A8C8-DB087F1FBF2D}" type="datetimeFigureOut">
               <a:rPr lang="es-CO" smtClean="0"/>
-              <a:t>22/01/2020</a:t>
+              <a:t>28/01/2020</a:t>
             </a:fld>
             <a:endParaRPr lang="es-CO"/>
           </a:p>
@@ -427,7 +432,7 @@
           <a:p>
             <a:fld id="{7A7858B5-3D53-4E9C-A8C8-DB087F1FBF2D}" type="datetimeFigureOut">
               <a:rPr lang="es-CO" smtClean="0"/>
-              <a:t>22/01/2020</a:t>
+              <a:t>28/01/2020</a:t>
             </a:fld>
             <a:endParaRPr lang="es-CO"/>
           </a:p>
@@ -607,7 +612,7 @@
           <a:p>
             <a:fld id="{7A7858B5-3D53-4E9C-A8C8-DB087F1FBF2D}" type="datetimeFigureOut">
               <a:rPr lang="es-CO" smtClean="0"/>
-              <a:t>22/01/2020</a:t>
+              <a:t>28/01/2020</a:t>
             </a:fld>
             <a:endParaRPr lang="es-CO"/>
           </a:p>
@@ -777,7 +782,7 @@
           <a:p>
             <a:fld id="{7A7858B5-3D53-4E9C-A8C8-DB087F1FBF2D}" type="datetimeFigureOut">
               <a:rPr lang="es-CO" smtClean="0"/>
-              <a:t>22/01/2020</a:t>
+              <a:t>28/01/2020</a:t>
             </a:fld>
             <a:endParaRPr lang="es-CO"/>
           </a:p>
@@ -1023,7 +1028,7 @@
           <a:p>
             <a:fld id="{7A7858B5-3D53-4E9C-A8C8-DB087F1FBF2D}" type="datetimeFigureOut">
               <a:rPr lang="es-CO" smtClean="0"/>
-              <a:t>22/01/2020</a:t>
+              <a:t>28/01/2020</a:t>
             </a:fld>
             <a:endParaRPr lang="es-CO"/>
           </a:p>
@@ -1255,7 +1260,7 @@
           <a:p>
             <a:fld id="{7A7858B5-3D53-4E9C-A8C8-DB087F1FBF2D}" type="datetimeFigureOut">
               <a:rPr lang="es-CO" smtClean="0"/>
-              <a:t>22/01/2020</a:t>
+              <a:t>28/01/2020</a:t>
             </a:fld>
             <a:endParaRPr lang="es-CO"/>
           </a:p>
@@ -1622,7 +1627,7 @@
           <a:p>
             <a:fld id="{7A7858B5-3D53-4E9C-A8C8-DB087F1FBF2D}" type="datetimeFigureOut">
               <a:rPr lang="es-CO" smtClean="0"/>
-              <a:t>22/01/2020</a:t>
+              <a:t>28/01/2020</a:t>
             </a:fld>
             <a:endParaRPr lang="es-CO"/>
           </a:p>
@@ -1740,7 +1745,7 @@
           <a:p>
             <a:fld id="{7A7858B5-3D53-4E9C-A8C8-DB087F1FBF2D}" type="datetimeFigureOut">
               <a:rPr lang="es-CO" smtClean="0"/>
-              <a:t>22/01/2020</a:t>
+              <a:t>28/01/2020</a:t>
             </a:fld>
             <a:endParaRPr lang="es-CO"/>
           </a:p>
@@ -1835,7 +1840,7 @@
           <a:p>
             <a:fld id="{7A7858B5-3D53-4E9C-A8C8-DB087F1FBF2D}" type="datetimeFigureOut">
               <a:rPr lang="es-CO" smtClean="0"/>
-              <a:t>22/01/2020</a:t>
+              <a:t>28/01/2020</a:t>
             </a:fld>
             <a:endParaRPr lang="es-CO"/>
           </a:p>
@@ -2112,7 +2117,7 @@
           <a:p>
             <a:fld id="{7A7858B5-3D53-4E9C-A8C8-DB087F1FBF2D}" type="datetimeFigureOut">
               <a:rPr lang="es-CO" smtClean="0"/>
-              <a:t>22/01/2020</a:t>
+              <a:t>28/01/2020</a:t>
             </a:fld>
             <a:endParaRPr lang="es-CO"/>
           </a:p>
@@ -2365,7 +2370,7 @@
           <a:p>
             <a:fld id="{7A7858B5-3D53-4E9C-A8C8-DB087F1FBF2D}" type="datetimeFigureOut">
               <a:rPr lang="es-CO" smtClean="0"/>
-              <a:t>22/01/2020</a:t>
+              <a:t>28/01/2020</a:t>
             </a:fld>
             <a:endParaRPr lang="es-CO"/>
           </a:p>
@@ -2578,7 +2583,7 @@
           <a:p>
             <a:fld id="{7A7858B5-3D53-4E9C-A8C8-DB087F1FBF2D}" type="datetimeFigureOut">
               <a:rPr lang="es-CO" smtClean="0"/>
-              <a:t>22/01/2020</a:t>
+              <a:t>28/01/2020</a:t>
             </a:fld>
             <a:endParaRPr lang="es-CO"/>
           </a:p>
@@ -3152,7 +3157,6 @@
               <a:rPr lang="es-CO" dirty="0" smtClean="0"/>
               <a:t>No hay diferencia entre las clases de perro</a:t>
             </a:r>
-            <a:endParaRPr lang="es-CO" dirty="0" smtClean="0"/>
           </a:p>
         </p:txBody>
       </p:sp>
@@ -3226,20 +3230,8 @@
           <a:lstStyle/>
           <a:p>
             <a:r>
-              <a:rPr lang="es-CO" dirty="0" err="1" smtClean="0"/>
-              <a:t>Number</a:t>
-            </a:r>
-            <a:r>
-              <a:rPr lang="es-CO" dirty="0" smtClean="0"/>
-              <a:t> of </a:t>
-            </a:r>
-            <a:r>
-              <a:rPr lang="es-CO" dirty="0" err="1" smtClean="0"/>
-              <a:t>messages</a:t>
-            </a:r>
-            <a:r>
-              <a:rPr lang="es-CO" dirty="0" smtClean="0"/>
-              <a:t> per round</a:t>
+              <a:rPr lang="es-CO" dirty="0" smtClean="0"/>
+              <a:t>Autoevaluación de comprensión (Condición)</a:t>
             </a:r>
             <a:endParaRPr lang="es-CO" dirty="0"/>
           </a:p>
@@ -3247,14 +3239,14 @@
       </p:sp>
       <p:sp>
         <p:nvSpPr>
-          <p:cNvPr id="7" name="CuadroTexto 6"/>
+          <p:cNvPr id="3" name="CuadroTexto 2"/>
           <p:cNvSpPr txBox="1"/>
           <p:nvPr/>
         </p:nvSpPr>
         <p:spPr>
           <a:xfrm>
-            <a:off x="1482811" y="5782962"/>
-            <a:ext cx="9202456" cy="646331"/>
+            <a:off x="1248032" y="5798952"/>
+            <a:ext cx="9695935" cy="646331"/>
           </a:xfrm>
           <a:prstGeom prst="rect">
             <a:avLst/>
@@ -3262,7 +3254,7 @@
           <a:noFill/>
         </p:spPr>
         <p:txBody>
-          <a:bodyPr wrap="none" rtlCol="0">
+          <a:bodyPr wrap="square" rtlCol="0">
             <a:spAutoFit/>
           </a:bodyPr>
           <a:lstStyle/>
@@ -3273,45 +3265,14 @@
             </a:pPr>
             <a:r>
               <a:rPr lang="es-CO" dirty="0" smtClean="0"/>
-              <a:t>La comunicación promedio disminuye muy poco y termina alrededor de 1 mensaje por ronda</a:t>
-            </a:r>
-          </a:p>
-          <a:p>
-            <a:pPr marL="285750" indent="-285750">
-              <a:buFont typeface="Arial" panose="020B0604020202020204" pitchFamily="34" charset="0"/>
-              <a:buChar char="•"/>
-            </a:pPr>
-            <a:r>
-              <a:rPr lang="es-CO" dirty="0" smtClean="0"/>
-              <a:t>No </a:t>
-            </a:r>
-            <a:r>
-              <a:rPr lang="es-CO" dirty="0"/>
-              <a:t>se observa diferencia </a:t>
-            </a:r>
-            <a:r>
-              <a:rPr lang="es-CO" dirty="0" smtClean="0"/>
-              <a:t>significativa respecto a los </a:t>
-            </a:r>
-            <a:r>
-              <a:rPr lang="es-CO" dirty="0" err="1" smtClean="0"/>
-              <a:t>hounds</a:t>
-            </a:r>
-            <a:r>
-              <a:rPr lang="es-CO" dirty="0" smtClean="0"/>
-              <a:t> y a los </a:t>
-            </a:r>
-            <a:r>
-              <a:rPr lang="es-CO" dirty="0" err="1" smtClean="0"/>
-              <a:t>terriers</a:t>
-            </a:r>
-            <a:endParaRPr lang="es-CO" dirty="0"/>
+              <a:t>No hay diferencias significativas en la autoevaluación respecto a la condición de parejas y la individual</a:t>
+            </a:r>
           </a:p>
         </p:txBody>
       </p:sp>
       <p:pic>
         <p:nvPicPr>
-          <p:cNvPr id="5" name="Imagen 4"/>
+          <p:cNvPr id="6" name="Imagen 5"/>
           <p:cNvPicPr>
             <a:picLocks noChangeAspect="1"/>
           </p:cNvPicPr>
@@ -3325,8 +3286,8 @@
         </p:blipFill>
         <p:spPr>
           <a:xfrm>
-            <a:off x="2597286" y="1550473"/>
-            <a:ext cx="5920638" cy="4232489"/>
+            <a:off x="2024190" y="1495939"/>
+            <a:ext cx="7078621" cy="4303013"/>
           </a:xfrm>
           <a:prstGeom prst="rect">
             <a:avLst/>
@@ -3336,7 +3297,7 @@
     </p:spTree>
     <p:extLst>
       <p:ext uri="{BB962C8B-B14F-4D97-AF65-F5344CB8AC3E}">
-        <p14:creationId xmlns:p14="http://schemas.microsoft.com/office/powerpoint/2010/main" val="211567745"/>
+        <p14:creationId xmlns:p14="http://schemas.microsoft.com/office/powerpoint/2010/main" val="2870950738"/>
       </p:ext>
     </p:extLst>
   </p:cSld>
@@ -3380,15 +3341,84 @@
           <a:p>
             <a:r>
               <a:rPr lang="es-CO" dirty="0" smtClean="0"/>
-              <a:t>Algunos resultados (2/3)</a:t>
+              <a:t>Autoevaluación de comprensión (Experticia)</a:t>
             </a:r>
             <a:endParaRPr lang="es-CO" dirty="0"/>
+          </a:p>
+        </p:txBody>
+      </p:sp>
+      <p:sp>
+        <p:nvSpPr>
+          <p:cNvPr id="3" name="CuadroTexto 2"/>
+          <p:cNvSpPr txBox="1"/>
+          <p:nvPr/>
+        </p:nvSpPr>
+        <p:spPr>
+          <a:xfrm>
+            <a:off x="1248032" y="5798952"/>
+            <a:ext cx="9695935" cy="646331"/>
+          </a:xfrm>
+          <a:prstGeom prst="rect">
+            <a:avLst/>
+          </a:prstGeom>
+          <a:noFill/>
+        </p:spPr>
+        <p:txBody>
+          <a:bodyPr wrap="square" rtlCol="0">
+            <a:spAutoFit/>
+          </a:bodyPr>
+          <a:lstStyle/>
+          <a:p>
+            <a:pPr marL="285750" indent="-285750">
+              <a:buFont typeface="Arial" panose="020B0604020202020204" pitchFamily="34" charset="0"/>
+              <a:buChar char="•"/>
+            </a:pPr>
+            <a:r>
+              <a:rPr lang="es-CO" dirty="0" smtClean="0"/>
+              <a:t>Los expertos en </a:t>
+            </a:r>
+            <a:r>
+              <a:rPr lang="es-CO" dirty="0" err="1" smtClean="0"/>
+              <a:t>hounds</a:t>
+            </a:r>
+            <a:r>
+              <a:rPr lang="es-CO" dirty="0" smtClean="0"/>
+              <a:t> reportan mayor comprensión sobre los </a:t>
+            </a:r>
+            <a:r>
+              <a:rPr lang="es-CO" dirty="0" err="1" smtClean="0"/>
+              <a:t>hounds</a:t>
+            </a:r>
+            <a:endParaRPr lang="es-CO" dirty="0" smtClean="0"/>
+          </a:p>
+          <a:p>
+            <a:pPr marL="285750" indent="-285750">
+              <a:buFont typeface="Arial" panose="020B0604020202020204" pitchFamily="34" charset="0"/>
+              <a:buChar char="•"/>
+            </a:pPr>
+            <a:r>
+              <a:rPr lang="es-CO" dirty="0" smtClean="0"/>
+              <a:t>Los expertos en </a:t>
+            </a:r>
+            <a:r>
+              <a:rPr lang="es-CO" dirty="0" err="1" smtClean="0"/>
+              <a:t>terriers</a:t>
+            </a:r>
+            <a:r>
+              <a:rPr lang="es-CO" dirty="0" smtClean="0"/>
+              <a:t> reportan un poquito más de comprensión sobre los </a:t>
+            </a:r>
+            <a:r>
+              <a:rPr lang="es-CO" dirty="0" err="1" smtClean="0"/>
+              <a:t>terriers</a:t>
+            </a:r>
+            <a:endParaRPr lang="es-CO" dirty="0" smtClean="0"/>
           </a:p>
         </p:txBody>
       </p:sp>
       <p:pic>
         <p:nvPicPr>
-          <p:cNvPr id="5" name="Imagen 4"/>
+          <p:cNvPr id="6" name="Imagen 5"/>
           <p:cNvPicPr>
             <a:picLocks noChangeAspect="1"/>
           </p:cNvPicPr>
@@ -3402,8 +3432,8 @@
         </p:blipFill>
         <p:spPr>
           <a:xfrm>
-            <a:off x="949347" y="1858000"/>
-            <a:ext cx="9304762" cy="5000000"/>
+            <a:off x="2007713" y="1480916"/>
+            <a:ext cx="7103335" cy="4318036"/>
           </a:xfrm>
           <a:prstGeom prst="rect">
             <a:avLst/>
@@ -3413,7 +3443,7 @@
     </p:spTree>
     <p:extLst>
       <p:ext uri="{BB962C8B-B14F-4D97-AF65-F5344CB8AC3E}">
-        <p14:creationId xmlns:p14="http://schemas.microsoft.com/office/powerpoint/2010/main" val="2870950738"/>
+        <p14:creationId xmlns:p14="http://schemas.microsoft.com/office/powerpoint/2010/main" val="779592519"/>
       </p:ext>
     </p:extLst>
   </p:cSld>
@@ -3457,15 +3487,48 @@
           <a:p>
             <a:r>
               <a:rPr lang="es-CO" dirty="0" smtClean="0"/>
-              <a:t>Algunos resultados (3/3)</a:t>
+              <a:t>Autoevaluación de comprensión de los expertos</a:t>
             </a:r>
             <a:endParaRPr lang="es-CO" dirty="0"/>
+          </a:p>
+        </p:txBody>
+      </p:sp>
+      <p:sp>
+        <p:nvSpPr>
+          <p:cNvPr id="3" name="CuadroTexto 2"/>
+          <p:cNvSpPr txBox="1"/>
+          <p:nvPr/>
+        </p:nvSpPr>
+        <p:spPr>
+          <a:xfrm>
+            <a:off x="1285103" y="5882236"/>
+            <a:ext cx="9695935" cy="646331"/>
+          </a:xfrm>
+          <a:prstGeom prst="rect">
+            <a:avLst/>
+          </a:prstGeom>
+          <a:noFill/>
+        </p:spPr>
+        <p:txBody>
+          <a:bodyPr wrap="square" rtlCol="0">
+            <a:spAutoFit/>
+          </a:bodyPr>
+          <a:lstStyle/>
+          <a:p>
+            <a:pPr marL="285750" indent="-285750">
+              <a:buFont typeface="Arial" panose="020B0604020202020204" pitchFamily="34" charset="0"/>
+              <a:buChar char="•"/>
+            </a:pPr>
+            <a:r>
+              <a:rPr lang="es-CO" dirty="0" smtClean="0"/>
+              <a:t>En la condición de parejas los expertos reportan mayor comprensión que en la condición individual. </a:t>
+            </a:r>
           </a:p>
         </p:txBody>
       </p:sp>
       <p:pic>
         <p:nvPicPr>
-          <p:cNvPr id="5" name="Imagen 4"/>
+          <p:cNvPr id="6" name="Imagen 5"/>
           <p:cNvPicPr>
             <a:picLocks noChangeAspect="1"/>
           </p:cNvPicPr>
@@ -3479,8 +3542,8 @@
         </p:blipFill>
         <p:spPr>
           <a:xfrm>
-            <a:off x="949348" y="1858000"/>
-            <a:ext cx="9304762" cy="5000000"/>
+            <a:off x="2188946" y="1497657"/>
+            <a:ext cx="7078621" cy="4303013"/>
           </a:xfrm>
           <a:prstGeom prst="rect">
             <a:avLst/>
@@ -3490,7 +3553,7 @@
     </p:spTree>
     <p:extLst>
       <p:ext uri="{BB962C8B-B14F-4D97-AF65-F5344CB8AC3E}">
-        <p14:creationId xmlns:p14="http://schemas.microsoft.com/office/powerpoint/2010/main" val="1958471459"/>
+        <p14:creationId xmlns:p14="http://schemas.microsoft.com/office/powerpoint/2010/main" val="1375924764"/>
       </p:ext>
     </p:extLst>
   </p:cSld>
@@ -3566,13 +3629,25 @@
             <a:pPr lvl="1"/>
             <a:r>
               <a:rPr lang="es-CO" dirty="0" smtClean="0"/>
-              <a:t>¿Hay diferencia por razas?</a:t>
-            </a:r>
-          </a:p>
-          <a:p>
-            <a:r>
-              <a:rPr lang="es-CO" dirty="0" smtClean="0"/>
-              <a:t>La condición por parejas tiende a reportar mayor comprensión que la condición individual en el caso de los expertos</a:t>
+              <a:t>¿Hay diferencia por razas</a:t>
+            </a:r>
+            <a:r>
+              <a:rPr lang="es-CO" dirty="0" smtClean="0"/>
+              <a:t>? =&gt; NO</a:t>
+            </a:r>
+            <a:endParaRPr lang="es-CO" dirty="0" smtClean="0"/>
+          </a:p>
+          <a:p>
+            <a:r>
+              <a:rPr lang="es-CO" dirty="0" smtClean="0"/>
+              <a:t>Los expertos reportan mayor comprensión sobre las clases en las que son expertos.</a:t>
+            </a:r>
+          </a:p>
+          <a:p>
+            <a:pPr marL="285750" indent="-285750"/>
+            <a:r>
+              <a:rPr lang="es-CO" dirty="0"/>
+              <a:t>Los expertos se consideran con mayor comprensión cuando están en parejas.</a:t>
             </a:r>
           </a:p>
         </p:txBody>
@@ -3623,8 +3698,20 @@
           <a:lstStyle/>
           <a:p>
             <a:r>
-              <a:rPr lang="es-CO" dirty="0" smtClean="0"/>
-              <a:t>Cosas por explorar</a:t>
+              <a:rPr lang="es-CO" dirty="0" err="1" smtClean="0"/>
+              <a:t>Number</a:t>
+            </a:r>
+            <a:r>
+              <a:rPr lang="es-CO" dirty="0" smtClean="0"/>
+              <a:t> of </a:t>
+            </a:r>
+            <a:r>
+              <a:rPr lang="es-CO" dirty="0" err="1" smtClean="0"/>
+              <a:t>messages</a:t>
+            </a:r>
+            <a:r>
+              <a:rPr lang="es-CO" dirty="0" smtClean="0"/>
+              <a:t> per round</a:t>
             </a:r>
             <a:endParaRPr lang="es-CO" dirty="0"/>
           </a:p>
@@ -3632,102 +3719,594 @@
       </p:sp>
       <p:sp>
         <p:nvSpPr>
-          <p:cNvPr id="3" name="Marcador de contenido 2"/>
-          <p:cNvSpPr>
-            <a:spLocks noGrp="1"/>
-          </p:cNvSpPr>
-          <p:nvPr>
-            <p:ph idx="1"/>
-          </p:nvPr>
-        </p:nvSpPr>
-        <p:spPr/>
-        <p:txBody>
-          <a:bodyPr>
-            <a:normAutofit/>
+          <p:cNvPr id="7" name="CuadroTexto 6"/>
+          <p:cNvSpPr txBox="1"/>
+          <p:nvPr/>
+        </p:nvSpPr>
+        <p:spPr>
+          <a:xfrm>
+            <a:off x="1482811" y="5782962"/>
+            <a:ext cx="9202456" cy="646331"/>
+          </a:xfrm>
+          <a:prstGeom prst="rect">
+            <a:avLst/>
+          </a:prstGeom>
+          <a:noFill/>
+        </p:spPr>
+        <p:txBody>
+          <a:bodyPr wrap="none" rtlCol="0">
+            <a:spAutoFit/>
           </a:bodyPr>
           <a:lstStyle/>
           <a:p>
-            <a:r>
-              <a:rPr lang="es-CO" dirty="0" smtClean="0"/>
-              <a:t>Gráficas de desempeño separando </a:t>
+            <a:pPr marL="285750" indent="-285750">
+              <a:buFont typeface="Arial" panose="020B0604020202020204" pitchFamily="34" charset="0"/>
+              <a:buChar char="•"/>
+            </a:pPr>
+            <a:r>
+              <a:rPr lang="es-CO" dirty="0" smtClean="0"/>
+              <a:t>La comunicación promedio disminuye muy poco y termina alrededor de 1 mensaje por ronda</a:t>
+            </a:r>
+          </a:p>
+          <a:p>
+            <a:pPr marL="285750" indent="-285750">
+              <a:buFont typeface="Arial" panose="020B0604020202020204" pitchFamily="34" charset="0"/>
+              <a:buChar char="•"/>
+            </a:pPr>
+            <a:r>
+              <a:rPr lang="es-CO" dirty="0" smtClean="0"/>
+              <a:t>No </a:t>
+            </a:r>
+            <a:r>
+              <a:rPr lang="es-CO" dirty="0"/>
+              <a:t>se observa diferencia </a:t>
+            </a:r>
+            <a:r>
+              <a:rPr lang="es-CO" dirty="0" smtClean="0"/>
+              <a:t>significativa </a:t>
+            </a:r>
+            <a:r>
+              <a:rPr lang="es-CO" dirty="0" smtClean="0"/>
+              <a:t>entre los expertos en </a:t>
             </a:r>
             <a:r>
               <a:rPr lang="es-CO" dirty="0" err="1" smtClean="0"/>
-              <a:t>Terriers</a:t>
-            </a:r>
-            <a:r>
-              <a:rPr lang="es-CO" dirty="0" smtClean="0"/>
-              <a:t> de </a:t>
+              <a:t>hounds</a:t>
+            </a:r>
+            <a:r>
+              <a:rPr lang="es-CO" dirty="0" smtClean="0"/>
+              <a:t> y </a:t>
+            </a:r>
+            <a:r>
+              <a:rPr lang="es-CO" dirty="0" smtClean="0"/>
+              <a:t>los expertos en </a:t>
             </a:r>
             <a:r>
               <a:rPr lang="es-CO" dirty="0" err="1" smtClean="0"/>
-              <a:t>Hounds</a:t>
-            </a:r>
-            <a:r>
-              <a:rPr lang="es-CO" dirty="0" smtClean="0"/>
-              <a:t> =&gt; OK</a:t>
+              <a:t>terriers</a:t>
             </a:r>
             <a:endParaRPr lang="es-CO" dirty="0"/>
           </a:p>
-          <a:p>
-            <a:r>
-              <a:rPr lang="es-CO" dirty="0" smtClean="0"/>
-              <a:t>Graficar el número de mensajes por ronda, agregado y también de acuerdo a experticia =&gt; OK</a:t>
-            </a:r>
-          </a:p>
-          <a:p>
-            <a:r>
-              <a:rPr lang="es-CO" dirty="0" err="1" smtClean="0"/>
-              <a:t>Correctitud</a:t>
-            </a:r>
-            <a:r>
-              <a:rPr lang="es-CO" dirty="0" smtClean="0"/>
-              <a:t> de clasificación =&gt; Alejandro</a:t>
-            </a:r>
-          </a:p>
-          <a:p>
-            <a:r>
-              <a:rPr lang="es-CO" dirty="0" err="1" smtClean="0"/>
-              <a:t>Correctitud</a:t>
-            </a:r>
-            <a:r>
-              <a:rPr lang="es-CO" dirty="0" smtClean="0"/>
-              <a:t> de “</a:t>
-            </a:r>
-            <a:r>
-              <a:rPr lang="es-CO" dirty="0" err="1" smtClean="0"/>
-              <a:t>guesses</a:t>
-            </a:r>
-            <a:r>
-              <a:rPr lang="es-CO" dirty="0" smtClean="0"/>
-              <a:t>”</a:t>
-            </a:r>
-          </a:p>
-          <a:p>
-            <a:r>
-              <a:rPr lang="es-CO" dirty="0" smtClean="0"/>
-              <a:t>Correlacionar la comunicación correcta con el envío de mensajes</a:t>
-            </a:r>
-          </a:p>
-          <a:p>
-            <a:r>
-              <a:rPr lang="es-CO" dirty="0" smtClean="0"/>
-              <a:t>Condición parejas: “Cantidad” de interacción</a:t>
-            </a:r>
-          </a:p>
-          <a:p>
-            <a:r>
-              <a:rPr lang="es-CO" dirty="0" smtClean="0"/>
-              <a:t>Sacar índice de cooperación =&gt; Alejandro</a:t>
-            </a:r>
-            <a:endParaRPr lang="es-CO" dirty="0"/>
-          </a:p>
-        </p:txBody>
-      </p:sp>
+        </p:txBody>
+      </p:sp>
+      <p:pic>
+        <p:nvPicPr>
+          <p:cNvPr id="3" name="Imagen 2"/>
+          <p:cNvPicPr>
+            <a:picLocks noChangeAspect="1"/>
+          </p:cNvPicPr>
+          <p:nvPr/>
+        </p:nvPicPr>
+        <p:blipFill>
+          <a:blip r:embed="rId2"/>
+          <a:stretch>
+            <a:fillRect/>
+          </a:stretch>
+        </p:blipFill>
+        <p:spPr>
+          <a:xfrm>
+            <a:off x="2057140" y="1463730"/>
+            <a:ext cx="7202189" cy="4378129"/>
+          </a:xfrm>
+          <a:prstGeom prst="rect">
+            <a:avLst/>
+          </a:prstGeom>
+        </p:spPr>
+      </p:pic>
     </p:spTree>
     <p:extLst>
       <p:ext uri="{BB962C8B-B14F-4D97-AF65-F5344CB8AC3E}">
-        <p14:creationId xmlns:p14="http://schemas.microsoft.com/office/powerpoint/2010/main" val="497127000"/>
+        <p14:creationId xmlns:p14="http://schemas.microsoft.com/office/powerpoint/2010/main" val="211567745"/>
+      </p:ext>
+    </p:extLst>
+  </p:cSld>
+  <p:clrMapOvr>
+    <a:masterClrMapping/>
+  </p:clrMapOvr>
+</p:sld>
+</file>
+
+<file path=ppt/slides/slide16.xml><?xml version="1.0" encoding="utf-8"?>
+<p:sld xmlns:a="http://schemas.openxmlformats.org/drawingml/2006/main" xmlns:r="http://schemas.openxmlformats.org/officeDocument/2006/relationships" xmlns:p="http://schemas.openxmlformats.org/presentationml/2006/main">
+  <p:cSld>
+    <p:spTree>
+      <p:nvGrpSpPr>
+        <p:cNvPr id="1" name=""/>
+        <p:cNvGrpSpPr/>
+        <p:nvPr/>
+      </p:nvGrpSpPr>
+      <p:grpSpPr>
+        <a:xfrm>
+          <a:off x="0" y="0"/>
+          <a:ext cx="0" cy="0"/>
+          <a:chOff x="0" y="0"/>
+          <a:chExt cx="0" cy="0"/>
+        </a:xfrm>
+      </p:grpSpPr>
+      <p:sp>
+        <p:nvSpPr>
+          <p:cNvPr id="2" name="Título 1"/>
+          <p:cNvSpPr>
+            <a:spLocks noGrp="1"/>
+          </p:cNvSpPr>
+          <p:nvPr>
+            <p:ph type="title"/>
+          </p:nvPr>
+        </p:nvSpPr>
+        <p:spPr/>
+        <p:txBody>
+          <a:bodyPr/>
+          <a:lstStyle/>
+          <a:p>
+            <a:r>
+              <a:rPr lang="es-CO" dirty="0" err="1" smtClean="0"/>
+              <a:t>Correctness</a:t>
+            </a:r>
+            <a:r>
+              <a:rPr lang="es-CO" dirty="0" smtClean="0"/>
+              <a:t> per </a:t>
+            </a:r>
+            <a:r>
+              <a:rPr lang="es-CO" dirty="0" smtClean="0"/>
+              <a:t>round</a:t>
+            </a:r>
+            <a:endParaRPr lang="es-CO" dirty="0"/>
+          </a:p>
+        </p:txBody>
+      </p:sp>
+      <p:sp>
+        <p:nvSpPr>
+          <p:cNvPr id="7" name="CuadroTexto 6"/>
+          <p:cNvSpPr txBox="1"/>
+          <p:nvPr/>
+        </p:nvSpPr>
+        <p:spPr>
+          <a:xfrm>
+            <a:off x="1482811" y="5782962"/>
+            <a:ext cx="8397940" cy="646331"/>
+          </a:xfrm>
+          <a:prstGeom prst="rect">
+            <a:avLst/>
+          </a:prstGeom>
+          <a:noFill/>
+        </p:spPr>
+        <p:txBody>
+          <a:bodyPr wrap="none" rtlCol="0">
+            <a:spAutoFit/>
+          </a:bodyPr>
+          <a:lstStyle/>
+          <a:p>
+            <a:pPr marL="285750" indent="-285750">
+              <a:buFont typeface="Arial" panose="020B0604020202020204" pitchFamily="34" charset="0"/>
+              <a:buChar char="•"/>
+            </a:pPr>
+            <a:r>
+              <a:rPr lang="es-CO" dirty="0" smtClean="0"/>
+              <a:t>La </a:t>
+            </a:r>
+            <a:r>
+              <a:rPr lang="es-CO" dirty="0" err="1" smtClean="0"/>
+              <a:t>correctitud</a:t>
+            </a:r>
+            <a:r>
+              <a:rPr lang="es-CO" dirty="0" smtClean="0"/>
+              <a:t> promedio de las respuestas a los mensajes enviados aumenta un poco.</a:t>
+            </a:r>
+          </a:p>
+          <a:p>
+            <a:pPr marL="285750" indent="-285750">
+              <a:buFont typeface="Arial" panose="020B0604020202020204" pitchFamily="34" charset="0"/>
+              <a:buChar char="•"/>
+            </a:pPr>
+            <a:r>
+              <a:rPr lang="es-CO" dirty="0" smtClean="0"/>
+              <a:t>No se observa diferencia significativa entre los tipos de experticia.</a:t>
+            </a:r>
+            <a:endParaRPr lang="es-CO" dirty="0"/>
+          </a:p>
+        </p:txBody>
+      </p:sp>
+      <p:pic>
+        <p:nvPicPr>
+          <p:cNvPr id="5" name="Imagen 4"/>
+          <p:cNvPicPr>
+            <a:picLocks noChangeAspect="1"/>
+          </p:cNvPicPr>
+          <p:nvPr/>
+        </p:nvPicPr>
+        <p:blipFill>
+          <a:blip r:embed="rId2"/>
+          <a:stretch>
+            <a:fillRect/>
+          </a:stretch>
+        </p:blipFill>
+        <p:spPr>
+          <a:xfrm>
+            <a:off x="1482811" y="1276264"/>
+            <a:ext cx="8342551" cy="4506698"/>
+          </a:xfrm>
+          <a:prstGeom prst="rect">
+            <a:avLst/>
+          </a:prstGeom>
+        </p:spPr>
+      </p:pic>
+    </p:spTree>
+    <p:extLst>
+      <p:ext uri="{BB962C8B-B14F-4D97-AF65-F5344CB8AC3E}">
+        <p14:creationId xmlns:p14="http://schemas.microsoft.com/office/powerpoint/2010/main" val="3553175743"/>
+      </p:ext>
+    </p:extLst>
+  </p:cSld>
+  <p:clrMapOvr>
+    <a:masterClrMapping/>
+  </p:clrMapOvr>
+</p:sld>
+</file>
+
+<file path=ppt/slides/slide17.xml><?xml version="1.0" encoding="utf-8"?>
+<p:sld xmlns:a="http://schemas.openxmlformats.org/drawingml/2006/main" xmlns:r="http://schemas.openxmlformats.org/officeDocument/2006/relationships" xmlns:p="http://schemas.openxmlformats.org/presentationml/2006/main">
+  <p:cSld>
+    <p:spTree>
+      <p:nvGrpSpPr>
+        <p:cNvPr id="1" name=""/>
+        <p:cNvGrpSpPr/>
+        <p:nvPr/>
+      </p:nvGrpSpPr>
+      <p:grpSpPr>
+        <a:xfrm>
+          <a:off x="0" y="0"/>
+          <a:ext cx="0" cy="0"/>
+          <a:chOff x="0" y="0"/>
+          <a:chExt cx="0" cy="0"/>
+        </a:xfrm>
+      </p:grpSpPr>
+      <p:sp>
+        <p:nvSpPr>
+          <p:cNvPr id="2" name="Título 1"/>
+          <p:cNvSpPr>
+            <a:spLocks noGrp="1"/>
+          </p:cNvSpPr>
+          <p:nvPr>
+            <p:ph type="title"/>
+          </p:nvPr>
+        </p:nvSpPr>
+        <p:spPr/>
+        <p:txBody>
+          <a:bodyPr/>
+          <a:lstStyle/>
+          <a:p>
+            <a:r>
+              <a:rPr lang="es-CO" dirty="0" err="1" smtClean="0"/>
+              <a:t>Number</a:t>
+            </a:r>
+            <a:r>
+              <a:rPr lang="es-CO" dirty="0" smtClean="0"/>
+              <a:t> of </a:t>
+            </a:r>
+            <a:r>
+              <a:rPr lang="es-CO" dirty="0" err="1" smtClean="0"/>
+              <a:t>messages</a:t>
+            </a:r>
+            <a:r>
+              <a:rPr lang="es-CO" dirty="0"/>
+              <a:t> </a:t>
+            </a:r>
+            <a:r>
+              <a:rPr lang="es-CO" dirty="0" smtClean="0"/>
+              <a:t>w.r.t. </a:t>
+            </a:r>
+            <a:r>
+              <a:rPr lang="es-CO" dirty="0" err="1" smtClean="0"/>
+              <a:t>correctness</a:t>
+            </a:r>
+            <a:endParaRPr lang="es-CO" dirty="0"/>
+          </a:p>
+        </p:txBody>
+      </p:sp>
+      <p:sp>
+        <p:nvSpPr>
+          <p:cNvPr id="7" name="CuadroTexto 6"/>
+          <p:cNvSpPr txBox="1"/>
+          <p:nvPr/>
+        </p:nvSpPr>
+        <p:spPr>
+          <a:xfrm>
+            <a:off x="1482811" y="5782962"/>
+            <a:ext cx="9569223" cy="369332"/>
+          </a:xfrm>
+          <a:prstGeom prst="rect">
+            <a:avLst/>
+          </a:prstGeom>
+          <a:noFill/>
+        </p:spPr>
+        <p:txBody>
+          <a:bodyPr wrap="none" rtlCol="0">
+            <a:spAutoFit/>
+          </a:bodyPr>
+          <a:lstStyle/>
+          <a:p>
+            <a:pPr marL="285750" indent="-285750">
+              <a:buFont typeface="Arial" panose="020B0604020202020204" pitchFamily="34" charset="0"/>
+              <a:buChar char="•"/>
+            </a:pPr>
+            <a:r>
+              <a:rPr lang="es-CO" dirty="0" smtClean="0"/>
+              <a:t>La comunicación promedio </a:t>
+            </a:r>
+            <a:r>
+              <a:rPr lang="es-CO" dirty="0" smtClean="0"/>
+              <a:t>disminuye a medida que aumenta la </a:t>
+            </a:r>
+            <a:r>
+              <a:rPr lang="es-CO" dirty="0" err="1" smtClean="0"/>
+              <a:t>correctitud</a:t>
+            </a:r>
+            <a:r>
+              <a:rPr lang="es-CO" dirty="0" smtClean="0"/>
+              <a:t> de los mensajes WTF!</a:t>
+            </a:r>
+            <a:endParaRPr lang="es-CO" dirty="0"/>
+          </a:p>
+        </p:txBody>
+      </p:sp>
+      <p:pic>
+        <p:nvPicPr>
+          <p:cNvPr id="4" name="Imagen 3"/>
+          <p:cNvPicPr>
+            <a:picLocks noChangeAspect="1"/>
+          </p:cNvPicPr>
+          <p:nvPr/>
+        </p:nvPicPr>
+        <p:blipFill>
+          <a:blip r:embed="rId2"/>
+          <a:stretch>
+            <a:fillRect/>
+          </a:stretch>
+        </p:blipFill>
+        <p:spPr>
+          <a:xfrm>
+            <a:off x="1476953" y="1582194"/>
+            <a:ext cx="7889470" cy="4261941"/>
+          </a:xfrm>
+          <a:prstGeom prst="rect">
+            <a:avLst/>
+          </a:prstGeom>
+        </p:spPr>
+      </p:pic>
+    </p:spTree>
+    <p:extLst>
+      <p:ext uri="{BB962C8B-B14F-4D97-AF65-F5344CB8AC3E}">
+        <p14:creationId xmlns:p14="http://schemas.microsoft.com/office/powerpoint/2010/main" val="2211966074"/>
+      </p:ext>
+    </p:extLst>
+  </p:cSld>
+  <p:clrMapOvr>
+    <a:masterClrMapping/>
+  </p:clrMapOvr>
+</p:sld>
+</file>
+
+<file path=ppt/slides/slide18.xml><?xml version="1.0" encoding="utf-8"?>
+<p:sld xmlns:a="http://schemas.openxmlformats.org/drawingml/2006/main" xmlns:r="http://schemas.openxmlformats.org/officeDocument/2006/relationships" xmlns:p="http://schemas.openxmlformats.org/presentationml/2006/main">
+  <p:cSld>
+    <p:spTree>
+      <p:nvGrpSpPr>
+        <p:cNvPr id="1" name=""/>
+        <p:cNvGrpSpPr/>
+        <p:nvPr/>
+      </p:nvGrpSpPr>
+      <p:grpSpPr>
+        <a:xfrm>
+          <a:off x="0" y="0"/>
+          <a:ext cx="0" cy="0"/>
+          <a:chOff x="0" y="0"/>
+          <a:chExt cx="0" cy="0"/>
+        </a:xfrm>
+      </p:grpSpPr>
+      <p:sp>
+        <p:nvSpPr>
+          <p:cNvPr id="2" name="Título 1"/>
+          <p:cNvSpPr>
+            <a:spLocks noGrp="1"/>
+          </p:cNvSpPr>
+          <p:nvPr>
+            <p:ph type="title"/>
+          </p:nvPr>
+        </p:nvSpPr>
+        <p:spPr/>
+        <p:txBody>
+          <a:bodyPr/>
+          <a:lstStyle/>
+          <a:p>
+            <a:r>
+              <a:rPr lang="es-CO" dirty="0" smtClean="0"/>
+              <a:t>Suposiciones</a:t>
+            </a:r>
+            <a:endParaRPr lang="es-CO" dirty="0"/>
+          </a:p>
+        </p:txBody>
+      </p:sp>
+      <p:sp>
+        <p:nvSpPr>
+          <p:cNvPr id="3" name="Marcador de contenido 2"/>
+          <p:cNvSpPr>
+            <a:spLocks noGrp="1"/>
+          </p:cNvSpPr>
+          <p:nvPr>
+            <p:ph idx="1"/>
+          </p:nvPr>
+        </p:nvSpPr>
+        <p:spPr>
+          <a:xfrm>
+            <a:off x="838200" y="5478161"/>
+            <a:ext cx="10515600" cy="698801"/>
+          </a:xfrm>
+        </p:spPr>
+        <p:txBody>
+          <a:bodyPr/>
+          <a:lstStyle/>
+          <a:p>
+            <a:r>
+              <a:rPr lang="es-CO" dirty="0" smtClean="0"/>
+              <a:t>?????</a:t>
+            </a:r>
+            <a:endParaRPr lang="es-CO" dirty="0"/>
+          </a:p>
+        </p:txBody>
+      </p:sp>
+      <p:pic>
+        <p:nvPicPr>
+          <p:cNvPr id="6" name="Imagen 5"/>
+          <p:cNvPicPr>
+            <a:picLocks noChangeAspect="1"/>
+          </p:cNvPicPr>
+          <p:nvPr/>
+        </p:nvPicPr>
+        <p:blipFill>
+          <a:blip r:embed="rId2"/>
+          <a:stretch>
+            <a:fillRect/>
+          </a:stretch>
+        </p:blipFill>
+        <p:spPr>
+          <a:xfrm>
+            <a:off x="1820562" y="1335088"/>
+            <a:ext cx="7669428" cy="4143073"/>
+          </a:xfrm>
+          <a:prstGeom prst="rect">
+            <a:avLst/>
+          </a:prstGeom>
+        </p:spPr>
+      </p:pic>
+    </p:spTree>
+    <p:extLst>
+      <p:ext uri="{BB962C8B-B14F-4D97-AF65-F5344CB8AC3E}">
+        <p14:creationId xmlns:p14="http://schemas.microsoft.com/office/powerpoint/2010/main" val="3441565506"/>
+      </p:ext>
+    </p:extLst>
+  </p:cSld>
+  <p:clrMapOvr>
+    <a:masterClrMapping/>
+  </p:clrMapOvr>
+</p:sld>
+</file>
+
+<file path=ppt/slides/slide19.xml><?xml version="1.0" encoding="utf-8"?>
+<p:sld xmlns:a="http://schemas.openxmlformats.org/drawingml/2006/main" xmlns:r="http://schemas.openxmlformats.org/officeDocument/2006/relationships" xmlns:p="http://schemas.openxmlformats.org/presentationml/2006/main">
+  <p:cSld>
+    <p:spTree>
+      <p:nvGrpSpPr>
+        <p:cNvPr id="1" name=""/>
+        <p:cNvGrpSpPr/>
+        <p:nvPr/>
+      </p:nvGrpSpPr>
+      <p:grpSpPr>
+        <a:xfrm>
+          <a:off x="0" y="0"/>
+          <a:ext cx="0" cy="0"/>
+          <a:chOff x="0" y="0"/>
+          <a:chExt cx="0" cy="0"/>
+        </a:xfrm>
+      </p:grpSpPr>
+      <p:sp>
+        <p:nvSpPr>
+          <p:cNvPr id="2" name="Título 1"/>
+          <p:cNvSpPr>
+            <a:spLocks noGrp="1"/>
+          </p:cNvSpPr>
+          <p:nvPr>
+            <p:ph type="title"/>
+          </p:nvPr>
+        </p:nvSpPr>
+        <p:spPr/>
+        <p:txBody>
+          <a:bodyPr/>
+          <a:lstStyle/>
+          <a:p>
+            <a:r>
+              <a:rPr lang="es-CO" dirty="0" smtClean="0"/>
+              <a:t>Meando fuera del tiesto</a:t>
+            </a:r>
+            <a:endParaRPr lang="es-CO" dirty="0"/>
+          </a:p>
+        </p:txBody>
+      </p:sp>
+      <p:sp>
+        <p:nvSpPr>
+          <p:cNvPr id="3" name="Marcador de contenido 2"/>
+          <p:cNvSpPr>
+            <a:spLocks noGrp="1"/>
+          </p:cNvSpPr>
+          <p:nvPr>
+            <p:ph idx="1"/>
+          </p:nvPr>
+        </p:nvSpPr>
+        <p:spPr>
+          <a:xfrm>
+            <a:off x="838200" y="5478161"/>
+            <a:ext cx="10515600" cy="698801"/>
+          </a:xfrm>
+        </p:spPr>
+        <p:txBody>
+          <a:bodyPr/>
+          <a:lstStyle/>
+          <a:p>
+            <a:r>
+              <a:rPr lang="es-CO" dirty="0" smtClean="0"/>
+              <a:t>?????</a:t>
+            </a:r>
+            <a:endParaRPr lang="es-CO" dirty="0"/>
+          </a:p>
+        </p:txBody>
+      </p:sp>
+      <p:pic>
+        <p:nvPicPr>
+          <p:cNvPr id="5" name="Imagen 4"/>
+          <p:cNvPicPr>
+            <a:picLocks noChangeAspect="1"/>
+          </p:cNvPicPr>
+          <p:nvPr/>
+        </p:nvPicPr>
+        <p:blipFill>
+          <a:blip r:embed="rId2"/>
+          <a:stretch>
+            <a:fillRect/>
+          </a:stretch>
+        </p:blipFill>
+        <p:spPr>
+          <a:xfrm>
+            <a:off x="1872369" y="1380875"/>
+            <a:ext cx="7584670" cy="4097286"/>
+          </a:xfrm>
+          <a:prstGeom prst="rect">
+            <a:avLst/>
+          </a:prstGeom>
+        </p:spPr>
+      </p:pic>
+    </p:spTree>
+    <p:extLst>
+      <p:ext uri="{BB962C8B-B14F-4D97-AF65-F5344CB8AC3E}">
+        <p14:creationId xmlns:p14="http://schemas.microsoft.com/office/powerpoint/2010/main" val="919449595"/>
       </p:ext>
     </p:extLst>
   </p:cSld>
@@ -3879,6 +4458,159 @@
     <p:extLst>
       <p:ext uri="{BB962C8B-B14F-4D97-AF65-F5344CB8AC3E}">
         <p14:creationId xmlns:p14="http://schemas.microsoft.com/office/powerpoint/2010/main" val="113695573"/>
+      </p:ext>
+    </p:extLst>
+  </p:cSld>
+  <p:clrMapOvr>
+    <a:masterClrMapping/>
+  </p:clrMapOvr>
+</p:sld>
+</file>
+
+<file path=ppt/slides/slide20.xml><?xml version="1.0" encoding="utf-8"?>
+<p:sld xmlns:a="http://schemas.openxmlformats.org/drawingml/2006/main" xmlns:r="http://schemas.openxmlformats.org/officeDocument/2006/relationships" xmlns:p="http://schemas.openxmlformats.org/presentationml/2006/main">
+  <p:cSld>
+    <p:spTree>
+      <p:nvGrpSpPr>
+        <p:cNvPr id="1" name=""/>
+        <p:cNvGrpSpPr/>
+        <p:nvPr/>
+      </p:nvGrpSpPr>
+      <p:grpSpPr>
+        <a:xfrm>
+          <a:off x="0" y="0"/>
+          <a:ext cx="0" cy="0"/>
+          <a:chOff x="0" y="0"/>
+          <a:chExt cx="0" cy="0"/>
+        </a:xfrm>
+      </p:grpSpPr>
+      <p:sp>
+        <p:nvSpPr>
+          <p:cNvPr id="2" name="Título 1"/>
+          <p:cNvSpPr>
+            <a:spLocks noGrp="1"/>
+          </p:cNvSpPr>
+          <p:nvPr>
+            <p:ph type="title"/>
+          </p:nvPr>
+        </p:nvSpPr>
+        <p:spPr/>
+        <p:txBody>
+          <a:bodyPr/>
+          <a:lstStyle/>
+          <a:p>
+            <a:r>
+              <a:rPr lang="es-CO" dirty="0" smtClean="0"/>
+              <a:t>Cosas por explorar</a:t>
+            </a:r>
+            <a:endParaRPr lang="es-CO" dirty="0"/>
+          </a:p>
+        </p:txBody>
+      </p:sp>
+      <p:sp>
+        <p:nvSpPr>
+          <p:cNvPr id="3" name="Marcador de contenido 2"/>
+          <p:cNvSpPr>
+            <a:spLocks noGrp="1"/>
+          </p:cNvSpPr>
+          <p:nvPr>
+            <p:ph idx="1"/>
+          </p:nvPr>
+        </p:nvSpPr>
+        <p:spPr/>
+        <p:txBody>
+          <a:bodyPr>
+            <a:normAutofit/>
+          </a:bodyPr>
+          <a:lstStyle/>
+          <a:p>
+            <a:r>
+              <a:rPr lang="es-CO" dirty="0" smtClean="0"/>
+              <a:t>Gráficas de desempeño separando </a:t>
+            </a:r>
+            <a:r>
+              <a:rPr lang="es-CO" dirty="0" err="1" smtClean="0"/>
+              <a:t>Terriers</a:t>
+            </a:r>
+            <a:r>
+              <a:rPr lang="es-CO" dirty="0" smtClean="0"/>
+              <a:t> de </a:t>
+            </a:r>
+            <a:r>
+              <a:rPr lang="es-CO" dirty="0" err="1" smtClean="0"/>
+              <a:t>Hounds</a:t>
+            </a:r>
+            <a:r>
+              <a:rPr lang="es-CO" dirty="0" smtClean="0"/>
+              <a:t> =&gt; OK</a:t>
+            </a:r>
+            <a:endParaRPr lang="es-CO" dirty="0"/>
+          </a:p>
+          <a:p>
+            <a:r>
+              <a:rPr lang="es-CO" dirty="0" smtClean="0"/>
+              <a:t>Graficar el número de mensajes por ronda, agregado y también de acuerdo a experticia =&gt; OK</a:t>
+            </a:r>
+          </a:p>
+          <a:p>
+            <a:r>
+              <a:rPr lang="es-CO" dirty="0" err="1" smtClean="0"/>
+              <a:t>Correctitud</a:t>
+            </a:r>
+            <a:r>
+              <a:rPr lang="es-CO" dirty="0" smtClean="0"/>
+              <a:t> de clasificación =&gt; Alejandro</a:t>
+            </a:r>
+          </a:p>
+          <a:p>
+            <a:r>
+              <a:rPr lang="es-CO" dirty="0" err="1" smtClean="0"/>
+              <a:t>Correctitud</a:t>
+            </a:r>
+            <a:r>
+              <a:rPr lang="es-CO" dirty="0" smtClean="0"/>
+              <a:t> de “</a:t>
+            </a:r>
+            <a:r>
+              <a:rPr lang="es-CO" dirty="0" err="1" smtClean="0"/>
+              <a:t>guesses</a:t>
+            </a:r>
+            <a:r>
+              <a:rPr lang="es-CO" smtClean="0"/>
+              <a:t>” =&gt; OK</a:t>
+            </a:r>
+            <a:endParaRPr lang="es-CO" dirty="0" smtClean="0"/>
+          </a:p>
+          <a:p>
+            <a:r>
+              <a:rPr lang="es-CO" dirty="0" smtClean="0"/>
+              <a:t>Correlacionar la comunicación correcta con el envío de </a:t>
+            </a:r>
+            <a:r>
+              <a:rPr lang="es-CO" dirty="0" smtClean="0"/>
+              <a:t>mensajes =&gt; OK</a:t>
+            </a:r>
+            <a:endParaRPr lang="es-CO" dirty="0" smtClean="0"/>
+          </a:p>
+          <a:p>
+            <a:r>
+              <a:rPr lang="es-CO" dirty="0" smtClean="0"/>
+              <a:t>Condición parejas: “Cantidad” de interacción</a:t>
+            </a:r>
+          </a:p>
+          <a:p>
+            <a:r>
+              <a:rPr lang="es-CO" dirty="0" smtClean="0"/>
+              <a:t>Sacar índice de cooperación =&gt; Alejandro</a:t>
+            </a:r>
+            <a:endParaRPr lang="es-CO" dirty="0"/>
+          </a:p>
+        </p:txBody>
+      </p:sp>
+    </p:spTree>
+    <p:extLst>
+      <p:ext uri="{BB962C8B-B14F-4D97-AF65-F5344CB8AC3E}">
+        <p14:creationId xmlns:p14="http://schemas.microsoft.com/office/powerpoint/2010/main" val="497127000"/>
       </p:ext>
     </p:extLst>
   </p:cSld>
@@ -4783,7 +5515,6 @@
               <a:rPr lang="es-CO" dirty="0" smtClean="0"/>
               <a:t> Terrier parece un poco más difíciles</a:t>
             </a:r>
-            <a:endParaRPr lang="es-CO" dirty="0" smtClean="0"/>
           </a:p>
         </p:txBody>
       </p:sp>

--- a/12-16-18-23-27-sept-2019/Analysis/Colaboración, uso del lenguaje y comprensión.pptx
+++ b/12-16-18-23-27-sept-2019/Analysis/Colaboración, uso del lenguaje y comprensión.pptx
@@ -4,6 +4,9 @@
   <p:sldMasterIdLst>
     <p:sldMasterId id="2147483648" r:id="rId1"/>
   </p:sldMasterIdLst>
+  <p:notesMasterIdLst>
+    <p:notesMasterId r:id="rId36"/>
+  </p:notesMasterIdLst>
   <p:sldIdLst>
     <p:sldId id="256" r:id="rId2"/>
     <p:sldId id="257" r:id="rId3"/>
@@ -15,16 +18,30 @@
     <p:sldId id="263" r:id="rId9"/>
     <p:sldId id="271" r:id="rId10"/>
     <p:sldId id="272" r:id="rId11"/>
-    <p:sldId id="265" r:id="rId12"/>
-    <p:sldId id="274" r:id="rId13"/>
-    <p:sldId id="273" r:id="rId14"/>
-    <p:sldId id="268" r:id="rId15"/>
-    <p:sldId id="270" r:id="rId16"/>
-    <p:sldId id="276" r:id="rId17"/>
-    <p:sldId id="275" r:id="rId18"/>
-    <p:sldId id="277" r:id="rId19"/>
-    <p:sldId id="278" r:id="rId20"/>
-    <p:sldId id="267" r:id="rId21"/>
+    <p:sldId id="289" r:id="rId12"/>
+    <p:sldId id="291" r:id="rId13"/>
+    <p:sldId id="292" r:id="rId14"/>
+    <p:sldId id="279" r:id="rId15"/>
+    <p:sldId id="265" r:id="rId16"/>
+    <p:sldId id="274" r:id="rId17"/>
+    <p:sldId id="283" r:id="rId18"/>
+    <p:sldId id="284" r:id="rId19"/>
+    <p:sldId id="273" r:id="rId20"/>
+    <p:sldId id="282" r:id="rId21"/>
+    <p:sldId id="268" r:id="rId22"/>
+    <p:sldId id="270" r:id="rId23"/>
+    <p:sldId id="276" r:id="rId24"/>
+    <p:sldId id="275" r:id="rId25"/>
+    <p:sldId id="280" r:id="rId26"/>
+    <p:sldId id="277" r:id="rId27"/>
+    <p:sldId id="281" r:id="rId28"/>
+    <p:sldId id="278" r:id="rId29"/>
+    <p:sldId id="267" r:id="rId30"/>
+    <p:sldId id="285" r:id="rId31"/>
+    <p:sldId id="286" r:id="rId32"/>
+    <p:sldId id="287" r:id="rId33"/>
+    <p:sldId id="288" r:id="rId34"/>
+    <p:sldId id="290" r:id="rId35"/>
   </p:sldIdLst>
   <p:sldSz cx="12192000" cy="6858000"/>
   <p:notesSz cx="6858000" cy="9144000"/>
@@ -131,6 +148,440 @@
 </p:presentation>
 </file>
 
+<file path=ppt/notesMasters/notesMaster1.xml><?xml version="1.0" encoding="utf-8"?>
+<p:notesMaster xmlns:a="http://schemas.openxmlformats.org/drawingml/2006/main" xmlns:r="http://schemas.openxmlformats.org/officeDocument/2006/relationships" xmlns:p="http://schemas.openxmlformats.org/presentationml/2006/main">
+  <p:cSld>
+    <p:bg>
+      <p:bgRef idx="1001">
+        <a:schemeClr val="bg1"/>
+      </p:bgRef>
+    </p:bg>
+    <p:spTree>
+      <p:nvGrpSpPr>
+        <p:cNvPr id="1" name=""/>
+        <p:cNvGrpSpPr/>
+        <p:nvPr/>
+      </p:nvGrpSpPr>
+      <p:grpSpPr>
+        <a:xfrm>
+          <a:off x="0" y="0"/>
+          <a:ext cx="0" cy="0"/>
+          <a:chOff x="0" y="0"/>
+          <a:chExt cx="0" cy="0"/>
+        </a:xfrm>
+      </p:grpSpPr>
+      <p:sp>
+        <p:nvSpPr>
+          <p:cNvPr id="2" name="Marcador de encabezado 1"/>
+          <p:cNvSpPr>
+            <a:spLocks noGrp="1"/>
+          </p:cNvSpPr>
+          <p:nvPr>
+            <p:ph type="hdr" sz="quarter"/>
+          </p:nvPr>
+        </p:nvSpPr>
+        <p:spPr>
+          <a:xfrm>
+            <a:off x="0" y="0"/>
+            <a:ext cx="2971800" cy="458788"/>
+          </a:xfrm>
+          <a:prstGeom prst="rect">
+            <a:avLst/>
+          </a:prstGeom>
+        </p:spPr>
+        <p:txBody>
+          <a:bodyPr vert="horz" lIns="91440" tIns="45720" rIns="91440" bIns="45720" rtlCol="0"/>
+          <a:lstStyle>
+            <a:lvl1pPr algn="l">
+              <a:defRPr sz="1200"/>
+            </a:lvl1pPr>
+          </a:lstStyle>
+          <a:p>
+            <a:endParaRPr lang="es-CO"/>
+          </a:p>
+        </p:txBody>
+      </p:sp>
+      <p:sp>
+        <p:nvSpPr>
+          <p:cNvPr id="3" name="Marcador de fecha 2"/>
+          <p:cNvSpPr>
+            <a:spLocks noGrp="1"/>
+          </p:cNvSpPr>
+          <p:nvPr>
+            <p:ph type="dt" idx="1"/>
+          </p:nvPr>
+        </p:nvSpPr>
+        <p:spPr>
+          <a:xfrm>
+            <a:off x="3884613" y="0"/>
+            <a:ext cx="2971800" cy="458788"/>
+          </a:xfrm>
+          <a:prstGeom prst="rect">
+            <a:avLst/>
+          </a:prstGeom>
+        </p:spPr>
+        <p:txBody>
+          <a:bodyPr vert="horz" lIns="91440" tIns="45720" rIns="91440" bIns="45720" rtlCol="0"/>
+          <a:lstStyle>
+            <a:lvl1pPr algn="r">
+              <a:defRPr sz="1200"/>
+            </a:lvl1pPr>
+          </a:lstStyle>
+          <a:p>
+            <a:fld id="{341033C2-EAA7-4ADC-BF3C-CB7E25428EBD}" type="datetimeFigureOut">
+              <a:rPr lang="es-CO" smtClean="0"/>
+              <a:t>29/01/2020</a:t>
+            </a:fld>
+            <a:endParaRPr lang="es-CO"/>
+          </a:p>
+        </p:txBody>
+      </p:sp>
+      <p:sp>
+        <p:nvSpPr>
+          <p:cNvPr id="4" name="Marcador de imagen de diapositiva 3"/>
+          <p:cNvSpPr>
+            <a:spLocks noGrp="1" noRot="1" noChangeAspect="1"/>
+          </p:cNvSpPr>
+          <p:nvPr>
+            <p:ph type="sldImg" idx="2"/>
+          </p:nvPr>
+        </p:nvSpPr>
+        <p:spPr>
+          <a:xfrm>
+            <a:off x="685800" y="1143000"/>
+            <a:ext cx="5486400" cy="3086100"/>
+          </a:xfrm>
+          <a:prstGeom prst="rect">
+            <a:avLst/>
+          </a:prstGeom>
+          <a:noFill/>
+          <a:ln w="12700">
+            <a:solidFill>
+              <a:prstClr val="black"/>
+            </a:solidFill>
+          </a:ln>
+        </p:spPr>
+        <p:txBody>
+          <a:bodyPr vert="horz" lIns="91440" tIns="45720" rIns="91440" bIns="45720" rtlCol="0" anchor="ctr"/>
+          <a:lstStyle/>
+          <a:p>
+            <a:endParaRPr lang="es-CO"/>
+          </a:p>
+        </p:txBody>
+      </p:sp>
+      <p:sp>
+        <p:nvSpPr>
+          <p:cNvPr id="5" name="Marcador de notas 4"/>
+          <p:cNvSpPr>
+            <a:spLocks noGrp="1"/>
+          </p:cNvSpPr>
+          <p:nvPr>
+            <p:ph type="body" sz="quarter" idx="3"/>
+          </p:nvPr>
+        </p:nvSpPr>
+        <p:spPr>
+          <a:xfrm>
+            <a:off x="685800" y="4400550"/>
+            <a:ext cx="5486400" cy="3600450"/>
+          </a:xfrm>
+          <a:prstGeom prst="rect">
+            <a:avLst/>
+          </a:prstGeom>
+        </p:spPr>
+        <p:txBody>
+          <a:bodyPr vert="horz" lIns="91440" tIns="45720" rIns="91440" bIns="45720" rtlCol="0"/>
+          <a:lstStyle/>
+          <a:p>
+            <a:pPr lvl="0"/>
+            <a:r>
+              <a:rPr lang="es-ES" smtClean="0"/>
+              <a:t>Haga clic para modificar el estilo de texto del patrón</a:t>
+            </a:r>
+          </a:p>
+          <a:p>
+            <a:pPr lvl="1"/>
+            <a:r>
+              <a:rPr lang="es-ES" smtClean="0"/>
+              <a:t>Segundo nivel</a:t>
+            </a:r>
+          </a:p>
+          <a:p>
+            <a:pPr lvl="2"/>
+            <a:r>
+              <a:rPr lang="es-ES" smtClean="0"/>
+              <a:t>Tercer nivel</a:t>
+            </a:r>
+          </a:p>
+          <a:p>
+            <a:pPr lvl="3"/>
+            <a:r>
+              <a:rPr lang="es-ES" smtClean="0"/>
+              <a:t>Cuarto nivel</a:t>
+            </a:r>
+          </a:p>
+          <a:p>
+            <a:pPr lvl="4"/>
+            <a:r>
+              <a:rPr lang="es-ES" smtClean="0"/>
+              <a:t>Quinto nivel</a:t>
+            </a:r>
+            <a:endParaRPr lang="es-CO"/>
+          </a:p>
+        </p:txBody>
+      </p:sp>
+      <p:sp>
+        <p:nvSpPr>
+          <p:cNvPr id="6" name="Marcador de pie de página 5"/>
+          <p:cNvSpPr>
+            <a:spLocks noGrp="1"/>
+          </p:cNvSpPr>
+          <p:nvPr>
+            <p:ph type="ftr" sz="quarter" idx="4"/>
+          </p:nvPr>
+        </p:nvSpPr>
+        <p:spPr>
+          <a:xfrm>
+            <a:off x="0" y="8685213"/>
+            <a:ext cx="2971800" cy="458787"/>
+          </a:xfrm>
+          <a:prstGeom prst="rect">
+            <a:avLst/>
+          </a:prstGeom>
+        </p:spPr>
+        <p:txBody>
+          <a:bodyPr vert="horz" lIns="91440" tIns="45720" rIns="91440" bIns="45720" rtlCol="0" anchor="b"/>
+          <a:lstStyle>
+            <a:lvl1pPr algn="l">
+              <a:defRPr sz="1200"/>
+            </a:lvl1pPr>
+          </a:lstStyle>
+          <a:p>
+            <a:endParaRPr lang="es-CO"/>
+          </a:p>
+        </p:txBody>
+      </p:sp>
+      <p:sp>
+        <p:nvSpPr>
+          <p:cNvPr id="7" name="Marcador de número de diapositiva 6"/>
+          <p:cNvSpPr>
+            <a:spLocks noGrp="1"/>
+          </p:cNvSpPr>
+          <p:nvPr>
+            <p:ph type="sldNum" sz="quarter" idx="5"/>
+          </p:nvPr>
+        </p:nvSpPr>
+        <p:spPr>
+          <a:xfrm>
+            <a:off x="3884613" y="8685213"/>
+            <a:ext cx="2971800" cy="458787"/>
+          </a:xfrm>
+          <a:prstGeom prst="rect">
+            <a:avLst/>
+          </a:prstGeom>
+        </p:spPr>
+        <p:txBody>
+          <a:bodyPr vert="horz" lIns="91440" tIns="45720" rIns="91440" bIns="45720" rtlCol="0" anchor="b"/>
+          <a:lstStyle>
+            <a:lvl1pPr algn="r">
+              <a:defRPr sz="1200"/>
+            </a:lvl1pPr>
+          </a:lstStyle>
+          <a:p>
+            <a:fld id="{49473E83-3313-4720-B38C-B90A03FCA77B}" type="slidenum">
+              <a:rPr lang="es-CO" smtClean="0"/>
+              <a:t>‹Nº›</a:t>
+            </a:fld>
+            <a:endParaRPr lang="es-CO"/>
+          </a:p>
+        </p:txBody>
+      </p:sp>
+    </p:spTree>
+    <p:extLst>
+      <p:ext uri="{BB962C8B-B14F-4D97-AF65-F5344CB8AC3E}">
+        <p14:creationId xmlns:p14="http://schemas.microsoft.com/office/powerpoint/2010/main" val="451913684"/>
+      </p:ext>
+    </p:extLst>
+  </p:cSld>
+  <p:clrMap bg1="lt1" tx1="dk1" bg2="lt2" tx2="dk2" accent1="accent1" accent2="accent2" accent3="accent3" accent4="accent4" accent5="accent5" accent6="accent6" hlink="hlink" folHlink="folHlink"/>
+  <p:notesStyle>
+    <a:lvl1pPr marL="0" algn="l" defTabSz="914400" rtl="0" eaLnBrk="1" latinLnBrk="0" hangingPunct="1">
+      <a:defRPr sz="1200" kern="1200">
+        <a:solidFill>
+          <a:schemeClr val="tx1"/>
+        </a:solidFill>
+        <a:latin typeface="+mn-lt"/>
+        <a:ea typeface="+mn-ea"/>
+        <a:cs typeface="+mn-cs"/>
+      </a:defRPr>
+    </a:lvl1pPr>
+    <a:lvl2pPr marL="457200" algn="l" defTabSz="914400" rtl="0" eaLnBrk="1" latinLnBrk="0" hangingPunct="1">
+      <a:defRPr sz="1200" kern="1200">
+        <a:solidFill>
+          <a:schemeClr val="tx1"/>
+        </a:solidFill>
+        <a:latin typeface="+mn-lt"/>
+        <a:ea typeface="+mn-ea"/>
+        <a:cs typeface="+mn-cs"/>
+      </a:defRPr>
+    </a:lvl2pPr>
+    <a:lvl3pPr marL="914400" algn="l" defTabSz="914400" rtl="0" eaLnBrk="1" latinLnBrk="0" hangingPunct="1">
+      <a:defRPr sz="1200" kern="1200">
+        <a:solidFill>
+          <a:schemeClr val="tx1"/>
+        </a:solidFill>
+        <a:latin typeface="+mn-lt"/>
+        <a:ea typeface="+mn-ea"/>
+        <a:cs typeface="+mn-cs"/>
+      </a:defRPr>
+    </a:lvl3pPr>
+    <a:lvl4pPr marL="1371600" algn="l" defTabSz="914400" rtl="0" eaLnBrk="1" latinLnBrk="0" hangingPunct="1">
+      <a:defRPr sz="1200" kern="1200">
+        <a:solidFill>
+          <a:schemeClr val="tx1"/>
+        </a:solidFill>
+        <a:latin typeface="+mn-lt"/>
+        <a:ea typeface="+mn-ea"/>
+        <a:cs typeface="+mn-cs"/>
+      </a:defRPr>
+    </a:lvl4pPr>
+    <a:lvl5pPr marL="1828800" algn="l" defTabSz="914400" rtl="0" eaLnBrk="1" latinLnBrk="0" hangingPunct="1">
+      <a:defRPr sz="1200" kern="1200">
+        <a:solidFill>
+          <a:schemeClr val="tx1"/>
+        </a:solidFill>
+        <a:latin typeface="+mn-lt"/>
+        <a:ea typeface="+mn-ea"/>
+        <a:cs typeface="+mn-cs"/>
+      </a:defRPr>
+    </a:lvl5pPr>
+    <a:lvl6pPr marL="2286000" algn="l" defTabSz="914400" rtl="0" eaLnBrk="1" latinLnBrk="0" hangingPunct="1">
+      <a:defRPr sz="1200" kern="1200">
+        <a:solidFill>
+          <a:schemeClr val="tx1"/>
+        </a:solidFill>
+        <a:latin typeface="+mn-lt"/>
+        <a:ea typeface="+mn-ea"/>
+        <a:cs typeface="+mn-cs"/>
+      </a:defRPr>
+    </a:lvl6pPr>
+    <a:lvl7pPr marL="2743200" algn="l" defTabSz="914400" rtl="0" eaLnBrk="1" latinLnBrk="0" hangingPunct="1">
+      <a:defRPr sz="1200" kern="1200">
+        <a:solidFill>
+          <a:schemeClr val="tx1"/>
+        </a:solidFill>
+        <a:latin typeface="+mn-lt"/>
+        <a:ea typeface="+mn-ea"/>
+        <a:cs typeface="+mn-cs"/>
+      </a:defRPr>
+    </a:lvl7pPr>
+    <a:lvl8pPr marL="3200400" algn="l" defTabSz="914400" rtl="0" eaLnBrk="1" latinLnBrk="0" hangingPunct="1">
+      <a:defRPr sz="1200" kern="1200">
+        <a:solidFill>
+          <a:schemeClr val="tx1"/>
+        </a:solidFill>
+        <a:latin typeface="+mn-lt"/>
+        <a:ea typeface="+mn-ea"/>
+        <a:cs typeface="+mn-cs"/>
+      </a:defRPr>
+    </a:lvl8pPr>
+    <a:lvl9pPr marL="3657600" algn="l" defTabSz="914400" rtl="0" eaLnBrk="1" latinLnBrk="0" hangingPunct="1">
+      <a:defRPr sz="1200" kern="1200">
+        <a:solidFill>
+          <a:schemeClr val="tx1"/>
+        </a:solidFill>
+        <a:latin typeface="+mn-lt"/>
+        <a:ea typeface="+mn-ea"/>
+        <a:cs typeface="+mn-cs"/>
+      </a:defRPr>
+    </a:lvl9pPr>
+  </p:notesStyle>
+</p:notesMaster>
+</file>
+
+<file path=ppt/notesSlides/notesSlide1.xml><?xml version="1.0" encoding="utf-8"?>
+<p:notes xmlns:a="http://schemas.openxmlformats.org/drawingml/2006/main" xmlns:r="http://schemas.openxmlformats.org/officeDocument/2006/relationships" xmlns:p="http://schemas.openxmlformats.org/presentationml/2006/main">
+  <p:cSld>
+    <p:spTree>
+      <p:nvGrpSpPr>
+        <p:cNvPr id="1" name=""/>
+        <p:cNvGrpSpPr/>
+        <p:nvPr/>
+      </p:nvGrpSpPr>
+      <p:grpSpPr>
+        <a:xfrm>
+          <a:off x="0" y="0"/>
+          <a:ext cx="0" cy="0"/>
+          <a:chOff x="0" y="0"/>
+          <a:chExt cx="0" cy="0"/>
+        </a:xfrm>
+      </p:grpSpPr>
+      <p:sp>
+        <p:nvSpPr>
+          <p:cNvPr id="2" name="Marcador de imagen de diapositiva 1"/>
+          <p:cNvSpPr>
+            <a:spLocks noGrp="1" noRot="1" noChangeAspect="1"/>
+          </p:cNvSpPr>
+          <p:nvPr>
+            <p:ph type="sldImg"/>
+          </p:nvPr>
+        </p:nvSpPr>
+        <p:spPr/>
+      </p:sp>
+      <p:sp>
+        <p:nvSpPr>
+          <p:cNvPr id="3" name="Marcador de notas 2"/>
+          <p:cNvSpPr>
+            <a:spLocks noGrp="1"/>
+          </p:cNvSpPr>
+          <p:nvPr>
+            <p:ph type="body" idx="1"/>
+          </p:nvPr>
+        </p:nvSpPr>
+        <p:spPr/>
+        <p:txBody>
+          <a:bodyPr/>
+          <a:lstStyle/>
+          <a:p>
+            <a:endParaRPr lang="es-CO"/>
+          </a:p>
+        </p:txBody>
+      </p:sp>
+      <p:sp>
+        <p:nvSpPr>
+          <p:cNvPr id="4" name="Marcador de número de diapositiva 3"/>
+          <p:cNvSpPr>
+            <a:spLocks noGrp="1"/>
+          </p:cNvSpPr>
+          <p:nvPr>
+            <p:ph type="sldNum" sz="quarter" idx="10"/>
+          </p:nvPr>
+        </p:nvSpPr>
+        <p:spPr/>
+        <p:txBody>
+          <a:bodyPr/>
+          <a:lstStyle/>
+          <a:p>
+            <a:fld id="{49473E83-3313-4720-B38C-B90A03FCA77B}" type="slidenum">
+              <a:rPr lang="es-CO" smtClean="0"/>
+              <a:t>13</a:t>
+            </a:fld>
+            <a:endParaRPr lang="es-CO"/>
+          </a:p>
+        </p:txBody>
+      </p:sp>
+    </p:spTree>
+    <p:extLst>
+      <p:ext uri="{BB962C8B-B14F-4D97-AF65-F5344CB8AC3E}">
+        <p14:creationId xmlns:p14="http://schemas.microsoft.com/office/powerpoint/2010/main" val="1306327768"/>
+      </p:ext>
+    </p:extLst>
+  </p:cSld>
+  <p:clrMapOvr>
+    <a:masterClrMapping/>
+  </p:clrMapOvr>
+</p:notes>
+</file>
+
 <file path=ppt/slideLayouts/slideLayout1.xml><?xml version="1.0" encoding="utf-8"?>
 <p:sldLayout xmlns:a="http://schemas.openxmlformats.org/drawingml/2006/main" xmlns:r="http://schemas.openxmlformats.org/officeDocument/2006/relationships" xmlns:p="http://schemas.openxmlformats.org/presentationml/2006/main" type="title" preserve="1">
   <p:cSld name="Diapositiva de título">
@@ -260,9 +711,9 @@
           <a:bodyPr/>
           <a:lstStyle/>
           <a:p>
-            <a:fld id="{7A7858B5-3D53-4E9C-A8C8-DB087F1FBF2D}" type="datetimeFigureOut">
+            <a:fld id="{25962AE3-E465-4D76-B07C-D1EBEC1F6DAD}" type="datetime1">
               <a:rPr lang="es-CO" smtClean="0"/>
-              <a:t>28/01/2020</a:t>
+              <a:t>29/01/2020</a:t>
             </a:fld>
             <a:endParaRPr lang="es-CO"/>
           </a:p>
@@ -430,9 +881,9 @@
           <a:bodyPr/>
           <a:lstStyle/>
           <a:p>
-            <a:fld id="{7A7858B5-3D53-4E9C-A8C8-DB087F1FBF2D}" type="datetimeFigureOut">
+            <a:fld id="{C1F1FA9E-B96E-4CA2-BEEC-C67892ABC4DA}" type="datetime1">
               <a:rPr lang="es-CO" smtClean="0"/>
-              <a:t>28/01/2020</a:t>
+              <a:t>29/01/2020</a:t>
             </a:fld>
             <a:endParaRPr lang="es-CO"/>
           </a:p>
@@ -610,9 +1061,9 @@
           <a:bodyPr/>
           <a:lstStyle/>
           <a:p>
-            <a:fld id="{7A7858B5-3D53-4E9C-A8C8-DB087F1FBF2D}" type="datetimeFigureOut">
+            <a:fld id="{94DB9C33-82C0-45D9-AF17-813A2FD60715}" type="datetime1">
               <a:rPr lang="es-CO" smtClean="0"/>
-              <a:t>28/01/2020</a:t>
+              <a:t>29/01/2020</a:t>
             </a:fld>
             <a:endParaRPr lang="es-CO"/>
           </a:p>
@@ -780,9 +1231,9 @@
           <a:bodyPr/>
           <a:lstStyle/>
           <a:p>
-            <a:fld id="{7A7858B5-3D53-4E9C-A8C8-DB087F1FBF2D}" type="datetimeFigureOut">
+            <a:fld id="{D5ADED49-C99F-47C8-AF2D-569CE9ADA728}" type="datetime1">
               <a:rPr lang="es-CO" smtClean="0"/>
-              <a:t>28/01/2020</a:t>
+              <a:t>29/01/2020</a:t>
             </a:fld>
             <a:endParaRPr lang="es-CO"/>
           </a:p>
@@ -1026,9 +1477,9 @@
           <a:bodyPr/>
           <a:lstStyle/>
           <a:p>
-            <a:fld id="{7A7858B5-3D53-4E9C-A8C8-DB087F1FBF2D}" type="datetimeFigureOut">
+            <a:fld id="{CCA9D7F4-461F-4943-A9F5-77ACA057443B}" type="datetime1">
               <a:rPr lang="es-CO" smtClean="0"/>
-              <a:t>28/01/2020</a:t>
+              <a:t>29/01/2020</a:t>
             </a:fld>
             <a:endParaRPr lang="es-CO"/>
           </a:p>
@@ -1258,9 +1709,9 @@
           <a:bodyPr/>
           <a:lstStyle/>
           <a:p>
-            <a:fld id="{7A7858B5-3D53-4E9C-A8C8-DB087F1FBF2D}" type="datetimeFigureOut">
+            <a:fld id="{ECCBF961-0126-40F0-A299-CDA0DCEA605F}" type="datetime1">
               <a:rPr lang="es-CO" smtClean="0"/>
-              <a:t>28/01/2020</a:t>
+              <a:t>29/01/2020</a:t>
             </a:fld>
             <a:endParaRPr lang="es-CO"/>
           </a:p>
@@ -1625,9 +2076,9 @@
           <a:bodyPr/>
           <a:lstStyle/>
           <a:p>
-            <a:fld id="{7A7858B5-3D53-4E9C-A8C8-DB087F1FBF2D}" type="datetimeFigureOut">
+            <a:fld id="{60229363-CE32-408C-94AB-7181A775F730}" type="datetime1">
               <a:rPr lang="es-CO" smtClean="0"/>
-              <a:t>28/01/2020</a:t>
+              <a:t>29/01/2020</a:t>
             </a:fld>
             <a:endParaRPr lang="es-CO"/>
           </a:p>
@@ -1743,9 +2194,9 @@
           <a:bodyPr/>
           <a:lstStyle/>
           <a:p>
-            <a:fld id="{7A7858B5-3D53-4E9C-A8C8-DB087F1FBF2D}" type="datetimeFigureOut">
+            <a:fld id="{B48397F7-9EA7-40D5-9690-B6EFA86B6F0C}" type="datetime1">
               <a:rPr lang="es-CO" smtClean="0"/>
-              <a:t>28/01/2020</a:t>
+              <a:t>29/01/2020</a:t>
             </a:fld>
             <a:endParaRPr lang="es-CO"/>
           </a:p>
@@ -1838,9 +2289,9 @@
           <a:bodyPr/>
           <a:lstStyle/>
           <a:p>
-            <a:fld id="{7A7858B5-3D53-4E9C-A8C8-DB087F1FBF2D}" type="datetimeFigureOut">
+            <a:fld id="{BA327FF3-1856-4CC7-ACA2-FA5CAF2A9216}" type="datetime1">
               <a:rPr lang="es-CO" smtClean="0"/>
-              <a:t>28/01/2020</a:t>
+              <a:t>29/01/2020</a:t>
             </a:fld>
             <a:endParaRPr lang="es-CO"/>
           </a:p>
@@ -2115,9 +2566,9 @@
           <a:bodyPr/>
           <a:lstStyle/>
           <a:p>
-            <a:fld id="{7A7858B5-3D53-4E9C-A8C8-DB087F1FBF2D}" type="datetimeFigureOut">
+            <a:fld id="{04477FB6-714A-4AE3-871F-B925683BD38D}" type="datetime1">
               <a:rPr lang="es-CO" smtClean="0"/>
-              <a:t>28/01/2020</a:t>
+              <a:t>29/01/2020</a:t>
             </a:fld>
             <a:endParaRPr lang="es-CO"/>
           </a:p>
@@ -2368,9 +2819,9 @@
           <a:bodyPr/>
           <a:lstStyle/>
           <a:p>
-            <a:fld id="{7A7858B5-3D53-4E9C-A8C8-DB087F1FBF2D}" type="datetimeFigureOut">
+            <a:fld id="{F6582BFB-80E9-478A-B3EB-EA8C0C14CC28}" type="datetime1">
               <a:rPr lang="es-CO" smtClean="0"/>
-              <a:t>28/01/2020</a:t>
+              <a:t>29/01/2020</a:t>
             </a:fld>
             <a:endParaRPr lang="es-CO"/>
           </a:p>
@@ -2581,9 +3032,9 @@
             </a:lvl1pPr>
           </a:lstStyle>
           <a:p>
-            <a:fld id="{7A7858B5-3D53-4E9C-A8C8-DB087F1FBF2D}" type="datetimeFigureOut">
+            <a:fld id="{66425F7C-055D-4E64-985E-B697CAB852FD}" type="datetime1">
               <a:rPr lang="es-CO" smtClean="0"/>
-              <a:t>28/01/2020</a:t>
+              <a:t>29/01/2020</a:t>
             </a:fld>
             <a:endParaRPr lang="es-CO"/>
           </a:p>
@@ -2688,6 +3139,7 @@
     <p:sldLayoutId id="2147483658" r:id="rId10"/>
     <p:sldLayoutId id="2147483659" r:id="rId11"/>
   </p:sldLayoutIdLst>
+  <p:hf hdr="0" ftr="0" dt="0"/>
   <p:txStyles>
     <p:titleStyle>
       <a:lvl1pPr algn="l" defTabSz="914400" rtl="0" eaLnBrk="1" latinLnBrk="0" hangingPunct="1">
@@ -3030,6 +3482,29 @@
           </a:p>
         </p:txBody>
       </p:sp>
+      <p:sp>
+        <p:nvSpPr>
+          <p:cNvPr id="4" name="Marcador de número de diapositiva 3"/>
+          <p:cNvSpPr>
+            <a:spLocks noGrp="1"/>
+          </p:cNvSpPr>
+          <p:nvPr>
+            <p:ph type="sldNum" sz="quarter" idx="12"/>
+          </p:nvPr>
+        </p:nvSpPr>
+        <p:spPr/>
+        <p:txBody>
+          <a:bodyPr/>
+          <a:lstStyle/>
+          <a:p>
+            <a:fld id="{0AC18DFE-2F64-4429-B499-E16537F0080F}" type="slidenum">
+              <a:rPr lang="es-CO" smtClean="0"/>
+              <a:t>1</a:t>
+            </a:fld>
+            <a:endParaRPr lang="es-CO"/>
+          </a:p>
+        </p:txBody>
+      </p:sp>
     </p:spTree>
     <p:extLst>
       <p:ext uri="{BB962C8B-B14F-4D97-AF65-F5344CB8AC3E}">
@@ -3184,6 +3659,29 @@
           </a:prstGeom>
         </p:spPr>
       </p:pic>
+      <p:sp>
+        <p:nvSpPr>
+          <p:cNvPr id="3" name="Marcador de número de diapositiva 2"/>
+          <p:cNvSpPr>
+            <a:spLocks noGrp="1"/>
+          </p:cNvSpPr>
+          <p:nvPr>
+            <p:ph type="sldNum" sz="quarter" idx="12"/>
+          </p:nvPr>
+        </p:nvSpPr>
+        <p:spPr/>
+        <p:txBody>
+          <a:bodyPr/>
+          <a:lstStyle/>
+          <a:p>
+            <a:fld id="{0AC18DFE-2F64-4429-B499-E16537F0080F}" type="slidenum">
+              <a:rPr lang="es-CO" smtClean="0"/>
+              <a:t>10</a:t>
+            </a:fld>
+            <a:endParaRPr lang="es-CO"/>
+          </a:p>
+        </p:txBody>
+      </p:sp>
     </p:spTree>
     <p:extLst>
       <p:ext uri="{BB962C8B-B14F-4D97-AF65-F5344CB8AC3E}">
@@ -3231,48 +3729,15 @@
           <a:p>
             <a:r>
               <a:rPr lang="es-CO" dirty="0" smtClean="0"/>
-              <a:t>Autoevaluación de comprensión (Condición)</a:t>
+              <a:t>Desempeño novatos en rondas juego</a:t>
             </a:r>
             <a:endParaRPr lang="es-CO" dirty="0"/>
-          </a:p>
-        </p:txBody>
-      </p:sp>
-      <p:sp>
-        <p:nvSpPr>
-          <p:cNvPr id="3" name="CuadroTexto 2"/>
-          <p:cNvSpPr txBox="1"/>
-          <p:nvPr/>
-        </p:nvSpPr>
-        <p:spPr>
-          <a:xfrm>
-            <a:off x="1248032" y="5798952"/>
-            <a:ext cx="9695935" cy="646331"/>
-          </a:xfrm>
-          <a:prstGeom prst="rect">
-            <a:avLst/>
-          </a:prstGeom>
-          <a:noFill/>
-        </p:spPr>
-        <p:txBody>
-          <a:bodyPr wrap="square" rtlCol="0">
-            <a:spAutoFit/>
-          </a:bodyPr>
-          <a:lstStyle/>
-          <a:p>
-            <a:pPr marL="285750" indent="-285750">
-              <a:buFont typeface="Arial" panose="020B0604020202020204" pitchFamily="34" charset="0"/>
-              <a:buChar char="•"/>
-            </a:pPr>
-            <a:r>
-              <a:rPr lang="es-CO" dirty="0" smtClean="0"/>
-              <a:t>No hay diferencias significativas en la autoevaluación respecto a la condición de parejas y la individual</a:t>
-            </a:r>
           </a:p>
         </p:txBody>
       </p:sp>
       <p:pic>
         <p:nvPicPr>
-          <p:cNvPr id="6" name="Imagen 5"/>
+          <p:cNvPr id="5" name="Imagen 4"/>
           <p:cNvPicPr>
             <a:picLocks noChangeAspect="1"/>
           </p:cNvPicPr>
@@ -3286,18 +3751,41 @@
         </p:blipFill>
         <p:spPr>
           <a:xfrm>
-            <a:off x="2024190" y="1495939"/>
-            <a:ext cx="7078621" cy="4303013"/>
+            <a:off x="1476952" y="1609264"/>
+            <a:ext cx="9238095" cy="4990476"/>
           </a:xfrm>
           <a:prstGeom prst="rect">
             <a:avLst/>
           </a:prstGeom>
         </p:spPr>
       </p:pic>
+      <p:sp>
+        <p:nvSpPr>
+          <p:cNvPr id="6" name="Marcador de número de diapositiva 5"/>
+          <p:cNvSpPr>
+            <a:spLocks noGrp="1"/>
+          </p:cNvSpPr>
+          <p:nvPr>
+            <p:ph type="sldNum" sz="quarter" idx="12"/>
+          </p:nvPr>
+        </p:nvSpPr>
+        <p:spPr/>
+        <p:txBody>
+          <a:bodyPr/>
+          <a:lstStyle/>
+          <a:p>
+            <a:fld id="{0AC18DFE-2F64-4429-B499-E16537F0080F}" type="slidenum">
+              <a:rPr lang="es-CO" smtClean="0"/>
+              <a:t>11</a:t>
+            </a:fld>
+            <a:endParaRPr lang="es-CO"/>
+          </a:p>
+        </p:txBody>
+      </p:sp>
     </p:spTree>
     <p:extLst>
       <p:ext uri="{BB962C8B-B14F-4D97-AF65-F5344CB8AC3E}">
-        <p14:creationId xmlns:p14="http://schemas.microsoft.com/office/powerpoint/2010/main" val="2870950738"/>
+        <p14:creationId xmlns:p14="http://schemas.microsoft.com/office/powerpoint/2010/main" val="1439967989"/>
       </p:ext>
     </p:extLst>
   </p:cSld>
@@ -3341,84 +3829,15 @@
           <a:p>
             <a:r>
               <a:rPr lang="es-CO" dirty="0" smtClean="0"/>
-              <a:t>Autoevaluación de comprensión (Experticia)</a:t>
+              <a:t>Progreso de los novatos vs expertos (parejas)</a:t>
             </a:r>
             <a:endParaRPr lang="es-CO" dirty="0"/>
-          </a:p>
-        </p:txBody>
-      </p:sp>
-      <p:sp>
-        <p:nvSpPr>
-          <p:cNvPr id="3" name="CuadroTexto 2"/>
-          <p:cNvSpPr txBox="1"/>
-          <p:nvPr/>
-        </p:nvSpPr>
-        <p:spPr>
-          <a:xfrm>
-            <a:off x="1248032" y="5798952"/>
-            <a:ext cx="9695935" cy="646331"/>
-          </a:xfrm>
-          <a:prstGeom prst="rect">
-            <a:avLst/>
-          </a:prstGeom>
-          <a:noFill/>
-        </p:spPr>
-        <p:txBody>
-          <a:bodyPr wrap="square" rtlCol="0">
-            <a:spAutoFit/>
-          </a:bodyPr>
-          <a:lstStyle/>
-          <a:p>
-            <a:pPr marL="285750" indent="-285750">
-              <a:buFont typeface="Arial" panose="020B0604020202020204" pitchFamily="34" charset="0"/>
-              <a:buChar char="•"/>
-            </a:pPr>
-            <a:r>
-              <a:rPr lang="es-CO" dirty="0" smtClean="0"/>
-              <a:t>Los expertos en </a:t>
-            </a:r>
-            <a:r>
-              <a:rPr lang="es-CO" dirty="0" err="1" smtClean="0"/>
-              <a:t>hounds</a:t>
-            </a:r>
-            <a:r>
-              <a:rPr lang="es-CO" dirty="0" smtClean="0"/>
-              <a:t> reportan mayor comprensión sobre los </a:t>
-            </a:r>
-            <a:r>
-              <a:rPr lang="es-CO" dirty="0" err="1" smtClean="0"/>
-              <a:t>hounds</a:t>
-            </a:r>
-            <a:endParaRPr lang="es-CO" dirty="0" smtClean="0"/>
-          </a:p>
-          <a:p>
-            <a:pPr marL="285750" indent="-285750">
-              <a:buFont typeface="Arial" panose="020B0604020202020204" pitchFamily="34" charset="0"/>
-              <a:buChar char="•"/>
-            </a:pPr>
-            <a:r>
-              <a:rPr lang="es-CO" dirty="0" smtClean="0"/>
-              <a:t>Los expertos en </a:t>
-            </a:r>
-            <a:r>
-              <a:rPr lang="es-CO" dirty="0" err="1" smtClean="0"/>
-              <a:t>terriers</a:t>
-            </a:r>
-            <a:r>
-              <a:rPr lang="es-CO" dirty="0" smtClean="0"/>
-              <a:t> reportan un poquito más de comprensión sobre los </a:t>
-            </a:r>
-            <a:r>
-              <a:rPr lang="es-CO" dirty="0" err="1" smtClean="0"/>
-              <a:t>terriers</a:t>
-            </a:r>
-            <a:endParaRPr lang="es-CO" dirty="0" smtClean="0"/>
           </a:p>
         </p:txBody>
       </p:sp>
       <p:pic>
         <p:nvPicPr>
-          <p:cNvPr id="6" name="Imagen 5"/>
+          <p:cNvPr id="4" name="Imagen 3"/>
           <p:cNvPicPr>
             <a:picLocks noChangeAspect="1"/>
           </p:cNvPicPr>
@@ -3432,18 +3851,41 @@
         </p:blipFill>
         <p:spPr>
           <a:xfrm>
-            <a:off x="2007713" y="1480916"/>
-            <a:ext cx="7103335" cy="4318036"/>
+            <a:off x="1476952" y="1617503"/>
+            <a:ext cx="9238095" cy="4990476"/>
           </a:xfrm>
           <a:prstGeom prst="rect">
             <a:avLst/>
           </a:prstGeom>
         </p:spPr>
       </p:pic>
+      <p:sp>
+        <p:nvSpPr>
+          <p:cNvPr id="5" name="Marcador de número de diapositiva 4"/>
+          <p:cNvSpPr>
+            <a:spLocks noGrp="1"/>
+          </p:cNvSpPr>
+          <p:nvPr>
+            <p:ph type="sldNum" sz="quarter" idx="12"/>
+          </p:nvPr>
+        </p:nvSpPr>
+        <p:spPr/>
+        <p:txBody>
+          <a:bodyPr/>
+          <a:lstStyle/>
+          <a:p>
+            <a:fld id="{0AC18DFE-2F64-4429-B499-E16537F0080F}" type="slidenum">
+              <a:rPr lang="es-CO" smtClean="0"/>
+              <a:t>12</a:t>
+            </a:fld>
+            <a:endParaRPr lang="es-CO"/>
+          </a:p>
+        </p:txBody>
+      </p:sp>
     </p:spTree>
     <p:extLst>
       <p:ext uri="{BB962C8B-B14F-4D97-AF65-F5344CB8AC3E}">
-        <p14:creationId xmlns:p14="http://schemas.microsoft.com/office/powerpoint/2010/main" val="779592519"/>
+        <p14:creationId xmlns:p14="http://schemas.microsoft.com/office/powerpoint/2010/main" val="1651465571"/>
       </p:ext>
     </p:extLst>
   </p:cSld>
@@ -3487,73 +3929,71 @@
           <a:p>
             <a:r>
               <a:rPr lang="es-CO" dirty="0" smtClean="0"/>
-              <a:t>Autoevaluación de comprensión de los expertos</a:t>
+              <a:t>Progreso de los novatos vs expertos (</a:t>
+            </a:r>
+            <a:r>
+              <a:rPr lang="es-CO" dirty="0" err="1" smtClean="0"/>
+              <a:t>individu</a:t>
+            </a:r>
+            <a:r>
+              <a:rPr lang="es-CO" dirty="0" smtClean="0"/>
+              <a:t>)</a:t>
             </a:r>
             <a:endParaRPr lang="es-CO" dirty="0"/>
-          </a:p>
-        </p:txBody>
-      </p:sp>
-      <p:sp>
-        <p:nvSpPr>
-          <p:cNvPr id="3" name="CuadroTexto 2"/>
-          <p:cNvSpPr txBox="1"/>
-          <p:nvPr/>
-        </p:nvSpPr>
-        <p:spPr>
-          <a:xfrm>
-            <a:off x="1285103" y="5882236"/>
-            <a:ext cx="9695935" cy="646331"/>
-          </a:xfrm>
-          <a:prstGeom prst="rect">
-            <a:avLst/>
-          </a:prstGeom>
-          <a:noFill/>
-        </p:spPr>
-        <p:txBody>
-          <a:bodyPr wrap="square" rtlCol="0">
-            <a:spAutoFit/>
-          </a:bodyPr>
-          <a:lstStyle/>
-          <a:p>
-            <a:pPr marL="285750" indent="-285750">
-              <a:buFont typeface="Arial" panose="020B0604020202020204" pitchFamily="34" charset="0"/>
-              <a:buChar char="•"/>
-            </a:pPr>
-            <a:r>
-              <a:rPr lang="es-CO" dirty="0" smtClean="0"/>
-              <a:t>En la condición de parejas los expertos reportan mayor comprensión que en la condición individual. </a:t>
-            </a:r>
           </a:p>
         </p:txBody>
       </p:sp>
       <p:pic>
         <p:nvPicPr>
-          <p:cNvPr id="6" name="Imagen 5"/>
+          <p:cNvPr id="3" name="Imagen 2"/>
           <p:cNvPicPr>
             <a:picLocks noChangeAspect="1"/>
           </p:cNvPicPr>
           <p:nvPr/>
         </p:nvPicPr>
         <p:blipFill>
-          <a:blip r:embed="rId2"/>
+          <a:blip r:embed="rId3"/>
           <a:stretch>
             <a:fillRect/>
           </a:stretch>
         </p:blipFill>
         <p:spPr>
           <a:xfrm>
-            <a:off x="2188946" y="1497657"/>
-            <a:ext cx="7078621" cy="4303013"/>
+            <a:off x="1476952" y="1608310"/>
+            <a:ext cx="9238095" cy="4990476"/>
           </a:xfrm>
           <a:prstGeom prst="rect">
             <a:avLst/>
           </a:prstGeom>
         </p:spPr>
       </p:pic>
+      <p:sp>
+        <p:nvSpPr>
+          <p:cNvPr id="5" name="Marcador de número de diapositiva 4"/>
+          <p:cNvSpPr>
+            <a:spLocks noGrp="1"/>
+          </p:cNvSpPr>
+          <p:nvPr>
+            <p:ph type="sldNum" sz="quarter" idx="12"/>
+          </p:nvPr>
+        </p:nvSpPr>
+        <p:spPr/>
+        <p:txBody>
+          <a:bodyPr/>
+          <a:lstStyle/>
+          <a:p>
+            <a:fld id="{0AC18DFE-2F64-4429-B499-E16537F0080F}" type="slidenum">
+              <a:rPr lang="es-CO" smtClean="0"/>
+              <a:t>13</a:t>
+            </a:fld>
+            <a:endParaRPr lang="es-CO"/>
+          </a:p>
+        </p:txBody>
+      </p:sp>
     </p:spTree>
     <p:extLst>
       <p:ext uri="{BB962C8B-B14F-4D97-AF65-F5344CB8AC3E}">
-        <p14:creationId xmlns:p14="http://schemas.microsoft.com/office/powerpoint/2010/main" val="1375924764"/>
+        <p14:creationId xmlns:p14="http://schemas.microsoft.com/office/powerpoint/2010/main" val="3874743723"/>
       </p:ext>
     </p:extLst>
   </p:cSld>
@@ -3615,47 +4055,85 @@
         </p:nvSpPr>
         <p:spPr/>
         <p:txBody>
-          <a:bodyPr>
-            <a:normAutofit/>
-          </a:bodyPr>
-          <a:lstStyle/>
-          <a:p>
-            <a:r>
-              <a:rPr lang="es-CO" dirty="0" smtClean="0"/>
-              <a:t>No hay evidencia de diferencia significativa en el desempeño en condición individual que por parejas</a:t>
-            </a:r>
+          <a:bodyPr/>
+          <a:lstStyle/>
+          <a:p>
+            <a:r>
+              <a:rPr lang="es-CO" dirty="0"/>
+              <a:t>No hay evidencia de diferencia significativa en el desempeño en condición individual que por </a:t>
+            </a:r>
+            <a:r>
+              <a:rPr lang="es-CO" dirty="0" smtClean="0"/>
+              <a:t>parejas.</a:t>
+            </a:r>
+            <a:endParaRPr lang="es-CO" dirty="0"/>
           </a:p>
           <a:p>
             <a:pPr lvl="1"/>
             <a:r>
-              <a:rPr lang="es-CO" dirty="0" smtClean="0"/>
-              <a:t>¿Hay diferencia por razas</a:t>
-            </a:r>
-            <a:r>
-              <a:rPr lang="es-CO" dirty="0" smtClean="0"/>
-              <a:t>? =&gt; NO</a:t>
-            </a:r>
-            <a:endParaRPr lang="es-CO" dirty="0" smtClean="0"/>
-          </a:p>
-          <a:p>
-            <a:r>
-              <a:rPr lang="es-CO" dirty="0" smtClean="0"/>
-              <a:t>Los expertos reportan mayor comprensión sobre las clases en las que son expertos.</a:t>
-            </a:r>
-          </a:p>
-          <a:p>
-            <a:pPr marL="285750" indent="-285750"/>
-            <a:r>
               <a:rPr lang="es-CO" dirty="0"/>
-              <a:t>Los expertos se consideran con mayor comprensión cuando están en parejas.</a:t>
-            </a:r>
+              <a:t>¿Hay diferencia por razas? =&gt; </a:t>
+            </a:r>
+            <a:r>
+              <a:rPr lang="es-CO" dirty="0" smtClean="0"/>
+              <a:t>NO</a:t>
+            </a:r>
+            <a:endParaRPr lang="es-CO" dirty="0"/>
+          </a:p>
+          <a:p>
+            <a:r>
+              <a:rPr lang="es-CO" dirty="0"/>
+              <a:t>Experticia vs </a:t>
+            </a:r>
+            <a:r>
+              <a:rPr lang="es-CO" dirty="0" smtClean="0"/>
+              <a:t>desempeño</a:t>
+            </a:r>
+          </a:p>
+          <a:p>
+            <a:pPr lvl="1"/>
+            <a:r>
+              <a:rPr lang="es-CO" dirty="0" smtClean="0"/>
+              <a:t>No hay evidencia de que a los novatos les vaya mejor en la condición de parejas que en la condición individual si se comparan directamente.</a:t>
+            </a:r>
+          </a:p>
+          <a:p>
+            <a:pPr lvl="1"/>
+            <a:r>
+              <a:rPr lang="es-CO" dirty="0" smtClean="0"/>
+              <a:t>Hay evidencia de que el progreso en el desempeño de los novatos, en la condición de parejas, se acerca más al desempeño de los expertos, que el respectivo progreso en la condición individual.</a:t>
+            </a:r>
+            <a:endParaRPr lang="es-CO" dirty="0"/>
+          </a:p>
+        </p:txBody>
+      </p:sp>
+      <p:sp>
+        <p:nvSpPr>
+          <p:cNvPr id="4" name="Marcador de número de diapositiva 3"/>
+          <p:cNvSpPr>
+            <a:spLocks noGrp="1"/>
+          </p:cNvSpPr>
+          <p:nvPr>
+            <p:ph type="sldNum" sz="quarter" idx="12"/>
+          </p:nvPr>
+        </p:nvSpPr>
+        <p:spPr/>
+        <p:txBody>
+          <a:bodyPr/>
+          <a:lstStyle/>
+          <a:p>
+            <a:fld id="{0AC18DFE-2F64-4429-B499-E16537F0080F}" type="slidenum">
+              <a:rPr lang="es-CO" smtClean="0"/>
+              <a:t>14</a:t>
+            </a:fld>
+            <a:endParaRPr lang="es-CO"/>
           </a:p>
         </p:txBody>
       </p:sp>
     </p:spTree>
     <p:extLst>
       <p:ext uri="{BB962C8B-B14F-4D97-AF65-F5344CB8AC3E}">
-        <p14:creationId xmlns:p14="http://schemas.microsoft.com/office/powerpoint/2010/main" val="2825242228"/>
+        <p14:creationId xmlns:p14="http://schemas.microsoft.com/office/powerpoint/2010/main" val="3808213628"/>
       </p:ext>
     </p:extLst>
   </p:cSld>
@@ -3698,20 +4176,8 @@
           <a:lstStyle/>
           <a:p>
             <a:r>
-              <a:rPr lang="es-CO" dirty="0" err="1" smtClean="0"/>
-              <a:t>Number</a:t>
-            </a:r>
-            <a:r>
-              <a:rPr lang="es-CO" dirty="0" smtClean="0"/>
-              <a:t> of </a:t>
-            </a:r>
-            <a:r>
-              <a:rPr lang="es-CO" dirty="0" err="1" smtClean="0"/>
-              <a:t>messages</a:t>
-            </a:r>
-            <a:r>
-              <a:rPr lang="es-CO" dirty="0" smtClean="0"/>
-              <a:t> per round</a:t>
+              <a:rPr lang="es-CO" dirty="0" smtClean="0"/>
+              <a:t>Autoevaluación de comprensión (Condición)</a:t>
             </a:r>
             <a:endParaRPr lang="es-CO" dirty="0"/>
           </a:p>
@@ -3719,14 +4185,14 @@
       </p:sp>
       <p:sp>
         <p:nvSpPr>
-          <p:cNvPr id="7" name="CuadroTexto 6"/>
+          <p:cNvPr id="3" name="CuadroTexto 2"/>
           <p:cNvSpPr txBox="1"/>
           <p:nvPr/>
         </p:nvSpPr>
         <p:spPr>
           <a:xfrm>
-            <a:off x="1482811" y="5782962"/>
-            <a:ext cx="9202456" cy="646331"/>
+            <a:off x="1248032" y="5798952"/>
+            <a:ext cx="9695935" cy="646331"/>
           </a:xfrm>
           <a:prstGeom prst="rect">
             <a:avLst/>
@@ -3734,7 +4200,7 @@
           <a:noFill/>
         </p:spPr>
         <p:txBody>
-          <a:bodyPr wrap="none" rtlCol="0">
+          <a:bodyPr wrap="square" rtlCol="0">
             <a:spAutoFit/>
           </a:bodyPr>
           <a:lstStyle/>
@@ -3745,53 +4211,22 @@
             </a:pPr>
             <a:r>
               <a:rPr lang="es-CO" dirty="0" smtClean="0"/>
-              <a:t>La comunicación promedio disminuye muy poco y termina alrededor de 1 mensaje por ronda</a:t>
-            </a:r>
-          </a:p>
-          <a:p>
-            <a:pPr marL="285750" indent="-285750">
-              <a:buFont typeface="Arial" panose="020B0604020202020204" pitchFamily="34" charset="0"/>
-              <a:buChar char="•"/>
-            </a:pPr>
-            <a:r>
-              <a:rPr lang="es-CO" dirty="0" smtClean="0"/>
-              <a:t>No </a:t>
-            </a:r>
-            <a:r>
-              <a:rPr lang="es-CO" dirty="0"/>
-              <a:t>se observa diferencia </a:t>
-            </a:r>
-            <a:r>
-              <a:rPr lang="es-CO" dirty="0" smtClean="0"/>
-              <a:t>significativa </a:t>
-            </a:r>
-            <a:r>
-              <a:rPr lang="es-CO" dirty="0" smtClean="0"/>
-              <a:t>entre los expertos en </a:t>
-            </a:r>
-            <a:r>
-              <a:rPr lang="es-CO" dirty="0" err="1" smtClean="0"/>
-              <a:t>hounds</a:t>
-            </a:r>
-            <a:r>
-              <a:rPr lang="es-CO" dirty="0" smtClean="0"/>
-              <a:t> y </a:t>
-            </a:r>
-            <a:r>
-              <a:rPr lang="es-CO" dirty="0" smtClean="0"/>
-              <a:t>los expertos en </a:t>
-            </a:r>
-            <a:r>
-              <a:rPr lang="es-CO" dirty="0" err="1" smtClean="0"/>
-              <a:t>terriers</a:t>
-            </a:r>
-            <a:endParaRPr lang="es-CO" dirty="0"/>
+              <a:t>No hay diferencias significativas en la autoevaluación </a:t>
+            </a:r>
+            <a:r>
+              <a:rPr lang="es-CO" dirty="0" smtClean="0"/>
+              <a:t>promedio respecto </a:t>
+            </a:r>
+            <a:r>
+              <a:rPr lang="es-CO" dirty="0" smtClean="0"/>
+              <a:t>a la condición de parejas y la individual</a:t>
+            </a:r>
           </a:p>
         </p:txBody>
       </p:sp>
       <p:pic>
         <p:nvPicPr>
-          <p:cNvPr id="3" name="Imagen 2"/>
+          <p:cNvPr id="6" name="Imagen 5"/>
           <p:cNvPicPr>
             <a:picLocks noChangeAspect="1"/>
           </p:cNvPicPr>
@@ -3805,18 +4240,41 @@
         </p:blipFill>
         <p:spPr>
           <a:xfrm>
-            <a:off x="2057140" y="1463730"/>
-            <a:ext cx="7202189" cy="4378129"/>
+            <a:off x="2024190" y="1495939"/>
+            <a:ext cx="7078621" cy="4303013"/>
           </a:xfrm>
           <a:prstGeom prst="rect">
             <a:avLst/>
           </a:prstGeom>
         </p:spPr>
       </p:pic>
+      <p:sp>
+        <p:nvSpPr>
+          <p:cNvPr id="4" name="Marcador de número de diapositiva 3"/>
+          <p:cNvSpPr>
+            <a:spLocks noGrp="1"/>
+          </p:cNvSpPr>
+          <p:nvPr>
+            <p:ph type="sldNum" sz="quarter" idx="12"/>
+          </p:nvPr>
+        </p:nvSpPr>
+        <p:spPr/>
+        <p:txBody>
+          <a:bodyPr/>
+          <a:lstStyle/>
+          <a:p>
+            <a:fld id="{0AC18DFE-2F64-4429-B499-E16537F0080F}" type="slidenum">
+              <a:rPr lang="es-CO" smtClean="0"/>
+              <a:t>15</a:t>
+            </a:fld>
+            <a:endParaRPr lang="es-CO"/>
+          </a:p>
+        </p:txBody>
+      </p:sp>
     </p:spTree>
     <p:extLst>
       <p:ext uri="{BB962C8B-B14F-4D97-AF65-F5344CB8AC3E}">
-        <p14:creationId xmlns:p14="http://schemas.microsoft.com/office/powerpoint/2010/main" val="211567745"/>
+        <p14:creationId xmlns:p14="http://schemas.microsoft.com/office/powerpoint/2010/main" val="2870950738"/>
       </p:ext>
     </p:extLst>
   </p:cSld>
@@ -3859,16 +4317,20 @@
           <a:lstStyle/>
           <a:p>
             <a:r>
-              <a:rPr lang="es-CO" dirty="0" err="1" smtClean="0"/>
-              <a:t>Correctness</a:t>
-            </a:r>
-            <a:r>
-              <a:rPr lang="es-CO" dirty="0" smtClean="0"/>
-              <a:t> per </a:t>
-            </a:r>
-            <a:r>
-              <a:rPr lang="es-CO" dirty="0" smtClean="0"/>
-              <a:t>round</a:t>
+              <a:rPr lang="es-CO" dirty="0" smtClean="0"/>
+              <a:t>Autoevaluación de comprensión </a:t>
+            </a:r>
+            <a:r>
+              <a:rPr lang="es-CO" dirty="0" smtClean="0"/>
+              <a:t>por experticia</a:t>
+            </a:r>
+            <a:r>
+              <a:rPr lang="es-CO" dirty="0"/>
+              <a:t> </a:t>
+            </a:r>
+            <a:r>
+              <a:rPr lang="es-CO" dirty="0" smtClean="0"/>
+              <a:t>(Global)</a:t>
             </a:r>
             <a:endParaRPr lang="es-CO" dirty="0"/>
           </a:p>
@@ -3876,14 +4338,14 @@
       </p:sp>
       <p:sp>
         <p:nvSpPr>
-          <p:cNvPr id="7" name="CuadroTexto 6"/>
+          <p:cNvPr id="3" name="CuadroTexto 2"/>
           <p:cNvSpPr txBox="1"/>
           <p:nvPr/>
         </p:nvSpPr>
         <p:spPr>
           <a:xfrm>
-            <a:off x="1482811" y="5782962"/>
-            <a:ext cx="8397940" cy="646331"/>
+            <a:off x="1248032" y="5798952"/>
+            <a:ext cx="9695935" cy="646331"/>
           </a:xfrm>
           <a:prstGeom prst="rect">
             <a:avLst/>
@@ -3891,7 +4353,7 @@
           <a:noFill/>
         </p:spPr>
         <p:txBody>
-          <a:bodyPr wrap="none" rtlCol="0">
+          <a:bodyPr wrap="square" rtlCol="0">
             <a:spAutoFit/>
           </a:bodyPr>
           <a:lstStyle/>
@@ -3902,16 +4364,21 @@
             </a:pPr>
             <a:r>
               <a:rPr lang="es-CO" dirty="0" smtClean="0"/>
-              <a:t>La </a:t>
+              <a:t>Los expertos en </a:t>
             </a:r>
             <a:r>
               <a:rPr lang="es-CO" dirty="0" err="1" smtClean="0"/>
-              <a:t>correctitud</a:t>
-            </a:r>
-            <a:r>
-              <a:rPr lang="es-CO" dirty="0" smtClean="0"/>
-              <a:t> promedio de las respuestas a los mensajes enviados aumenta un poco.</a:t>
-            </a:r>
+              <a:t>hounds</a:t>
+            </a:r>
+            <a:r>
+              <a:rPr lang="es-CO" dirty="0" smtClean="0"/>
+              <a:t> reportan mayor comprensión sobre los </a:t>
+            </a:r>
+            <a:r>
+              <a:rPr lang="es-CO" dirty="0" err="1" smtClean="0"/>
+              <a:t>hounds</a:t>
+            </a:r>
+            <a:endParaRPr lang="es-CO" dirty="0" smtClean="0"/>
           </a:p>
           <a:p>
             <a:pPr marL="285750" indent="-285750">
@@ -3920,15 +4387,27 @@
             </a:pPr>
             <a:r>
               <a:rPr lang="es-CO" dirty="0" smtClean="0"/>
-              <a:t>No se observa diferencia significativa entre los tipos de experticia.</a:t>
-            </a:r>
-            <a:endParaRPr lang="es-CO" dirty="0"/>
+              <a:t>Los expertos en </a:t>
+            </a:r>
+            <a:r>
+              <a:rPr lang="es-CO" dirty="0" err="1" smtClean="0"/>
+              <a:t>terriers</a:t>
+            </a:r>
+            <a:r>
+              <a:rPr lang="es-CO" dirty="0" smtClean="0"/>
+              <a:t> reportan un poquito más de comprensión sobre los </a:t>
+            </a:r>
+            <a:r>
+              <a:rPr lang="es-CO" dirty="0" err="1" smtClean="0"/>
+              <a:t>terriers</a:t>
+            </a:r>
+            <a:endParaRPr lang="es-CO" dirty="0" smtClean="0"/>
           </a:p>
         </p:txBody>
       </p:sp>
       <p:pic>
         <p:nvPicPr>
-          <p:cNvPr id="5" name="Imagen 4"/>
+          <p:cNvPr id="6" name="Imagen 5"/>
           <p:cNvPicPr>
             <a:picLocks noChangeAspect="1"/>
           </p:cNvPicPr>
@@ -3942,18 +4421,41 @@
         </p:blipFill>
         <p:spPr>
           <a:xfrm>
-            <a:off x="1482811" y="1276264"/>
-            <a:ext cx="8342551" cy="4506698"/>
+            <a:off x="2007714" y="1806416"/>
+            <a:ext cx="6567876" cy="3992536"/>
           </a:xfrm>
           <a:prstGeom prst="rect">
             <a:avLst/>
           </a:prstGeom>
         </p:spPr>
       </p:pic>
+      <p:sp>
+        <p:nvSpPr>
+          <p:cNvPr id="4" name="Marcador de número de diapositiva 3"/>
+          <p:cNvSpPr>
+            <a:spLocks noGrp="1"/>
+          </p:cNvSpPr>
+          <p:nvPr>
+            <p:ph type="sldNum" sz="quarter" idx="12"/>
+          </p:nvPr>
+        </p:nvSpPr>
+        <p:spPr/>
+        <p:txBody>
+          <a:bodyPr/>
+          <a:lstStyle/>
+          <a:p>
+            <a:fld id="{0AC18DFE-2F64-4429-B499-E16537F0080F}" type="slidenum">
+              <a:rPr lang="es-CO" smtClean="0"/>
+              <a:t>16</a:t>
+            </a:fld>
+            <a:endParaRPr lang="es-CO"/>
+          </a:p>
+        </p:txBody>
+      </p:sp>
     </p:spTree>
     <p:extLst>
       <p:ext uri="{BB962C8B-B14F-4D97-AF65-F5344CB8AC3E}">
-        <p14:creationId xmlns:p14="http://schemas.microsoft.com/office/powerpoint/2010/main" val="3553175743"/>
+        <p14:creationId xmlns:p14="http://schemas.microsoft.com/office/powerpoint/2010/main" val="779592519"/>
       </p:ext>
     </p:extLst>
   </p:cSld>
@@ -3996,16 +4498,12 @@
           <a:lstStyle/>
           <a:p>
             <a:r>
-              <a:rPr lang="es-CO" dirty="0" err="1" smtClean="0"/>
-              <a:t>Number</a:t>
-            </a:r>
-            <a:r>
-              <a:rPr lang="es-CO" dirty="0" smtClean="0"/>
-              <a:t> of </a:t>
-            </a:r>
-            <a:r>
-              <a:rPr lang="es-CO" dirty="0" err="1" smtClean="0"/>
-              <a:t>messages</a:t>
+              <a:rPr lang="es-CO" dirty="0" smtClean="0"/>
+              <a:t>Autoevaluación de comprensión </a:t>
+            </a:r>
+            <a:r>
+              <a:rPr lang="es-CO" dirty="0" smtClean="0"/>
+              <a:t>por experticia</a:t>
             </a:r>
             <a:r>
               <a:rPr lang="es-CO" dirty="0"/>
@@ -4013,11 +4511,7 @@
             </a:r>
             <a:r>
               <a:rPr lang="es-CO" dirty="0" smtClean="0"/>
-              <a:t>w.r.t. </a:t>
-            </a:r>
-            <a:r>
-              <a:rPr lang="es-CO" dirty="0" err="1" smtClean="0"/>
-              <a:t>correctness</a:t>
+              <a:t>(parejas)</a:t>
             </a:r>
             <a:endParaRPr lang="es-CO" dirty="0"/>
           </a:p>
@@ -4025,14 +4519,14 @@
       </p:sp>
       <p:sp>
         <p:nvSpPr>
-          <p:cNvPr id="7" name="CuadroTexto 6"/>
+          <p:cNvPr id="3" name="CuadroTexto 2"/>
           <p:cNvSpPr txBox="1"/>
           <p:nvPr/>
         </p:nvSpPr>
         <p:spPr>
           <a:xfrm>
-            <a:off x="1482811" y="5782962"/>
-            <a:ext cx="9569223" cy="369332"/>
+            <a:off x="1248032" y="5798952"/>
+            <a:ext cx="9695935" cy="646331"/>
           </a:xfrm>
           <a:prstGeom prst="rect">
             <a:avLst/>
@@ -4040,7 +4534,7 @@
           <a:noFill/>
         </p:spPr>
         <p:txBody>
-          <a:bodyPr wrap="none" rtlCol="0">
+          <a:bodyPr wrap="square" rtlCol="0">
             <a:spAutoFit/>
           </a:bodyPr>
           <a:lstStyle/>
@@ -4051,21 +4545,52 @@
             </a:pPr>
             <a:r>
               <a:rPr lang="es-CO" dirty="0" smtClean="0"/>
-              <a:t>La comunicación promedio </a:t>
-            </a:r>
-            <a:r>
-              <a:rPr lang="es-CO" dirty="0" smtClean="0"/>
-              <a:t>disminuye a medida que aumenta la </a:t>
+              <a:t>Los expertos en </a:t>
             </a:r>
             <a:r>
               <a:rPr lang="es-CO" dirty="0" err="1" smtClean="0"/>
-              <a:t>correctitud</a:t>
-            </a:r>
-            <a:r>
-              <a:rPr lang="es-CO" dirty="0" smtClean="0"/>
-              <a:t> de los mensajes WTF!</a:t>
-            </a:r>
-            <a:endParaRPr lang="es-CO" dirty="0"/>
+              <a:t>hounds</a:t>
+            </a:r>
+            <a:r>
+              <a:rPr lang="es-CO" dirty="0" smtClean="0"/>
+              <a:t> reportan mayor comprensión sobre los </a:t>
+            </a:r>
+            <a:r>
+              <a:rPr lang="es-CO" dirty="0" err="1" smtClean="0"/>
+              <a:t>hounds</a:t>
+            </a:r>
+            <a:endParaRPr lang="es-CO" dirty="0" smtClean="0"/>
+          </a:p>
+          <a:p>
+            <a:pPr marL="285750" indent="-285750">
+              <a:buFont typeface="Arial" panose="020B0604020202020204" pitchFamily="34" charset="0"/>
+              <a:buChar char="•"/>
+            </a:pPr>
+            <a:r>
+              <a:rPr lang="es-CO" dirty="0" smtClean="0"/>
+              <a:t>Los expertos en </a:t>
+            </a:r>
+            <a:r>
+              <a:rPr lang="es-CO" dirty="0" err="1" smtClean="0"/>
+              <a:t>terriers</a:t>
+            </a:r>
+            <a:r>
+              <a:rPr lang="es-CO" dirty="0" smtClean="0"/>
+              <a:t> reportan </a:t>
+            </a:r>
+            <a:r>
+              <a:rPr lang="es-CO" dirty="0"/>
+              <a:t>mayor comprensión sobre </a:t>
+            </a:r>
+            <a:r>
+              <a:rPr lang="es-CO" dirty="0" smtClean="0"/>
+              <a:t>los </a:t>
+            </a:r>
+            <a:r>
+              <a:rPr lang="es-CO" dirty="0" err="1" smtClean="0"/>
+              <a:t>terriers</a:t>
+            </a:r>
+            <a:endParaRPr lang="es-CO" dirty="0" smtClean="0"/>
           </a:p>
         </p:txBody>
       </p:sp>
@@ -4085,18 +4610,41 @@
         </p:blipFill>
         <p:spPr>
           <a:xfrm>
-            <a:off x="1476953" y="1582194"/>
-            <a:ext cx="7889470" cy="4261941"/>
+            <a:off x="2018270" y="1690688"/>
+            <a:ext cx="7051589" cy="4178673"/>
           </a:xfrm>
           <a:prstGeom prst="rect">
             <a:avLst/>
           </a:prstGeom>
         </p:spPr>
       </p:pic>
+      <p:sp>
+        <p:nvSpPr>
+          <p:cNvPr id="5" name="Marcador de número de diapositiva 4"/>
+          <p:cNvSpPr>
+            <a:spLocks noGrp="1"/>
+          </p:cNvSpPr>
+          <p:nvPr>
+            <p:ph type="sldNum" sz="quarter" idx="12"/>
+          </p:nvPr>
+        </p:nvSpPr>
+        <p:spPr/>
+        <p:txBody>
+          <a:bodyPr/>
+          <a:lstStyle/>
+          <a:p>
+            <a:fld id="{0AC18DFE-2F64-4429-B499-E16537F0080F}" type="slidenum">
+              <a:rPr lang="es-CO" smtClean="0"/>
+              <a:t>17</a:t>
+            </a:fld>
+            <a:endParaRPr lang="es-CO"/>
+          </a:p>
+        </p:txBody>
+      </p:sp>
     </p:spTree>
     <p:extLst>
       <p:ext uri="{BB962C8B-B14F-4D97-AF65-F5344CB8AC3E}">
-        <p14:creationId xmlns:p14="http://schemas.microsoft.com/office/powerpoint/2010/main" val="2211966074"/>
+        <p14:creationId xmlns:p14="http://schemas.microsoft.com/office/powerpoint/2010/main" val="762279592"/>
       </p:ext>
     </p:extLst>
   </p:cSld>
@@ -4140,7 +4688,19 @@
           <a:p>
             <a:r>
               <a:rPr lang="es-CO" dirty="0" smtClean="0"/>
-              <a:t>Suposiciones</a:t>
+              <a:t>Autoevaluación de comprensión </a:t>
+            </a:r>
+            <a:r>
+              <a:rPr lang="es-CO" dirty="0" smtClean="0"/>
+              <a:t>por experticia</a:t>
+            </a:r>
+            <a:r>
+              <a:rPr lang="es-CO" dirty="0"/>
+              <a:t> </a:t>
+            </a:r>
+            <a:r>
+              <a:rPr lang="es-CO" dirty="0" smtClean="0"/>
+              <a:t>(individual)</a:t>
             </a:r>
             <a:endParaRPr lang="es-CO" dirty="0"/>
           </a:p>
@@ -4148,35 +4708,88 @@
       </p:sp>
       <p:sp>
         <p:nvSpPr>
-          <p:cNvPr id="3" name="Marcador de contenido 2"/>
-          <p:cNvSpPr>
-            <a:spLocks noGrp="1"/>
-          </p:cNvSpPr>
-          <p:nvPr>
-            <p:ph idx="1"/>
-          </p:nvPr>
+          <p:cNvPr id="3" name="CuadroTexto 2"/>
+          <p:cNvSpPr txBox="1"/>
+          <p:nvPr/>
         </p:nvSpPr>
         <p:spPr>
           <a:xfrm>
-            <a:off x="838200" y="5478161"/>
-            <a:ext cx="10515600" cy="698801"/>
+            <a:off x="1248032" y="5798952"/>
+            <a:ext cx="9695935" cy="646331"/>
           </a:xfrm>
+          <a:prstGeom prst="rect">
+            <a:avLst/>
+          </a:prstGeom>
+          <a:noFill/>
         </p:spPr>
         <p:txBody>
-          <a:bodyPr/>
-          <a:lstStyle/>
-          <a:p>
-            <a:r>
-              <a:rPr lang="es-CO" dirty="0" smtClean="0"/>
-              <a:t>?????</a:t>
-            </a:r>
-            <a:endParaRPr lang="es-CO" dirty="0"/>
+          <a:bodyPr wrap="square" rtlCol="0">
+            <a:spAutoFit/>
+          </a:bodyPr>
+          <a:lstStyle/>
+          <a:p>
+            <a:pPr marL="285750" indent="-285750">
+              <a:buFont typeface="Arial" panose="020B0604020202020204" pitchFamily="34" charset="0"/>
+              <a:buChar char="•"/>
+            </a:pPr>
+            <a:r>
+              <a:rPr lang="es-CO" dirty="0" smtClean="0"/>
+              <a:t>Los expertos en </a:t>
+            </a:r>
+            <a:r>
+              <a:rPr lang="es-CO" dirty="0" err="1" smtClean="0"/>
+              <a:t>hounds</a:t>
+            </a:r>
+            <a:r>
+              <a:rPr lang="es-CO" dirty="0" smtClean="0"/>
+              <a:t> reportan mayor comprensión sobre los </a:t>
+            </a:r>
+            <a:r>
+              <a:rPr lang="es-CO" dirty="0" err="1" smtClean="0"/>
+              <a:t>hounds</a:t>
+            </a:r>
+            <a:endParaRPr lang="es-CO" dirty="0" smtClean="0"/>
+          </a:p>
+          <a:p>
+            <a:pPr marL="285750" indent="-285750">
+              <a:buFont typeface="Arial" panose="020B0604020202020204" pitchFamily="34" charset="0"/>
+              <a:buChar char="•"/>
+            </a:pPr>
+            <a:r>
+              <a:rPr lang="es-CO" dirty="0" smtClean="0"/>
+              <a:t>Los expertos en </a:t>
+            </a:r>
+            <a:r>
+              <a:rPr lang="es-CO" dirty="0" err="1" smtClean="0"/>
+              <a:t>terriers</a:t>
+            </a:r>
+            <a:r>
+              <a:rPr lang="es-CO" dirty="0" smtClean="0"/>
+              <a:t> NO </a:t>
+            </a:r>
+            <a:r>
+              <a:rPr lang="es-CO" dirty="0" smtClean="0"/>
+              <a:t>reportan </a:t>
+            </a:r>
+            <a:r>
+              <a:rPr lang="es-CO" dirty="0" smtClean="0"/>
+              <a:t>mayor comprensión </a:t>
+            </a:r>
+            <a:r>
+              <a:rPr lang="es-CO" dirty="0" smtClean="0"/>
+              <a:t>sobre los </a:t>
+            </a:r>
+            <a:r>
+              <a:rPr lang="es-CO" dirty="0" err="1" smtClean="0"/>
+              <a:t>terriers</a:t>
+            </a:r>
+            <a:endParaRPr lang="es-CO" dirty="0" smtClean="0"/>
           </a:p>
         </p:txBody>
       </p:sp>
       <p:pic>
         <p:nvPicPr>
-          <p:cNvPr id="6" name="Imagen 5"/>
+          <p:cNvPr id="4" name="Imagen 3"/>
           <p:cNvPicPr>
             <a:picLocks noChangeAspect="1"/>
           </p:cNvPicPr>
@@ -4190,18 +4803,41 @@
         </p:blipFill>
         <p:spPr>
           <a:xfrm>
-            <a:off x="1820562" y="1335088"/>
-            <a:ext cx="7669428" cy="4143073"/>
+            <a:off x="1952368" y="1800252"/>
+            <a:ext cx="7158681" cy="4123986"/>
           </a:xfrm>
           <a:prstGeom prst="rect">
             <a:avLst/>
           </a:prstGeom>
         </p:spPr>
       </p:pic>
+      <p:sp>
+        <p:nvSpPr>
+          <p:cNvPr id="5" name="Marcador de número de diapositiva 4"/>
+          <p:cNvSpPr>
+            <a:spLocks noGrp="1"/>
+          </p:cNvSpPr>
+          <p:nvPr>
+            <p:ph type="sldNum" sz="quarter" idx="12"/>
+          </p:nvPr>
+        </p:nvSpPr>
+        <p:spPr/>
+        <p:txBody>
+          <a:bodyPr/>
+          <a:lstStyle/>
+          <a:p>
+            <a:fld id="{0AC18DFE-2F64-4429-B499-E16537F0080F}" type="slidenum">
+              <a:rPr lang="es-CO" smtClean="0"/>
+              <a:t>18</a:t>
+            </a:fld>
+            <a:endParaRPr lang="es-CO"/>
+          </a:p>
+        </p:txBody>
+      </p:sp>
     </p:spTree>
     <p:extLst>
       <p:ext uri="{BB962C8B-B14F-4D97-AF65-F5344CB8AC3E}">
-        <p14:creationId xmlns:p14="http://schemas.microsoft.com/office/powerpoint/2010/main" val="3441565506"/>
+        <p14:creationId xmlns:p14="http://schemas.microsoft.com/office/powerpoint/2010/main" val="905908591"/>
       </p:ext>
     </p:extLst>
   </p:cSld>
@@ -4245,7 +4881,7 @@
           <a:p>
             <a:r>
               <a:rPr lang="es-CO" dirty="0" smtClean="0"/>
-              <a:t>Meando fuera del tiesto</a:t>
+              <a:t>Autoevaluación de comprensión de los expertos</a:t>
             </a:r>
             <a:endParaRPr lang="es-CO" dirty="0"/>
           </a:p>
@@ -4253,35 +4889,40 @@
       </p:sp>
       <p:sp>
         <p:nvSpPr>
-          <p:cNvPr id="3" name="Marcador de contenido 2"/>
-          <p:cNvSpPr>
-            <a:spLocks noGrp="1"/>
-          </p:cNvSpPr>
-          <p:nvPr>
-            <p:ph idx="1"/>
-          </p:nvPr>
+          <p:cNvPr id="3" name="CuadroTexto 2"/>
+          <p:cNvSpPr txBox="1"/>
+          <p:nvPr/>
         </p:nvSpPr>
         <p:spPr>
           <a:xfrm>
-            <a:off x="838200" y="5478161"/>
-            <a:ext cx="10515600" cy="698801"/>
+            <a:off x="1285103" y="5882236"/>
+            <a:ext cx="9695935" cy="646331"/>
           </a:xfrm>
+          <a:prstGeom prst="rect">
+            <a:avLst/>
+          </a:prstGeom>
+          <a:noFill/>
         </p:spPr>
         <p:txBody>
-          <a:bodyPr/>
-          <a:lstStyle/>
-          <a:p>
-            <a:r>
-              <a:rPr lang="es-CO" dirty="0" smtClean="0"/>
-              <a:t>?????</a:t>
-            </a:r>
-            <a:endParaRPr lang="es-CO" dirty="0"/>
+          <a:bodyPr wrap="square" rtlCol="0">
+            <a:spAutoFit/>
+          </a:bodyPr>
+          <a:lstStyle/>
+          <a:p>
+            <a:pPr marL="285750" indent="-285750">
+              <a:buFont typeface="Arial" panose="020B0604020202020204" pitchFamily="34" charset="0"/>
+              <a:buChar char="•"/>
+            </a:pPr>
+            <a:r>
+              <a:rPr lang="es-CO" dirty="0" smtClean="0"/>
+              <a:t>En la condición de parejas los expertos reportan mayor comprensión que en la condición individual. </a:t>
+            </a:r>
           </a:p>
         </p:txBody>
       </p:sp>
       <p:pic>
         <p:nvPicPr>
-          <p:cNvPr id="5" name="Imagen 4"/>
+          <p:cNvPr id="6" name="Imagen 5"/>
           <p:cNvPicPr>
             <a:picLocks noChangeAspect="1"/>
           </p:cNvPicPr>
@@ -4295,18 +4936,41 @@
         </p:blipFill>
         <p:spPr>
           <a:xfrm>
-            <a:off x="1872369" y="1380875"/>
-            <a:ext cx="7584670" cy="4097286"/>
+            <a:off x="2188946" y="1497657"/>
+            <a:ext cx="7078621" cy="4303013"/>
           </a:xfrm>
           <a:prstGeom prst="rect">
             <a:avLst/>
           </a:prstGeom>
         </p:spPr>
       </p:pic>
+      <p:sp>
+        <p:nvSpPr>
+          <p:cNvPr id="4" name="Marcador de número de diapositiva 3"/>
+          <p:cNvSpPr>
+            <a:spLocks noGrp="1"/>
+          </p:cNvSpPr>
+          <p:nvPr>
+            <p:ph type="sldNum" sz="quarter" idx="12"/>
+          </p:nvPr>
+        </p:nvSpPr>
+        <p:spPr/>
+        <p:txBody>
+          <a:bodyPr/>
+          <a:lstStyle/>
+          <a:p>
+            <a:fld id="{0AC18DFE-2F64-4429-B499-E16537F0080F}" type="slidenum">
+              <a:rPr lang="es-CO" smtClean="0"/>
+              <a:t>19</a:t>
+            </a:fld>
+            <a:endParaRPr lang="es-CO"/>
+          </a:p>
+        </p:txBody>
+      </p:sp>
     </p:spTree>
     <p:extLst>
       <p:ext uri="{BB962C8B-B14F-4D97-AF65-F5344CB8AC3E}">
-        <p14:creationId xmlns:p14="http://schemas.microsoft.com/office/powerpoint/2010/main" val="919449595"/>
+        <p14:creationId xmlns:p14="http://schemas.microsoft.com/office/powerpoint/2010/main" val="1375924764"/>
       </p:ext>
     </p:extLst>
   </p:cSld>
@@ -4451,6 +5115,29 @@
               <a:t>”?</a:t>
             </a:r>
             <a:endParaRPr lang="es-CO" dirty="0"/>
+          </a:p>
+        </p:txBody>
+      </p:sp>
+      <p:sp>
+        <p:nvSpPr>
+          <p:cNvPr id="4" name="Marcador de número de diapositiva 3"/>
+          <p:cNvSpPr>
+            <a:spLocks noGrp="1"/>
+          </p:cNvSpPr>
+          <p:nvPr>
+            <p:ph type="sldNum" sz="quarter" idx="12"/>
+          </p:nvPr>
+        </p:nvSpPr>
+        <p:spPr/>
+        <p:txBody>
+          <a:bodyPr/>
+          <a:lstStyle/>
+          <a:p>
+            <a:fld id="{0AC18DFE-2F64-4429-B499-E16537F0080F}" type="slidenum">
+              <a:rPr lang="es-CO" smtClean="0"/>
+              <a:t>2</a:t>
+            </a:fld>
+            <a:endParaRPr lang="es-CO"/>
           </a:p>
         </p:txBody>
       </p:sp>
@@ -4501,7 +5188,152 @@
           <a:p>
             <a:r>
               <a:rPr lang="es-CO" dirty="0" smtClean="0"/>
-              <a:t>Cosas por explorar</a:t>
+              <a:t>Autoevaluación de comprensión de los </a:t>
+            </a:r>
+            <a:r>
+              <a:rPr lang="es-CO" dirty="0" smtClean="0"/>
+              <a:t>novatos</a:t>
+            </a:r>
+            <a:endParaRPr lang="es-CO" dirty="0"/>
+          </a:p>
+        </p:txBody>
+      </p:sp>
+      <p:sp>
+        <p:nvSpPr>
+          <p:cNvPr id="3" name="CuadroTexto 2"/>
+          <p:cNvSpPr txBox="1"/>
+          <p:nvPr/>
+        </p:nvSpPr>
+        <p:spPr>
+          <a:xfrm>
+            <a:off x="1285103" y="5882236"/>
+            <a:ext cx="9695935" cy="646331"/>
+          </a:xfrm>
+          <a:prstGeom prst="rect">
+            <a:avLst/>
+          </a:prstGeom>
+          <a:noFill/>
+        </p:spPr>
+        <p:txBody>
+          <a:bodyPr wrap="square" rtlCol="0">
+            <a:spAutoFit/>
+          </a:bodyPr>
+          <a:lstStyle/>
+          <a:p>
+            <a:pPr marL="285750" indent="-285750">
+              <a:buFont typeface="Arial" panose="020B0604020202020204" pitchFamily="34" charset="0"/>
+              <a:buChar char="•"/>
+            </a:pPr>
+            <a:r>
+              <a:rPr lang="es-CO" dirty="0" smtClean="0"/>
+              <a:t>En la condición de parejas los </a:t>
+            </a:r>
+            <a:r>
+              <a:rPr lang="es-CO" dirty="0" smtClean="0"/>
+              <a:t>novatos reportan un poco menos de comprensión </a:t>
+            </a:r>
+            <a:r>
+              <a:rPr lang="es-CO" dirty="0" smtClean="0"/>
+              <a:t>que en la condición individual. </a:t>
+            </a:r>
+          </a:p>
+        </p:txBody>
+      </p:sp>
+      <p:pic>
+        <p:nvPicPr>
+          <p:cNvPr id="5" name="Imagen 4"/>
+          <p:cNvPicPr>
+            <a:picLocks noChangeAspect="1"/>
+          </p:cNvPicPr>
+          <p:nvPr/>
+        </p:nvPicPr>
+        <p:blipFill>
+          <a:blip r:embed="rId2"/>
+          <a:stretch>
+            <a:fillRect/>
+          </a:stretch>
+        </p:blipFill>
+        <p:spPr>
+          <a:xfrm>
+            <a:off x="1476952" y="1702348"/>
+            <a:ext cx="7815329" cy="4221889"/>
+          </a:xfrm>
+          <a:prstGeom prst="rect">
+            <a:avLst/>
+          </a:prstGeom>
+        </p:spPr>
+      </p:pic>
+      <p:sp>
+        <p:nvSpPr>
+          <p:cNvPr id="7" name="Marcador de número de diapositiva 6"/>
+          <p:cNvSpPr>
+            <a:spLocks noGrp="1"/>
+          </p:cNvSpPr>
+          <p:nvPr>
+            <p:ph type="sldNum" sz="quarter" idx="12"/>
+          </p:nvPr>
+        </p:nvSpPr>
+        <p:spPr/>
+        <p:txBody>
+          <a:bodyPr/>
+          <a:lstStyle/>
+          <a:p>
+            <a:fld id="{0AC18DFE-2F64-4429-B499-E16537F0080F}" type="slidenum">
+              <a:rPr lang="es-CO" smtClean="0"/>
+              <a:t>20</a:t>
+            </a:fld>
+            <a:endParaRPr lang="es-CO"/>
+          </a:p>
+        </p:txBody>
+      </p:sp>
+    </p:spTree>
+    <p:extLst>
+      <p:ext uri="{BB962C8B-B14F-4D97-AF65-F5344CB8AC3E}">
+        <p14:creationId xmlns:p14="http://schemas.microsoft.com/office/powerpoint/2010/main" val="2647137904"/>
+      </p:ext>
+    </p:extLst>
+  </p:cSld>
+  <p:clrMapOvr>
+    <a:masterClrMapping/>
+  </p:clrMapOvr>
+</p:sld>
+</file>
+
+<file path=ppt/slides/slide21.xml><?xml version="1.0" encoding="utf-8"?>
+<p:sld xmlns:a="http://schemas.openxmlformats.org/drawingml/2006/main" xmlns:r="http://schemas.openxmlformats.org/officeDocument/2006/relationships" xmlns:p="http://schemas.openxmlformats.org/presentationml/2006/main">
+  <p:cSld>
+    <p:spTree>
+      <p:nvGrpSpPr>
+        <p:cNvPr id="1" name=""/>
+        <p:cNvGrpSpPr/>
+        <p:nvPr/>
+      </p:nvGrpSpPr>
+      <p:grpSpPr>
+        <a:xfrm>
+          <a:off x="0" y="0"/>
+          <a:ext cx="0" cy="0"/>
+          <a:chOff x="0" y="0"/>
+          <a:chExt cx="0" cy="0"/>
+        </a:xfrm>
+      </p:grpSpPr>
+      <p:sp>
+        <p:nvSpPr>
+          <p:cNvPr id="2" name="Título 1"/>
+          <p:cNvSpPr>
+            <a:spLocks noGrp="1"/>
+          </p:cNvSpPr>
+          <p:nvPr>
+            <p:ph type="title"/>
+          </p:nvPr>
+        </p:nvSpPr>
+        <p:spPr/>
+        <p:txBody>
+          <a:bodyPr/>
+          <a:lstStyle/>
+          <a:p>
+            <a:r>
+              <a:rPr lang="es-CO" dirty="0" smtClean="0"/>
+              <a:t>Observaciones</a:t>
             </a:r>
             <a:endParaRPr lang="es-CO" dirty="0"/>
           </a:p>
@@ -4526,6 +5358,1224 @@
           <a:p>
             <a:r>
               <a:rPr lang="es-CO" dirty="0" smtClean="0"/>
+              <a:t>Los </a:t>
+            </a:r>
+            <a:r>
+              <a:rPr lang="es-CO" dirty="0" smtClean="0"/>
+              <a:t>expertos reportan mayor comprensión sobre las clases en las que son expertos.</a:t>
+            </a:r>
+          </a:p>
+          <a:p>
+            <a:pPr marL="285750" indent="-285750"/>
+            <a:r>
+              <a:rPr lang="es-CO" dirty="0"/>
+              <a:t>Los expertos </a:t>
+            </a:r>
+            <a:r>
+              <a:rPr lang="es-CO" dirty="0" smtClean="0"/>
+              <a:t>en parejas reportan mayor </a:t>
+            </a:r>
+            <a:r>
+              <a:rPr lang="es-CO" dirty="0"/>
+              <a:t>comprensión </a:t>
+            </a:r>
+            <a:r>
+              <a:rPr lang="es-CO" dirty="0" smtClean="0"/>
+              <a:t>que los expertos en condición individual.</a:t>
+            </a:r>
+          </a:p>
+          <a:p>
+            <a:pPr marL="285750" indent="-285750"/>
+            <a:r>
+              <a:rPr lang="es-CO" dirty="0" smtClean="0"/>
+              <a:t>Los novatos en parejas reportan menor comprensión que los novatos en condición individual</a:t>
+            </a:r>
+            <a:endParaRPr lang="es-CO" dirty="0"/>
+          </a:p>
+        </p:txBody>
+      </p:sp>
+      <p:sp>
+        <p:nvSpPr>
+          <p:cNvPr id="4" name="Marcador de número de diapositiva 3"/>
+          <p:cNvSpPr>
+            <a:spLocks noGrp="1"/>
+          </p:cNvSpPr>
+          <p:nvPr>
+            <p:ph type="sldNum" sz="quarter" idx="12"/>
+          </p:nvPr>
+        </p:nvSpPr>
+        <p:spPr/>
+        <p:txBody>
+          <a:bodyPr/>
+          <a:lstStyle/>
+          <a:p>
+            <a:fld id="{0AC18DFE-2F64-4429-B499-E16537F0080F}" type="slidenum">
+              <a:rPr lang="es-CO" smtClean="0"/>
+              <a:t>21</a:t>
+            </a:fld>
+            <a:endParaRPr lang="es-CO"/>
+          </a:p>
+        </p:txBody>
+      </p:sp>
+    </p:spTree>
+    <p:extLst>
+      <p:ext uri="{BB962C8B-B14F-4D97-AF65-F5344CB8AC3E}">
+        <p14:creationId xmlns:p14="http://schemas.microsoft.com/office/powerpoint/2010/main" val="2825242228"/>
+      </p:ext>
+    </p:extLst>
+  </p:cSld>
+  <p:clrMapOvr>
+    <a:masterClrMapping/>
+  </p:clrMapOvr>
+</p:sld>
+</file>
+
+<file path=ppt/slides/slide22.xml><?xml version="1.0" encoding="utf-8"?>
+<p:sld xmlns:a="http://schemas.openxmlformats.org/drawingml/2006/main" xmlns:r="http://schemas.openxmlformats.org/officeDocument/2006/relationships" xmlns:p="http://schemas.openxmlformats.org/presentationml/2006/main">
+  <p:cSld>
+    <p:spTree>
+      <p:nvGrpSpPr>
+        <p:cNvPr id="1" name=""/>
+        <p:cNvGrpSpPr/>
+        <p:nvPr/>
+      </p:nvGrpSpPr>
+      <p:grpSpPr>
+        <a:xfrm>
+          <a:off x="0" y="0"/>
+          <a:ext cx="0" cy="0"/>
+          <a:chOff x="0" y="0"/>
+          <a:chExt cx="0" cy="0"/>
+        </a:xfrm>
+      </p:grpSpPr>
+      <p:sp>
+        <p:nvSpPr>
+          <p:cNvPr id="2" name="Título 1"/>
+          <p:cNvSpPr>
+            <a:spLocks noGrp="1"/>
+          </p:cNvSpPr>
+          <p:nvPr>
+            <p:ph type="title"/>
+          </p:nvPr>
+        </p:nvSpPr>
+        <p:spPr/>
+        <p:txBody>
+          <a:bodyPr/>
+          <a:lstStyle/>
+          <a:p>
+            <a:r>
+              <a:rPr lang="es-CO" dirty="0" err="1" smtClean="0"/>
+              <a:t>Number</a:t>
+            </a:r>
+            <a:r>
+              <a:rPr lang="es-CO" dirty="0" smtClean="0"/>
+              <a:t> of </a:t>
+            </a:r>
+            <a:r>
+              <a:rPr lang="es-CO" dirty="0" err="1" smtClean="0"/>
+              <a:t>messages</a:t>
+            </a:r>
+            <a:r>
+              <a:rPr lang="es-CO" dirty="0" smtClean="0"/>
+              <a:t> per round</a:t>
+            </a:r>
+            <a:endParaRPr lang="es-CO" dirty="0"/>
+          </a:p>
+        </p:txBody>
+      </p:sp>
+      <p:sp>
+        <p:nvSpPr>
+          <p:cNvPr id="7" name="CuadroTexto 6"/>
+          <p:cNvSpPr txBox="1"/>
+          <p:nvPr/>
+        </p:nvSpPr>
+        <p:spPr>
+          <a:xfrm>
+            <a:off x="1482811" y="5782962"/>
+            <a:ext cx="9202456" cy="646331"/>
+          </a:xfrm>
+          <a:prstGeom prst="rect">
+            <a:avLst/>
+          </a:prstGeom>
+          <a:noFill/>
+        </p:spPr>
+        <p:txBody>
+          <a:bodyPr wrap="none" rtlCol="0">
+            <a:spAutoFit/>
+          </a:bodyPr>
+          <a:lstStyle/>
+          <a:p>
+            <a:pPr marL="285750" indent="-285750">
+              <a:buFont typeface="Arial" panose="020B0604020202020204" pitchFamily="34" charset="0"/>
+              <a:buChar char="•"/>
+            </a:pPr>
+            <a:r>
+              <a:rPr lang="es-CO" dirty="0" smtClean="0"/>
+              <a:t>La comunicación promedio disminuye muy poco y termina alrededor de </a:t>
+            </a:r>
+            <a:r>
+              <a:rPr lang="es-CO" dirty="0" smtClean="0"/>
+              <a:t>2 mensajes </a:t>
+            </a:r>
+            <a:r>
+              <a:rPr lang="es-CO" dirty="0" smtClean="0"/>
+              <a:t>por ronda</a:t>
+            </a:r>
+          </a:p>
+          <a:p>
+            <a:pPr marL="285750" indent="-285750">
+              <a:buFont typeface="Arial" panose="020B0604020202020204" pitchFamily="34" charset="0"/>
+              <a:buChar char="•"/>
+            </a:pPr>
+            <a:r>
+              <a:rPr lang="es-CO" dirty="0" smtClean="0"/>
+              <a:t>No </a:t>
+            </a:r>
+            <a:r>
+              <a:rPr lang="es-CO" dirty="0"/>
+              <a:t>se observa diferencia </a:t>
+            </a:r>
+            <a:r>
+              <a:rPr lang="es-CO" dirty="0" smtClean="0"/>
+              <a:t>significativa entre los expertos en </a:t>
+            </a:r>
+            <a:r>
+              <a:rPr lang="es-CO" dirty="0" err="1" smtClean="0"/>
+              <a:t>hounds</a:t>
+            </a:r>
+            <a:r>
+              <a:rPr lang="es-CO" dirty="0" smtClean="0"/>
+              <a:t> y los expertos en </a:t>
+            </a:r>
+            <a:r>
+              <a:rPr lang="es-CO" dirty="0" err="1" smtClean="0"/>
+              <a:t>terriers</a:t>
+            </a:r>
+            <a:endParaRPr lang="es-CO" dirty="0"/>
+          </a:p>
+        </p:txBody>
+      </p:sp>
+      <p:pic>
+        <p:nvPicPr>
+          <p:cNvPr id="4" name="Imagen 3"/>
+          <p:cNvPicPr>
+            <a:picLocks noChangeAspect="1"/>
+          </p:cNvPicPr>
+          <p:nvPr/>
+        </p:nvPicPr>
+        <p:blipFill>
+          <a:blip r:embed="rId2"/>
+          <a:stretch>
+            <a:fillRect/>
+          </a:stretch>
+        </p:blipFill>
+        <p:spPr>
+          <a:xfrm>
+            <a:off x="1768972" y="1276865"/>
+            <a:ext cx="8341441" cy="4506098"/>
+          </a:xfrm>
+          <a:prstGeom prst="rect">
+            <a:avLst/>
+          </a:prstGeom>
+        </p:spPr>
+      </p:pic>
+      <p:sp>
+        <p:nvSpPr>
+          <p:cNvPr id="5" name="Marcador de número de diapositiva 4"/>
+          <p:cNvSpPr>
+            <a:spLocks noGrp="1"/>
+          </p:cNvSpPr>
+          <p:nvPr>
+            <p:ph type="sldNum" sz="quarter" idx="12"/>
+          </p:nvPr>
+        </p:nvSpPr>
+        <p:spPr/>
+        <p:txBody>
+          <a:bodyPr/>
+          <a:lstStyle/>
+          <a:p>
+            <a:fld id="{0AC18DFE-2F64-4429-B499-E16537F0080F}" type="slidenum">
+              <a:rPr lang="es-CO" smtClean="0"/>
+              <a:t>22</a:t>
+            </a:fld>
+            <a:endParaRPr lang="es-CO"/>
+          </a:p>
+        </p:txBody>
+      </p:sp>
+    </p:spTree>
+    <p:extLst>
+      <p:ext uri="{BB962C8B-B14F-4D97-AF65-F5344CB8AC3E}">
+        <p14:creationId xmlns:p14="http://schemas.microsoft.com/office/powerpoint/2010/main" val="211567745"/>
+      </p:ext>
+    </p:extLst>
+  </p:cSld>
+  <p:clrMapOvr>
+    <a:masterClrMapping/>
+  </p:clrMapOvr>
+</p:sld>
+</file>
+
+<file path=ppt/slides/slide23.xml><?xml version="1.0" encoding="utf-8"?>
+<p:sld xmlns:a="http://schemas.openxmlformats.org/drawingml/2006/main" xmlns:r="http://schemas.openxmlformats.org/officeDocument/2006/relationships" xmlns:p="http://schemas.openxmlformats.org/presentationml/2006/main">
+  <p:cSld>
+    <p:spTree>
+      <p:nvGrpSpPr>
+        <p:cNvPr id="1" name=""/>
+        <p:cNvGrpSpPr/>
+        <p:nvPr/>
+      </p:nvGrpSpPr>
+      <p:grpSpPr>
+        <a:xfrm>
+          <a:off x="0" y="0"/>
+          <a:ext cx="0" cy="0"/>
+          <a:chOff x="0" y="0"/>
+          <a:chExt cx="0" cy="0"/>
+        </a:xfrm>
+      </p:grpSpPr>
+      <p:sp>
+        <p:nvSpPr>
+          <p:cNvPr id="2" name="Título 1"/>
+          <p:cNvSpPr>
+            <a:spLocks noGrp="1"/>
+          </p:cNvSpPr>
+          <p:nvPr>
+            <p:ph type="title"/>
+          </p:nvPr>
+        </p:nvSpPr>
+        <p:spPr/>
+        <p:txBody>
+          <a:bodyPr/>
+          <a:lstStyle/>
+          <a:p>
+            <a:r>
+              <a:rPr lang="es-CO" dirty="0" err="1" smtClean="0"/>
+              <a:t>Correctness</a:t>
+            </a:r>
+            <a:r>
+              <a:rPr lang="es-CO" dirty="0" smtClean="0"/>
+              <a:t> per round</a:t>
+            </a:r>
+            <a:endParaRPr lang="es-CO" dirty="0"/>
+          </a:p>
+        </p:txBody>
+      </p:sp>
+      <p:sp>
+        <p:nvSpPr>
+          <p:cNvPr id="7" name="CuadroTexto 6"/>
+          <p:cNvSpPr txBox="1"/>
+          <p:nvPr/>
+        </p:nvSpPr>
+        <p:spPr>
+          <a:xfrm>
+            <a:off x="1482811" y="5782962"/>
+            <a:ext cx="8397940" cy="646331"/>
+          </a:xfrm>
+          <a:prstGeom prst="rect">
+            <a:avLst/>
+          </a:prstGeom>
+          <a:noFill/>
+        </p:spPr>
+        <p:txBody>
+          <a:bodyPr wrap="none" rtlCol="0">
+            <a:spAutoFit/>
+          </a:bodyPr>
+          <a:lstStyle/>
+          <a:p>
+            <a:pPr marL="285750" indent="-285750">
+              <a:buFont typeface="Arial" panose="020B0604020202020204" pitchFamily="34" charset="0"/>
+              <a:buChar char="•"/>
+            </a:pPr>
+            <a:r>
+              <a:rPr lang="es-CO" dirty="0" smtClean="0"/>
+              <a:t>La </a:t>
+            </a:r>
+            <a:r>
+              <a:rPr lang="es-CO" dirty="0" err="1" smtClean="0"/>
+              <a:t>correctitud</a:t>
+            </a:r>
+            <a:r>
+              <a:rPr lang="es-CO" dirty="0" smtClean="0"/>
+              <a:t> promedio de las respuestas a los mensajes enviados aumenta un poco.</a:t>
+            </a:r>
+          </a:p>
+          <a:p>
+            <a:pPr marL="285750" indent="-285750">
+              <a:buFont typeface="Arial" panose="020B0604020202020204" pitchFamily="34" charset="0"/>
+              <a:buChar char="•"/>
+            </a:pPr>
+            <a:r>
+              <a:rPr lang="es-CO" dirty="0" smtClean="0"/>
+              <a:t>No se observa diferencia significativa entre los tipos de experticia.</a:t>
+            </a:r>
+            <a:endParaRPr lang="es-CO" dirty="0"/>
+          </a:p>
+        </p:txBody>
+      </p:sp>
+      <p:pic>
+        <p:nvPicPr>
+          <p:cNvPr id="3" name="Imagen 2"/>
+          <p:cNvPicPr>
+            <a:picLocks noChangeAspect="1"/>
+          </p:cNvPicPr>
+          <p:nvPr/>
+        </p:nvPicPr>
+        <p:blipFill>
+          <a:blip r:embed="rId2"/>
+          <a:stretch>
+            <a:fillRect/>
+          </a:stretch>
+        </p:blipFill>
+        <p:spPr>
+          <a:xfrm>
+            <a:off x="1738184" y="1310737"/>
+            <a:ext cx="8279027" cy="4472382"/>
+          </a:xfrm>
+          <a:prstGeom prst="rect">
+            <a:avLst/>
+          </a:prstGeom>
+        </p:spPr>
+      </p:pic>
+      <p:sp>
+        <p:nvSpPr>
+          <p:cNvPr id="4" name="Marcador de número de diapositiva 3"/>
+          <p:cNvSpPr>
+            <a:spLocks noGrp="1"/>
+          </p:cNvSpPr>
+          <p:nvPr>
+            <p:ph type="sldNum" sz="quarter" idx="12"/>
+          </p:nvPr>
+        </p:nvSpPr>
+        <p:spPr/>
+        <p:txBody>
+          <a:bodyPr/>
+          <a:lstStyle/>
+          <a:p>
+            <a:fld id="{0AC18DFE-2F64-4429-B499-E16537F0080F}" type="slidenum">
+              <a:rPr lang="es-CO" smtClean="0"/>
+              <a:t>23</a:t>
+            </a:fld>
+            <a:endParaRPr lang="es-CO"/>
+          </a:p>
+        </p:txBody>
+      </p:sp>
+    </p:spTree>
+    <p:extLst>
+      <p:ext uri="{BB962C8B-B14F-4D97-AF65-F5344CB8AC3E}">
+        <p14:creationId xmlns:p14="http://schemas.microsoft.com/office/powerpoint/2010/main" val="3553175743"/>
+      </p:ext>
+    </p:extLst>
+  </p:cSld>
+  <p:clrMapOvr>
+    <a:masterClrMapping/>
+  </p:clrMapOvr>
+</p:sld>
+</file>
+
+<file path=ppt/slides/slide24.xml><?xml version="1.0" encoding="utf-8"?>
+<p:sld xmlns:a="http://schemas.openxmlformats.org/drawingml/2006/main" xmlns:r="http://schemas.openxmlformats.org/officeDocument/2006/relationships" xmlns:p="http://schemas.openxmlformats.org/presentationml/2006/main">
+  <p:cSld>
+    <p:spTree>
+      <p:nvGrpSpPr>
+        <p:cNvPr id="1" name=""/>
+        <p:cNvGrpSpPr/>
+        <p:nvPr/>
+      </p:nvGrpSpPr>
+      <p:grpSpPr>
+        <a:xfrm>
+          <a:off x="0" y="0"/>
+          <a:ext cx="0" cy="0"/>
+          <a:chOff x="0" y="0"/>
+          <a:chExt cx="0" cy="0"/>
+        </a:xfrm>
+      </p:grpSpPr>
+      <p:sp>
+        <p:nvSpPr>
+          <p:cNvPr id="2" name="Título 1"/>
+          <p:cNvSpPr>
+            <a:spLocks noGrp="1"/>
+          </p:cNvSpPr>
+          <p:nvPr>
+            <p:ph type="title"/>
+          </p:nvPr>
+        </p:nvSpPr>
+        <p:spPr/>
+        <p:txBody>
+          <a:bodyPr/>
+          <a:lstStyle/>
+          <a:p>
+            <a:r>
+              <a:rPr lang="es-CO" dirty="0" err="1" smtClean="0"/>
+              <a:t>Number</a:t>
+            </a:r>
+            <a:r>
+              <a:rPr lang="es-CO" dirty="0" smtClean="0"/>
+              <a:t> of </a:t>
+            </a:r>
+            <a:r>
+              <a:rPr lang="es-CO" dirty="0" err="1" smtClean="0"/>
+              <a:t>messages</a:t>
+            </a:r>
+            <a:r>
+              <a:rPr lang="es-CO" dirty="0"/>
+              <a:t> </a:t>
+            </a:r>
+            <a:r>
+              <a:rPr lang="es-CO" dirty="0" smtClean="0"/>
+              <a:t>w.r.t. </a:t>
+            </a:r>
+            <a:r>
+              <a:rPr lang="es-CO" dirty="0" err="1" smtClean="0"/>
+              <a:t>correctness</a:t>
+            </a:r>
+            <a:endParaRPr lang="es-CO" dirty="0"/>
+          </a:p>
+        </p:txBody>
+      </p:sp>
+      <p:sp>
+        <p:nvSpPr>
+          <p:cNvPr id="7" name="CuadroTexto 6"/>
+          <p:cNvSpPr txBox="1"/>
+          <p:nvPr/>
+        </p:nvSpPr>
+        <p:spPr>
+          <a:xfrm>
+            <a:off x="1482811" y="5782962"/>
+            <a:ext cx="9146030" cy="369332"/>
+          </a:xfrm>
+          <a:prstGeom prst="rect">
+            <a:avLst/>
+          </a:prstGeom>
+          <a:noFill/>
+        </p:spPr>
+        <p:txBody>
+          <a:bodyPr wrap="none" rtlCol="0">
+            <a:spAutoFit/>
+          </a:bodyPr>
+          <a:lstStyle/>
+          <a:p>
+            <a:pPr marL="285750" indent="-285750">
+              <a:buFont typeface="Arial" panose="020B0604020202020204" pitchFamily="34" charset="0"/>
+              <a:buChar char="•"/>
+            </a:pPr>
+            <a:r>
+              <a:rPr lang="es-CO" dirty="0" smtClean="0"/>
+              <a:t>La comunicación promedio disminuye a medida que aumenta la </a:t>
+            </a:r>
+            <a:r>
+              <a:rPr lang="es-CO" dirty="0" err="1" smtClean="0"/>
+              <a:t>correctitud</a:t>
+            </a:r>
+            <a:r>
+              <a:rPr lang="es-CO" dirty="0" smtClean="0"/>
+              <a:t> de los </a:t>
+            </a:r>
+            <a:r>
+              <a:rPr lang="es-CO" dirty="0" smtClean="0"/>
+              <a:t>mensajes</a:t>
+            </a:r>
+            <a:endParaRPr lang="es-CO" dirty="0"/>
+          </a:p>
+        </p:txBody>
+      </p:sp>
+      <p:pic>
+        <p:nvPicPr>
+          <p:cNvPr id="6" name="Imagen 5"/>
+          <p:cNvPicPr>
+            <a:picLocks noChangeAspect="1"/>
+          </p:cNvPicPr>
+          <p:nvPr/>
+        </p:nvPicPr>
+        <p:blipFill>
+          <a:blip r:embed="rId2"/>
+          <a:stretch>
+            <a:fillRect/>
+          </a:stretch>
+        </p:blipFill>
+        <p:spPr>
+          <a:xfrm>
+            <a:off x="1738475" y="1332988"/>
+            <a:ext cx="8237548" cy="4449974"/>
+          </a:xfrm>
+          <a:prstGeom prst="rect">
+            <a:avLst/>
+          </a:prstGeom>
+        </p:spPr>
+      </p:pic>
+      <p:sp>
+        <p:nvSpPr>
+          <p:cNvPr id="8" name="Marcador de número de diapositiva 7"/>
+          <p:cNvSpPr>
+            <a:spLocks noGrp="1"/>
+          </p:cNvSpPr>
+          <p:nvPr>
+            <p:ph type="sldNum" sz="quarter" idx="12"/>
+          </p:nvPr>
+        </p:nvSpPr>
+        <p:spPr/>
+        <p:txBody>
+          <a:bodyPr/>
+          <a:lstStyle/>
+          <a:p>
+            <a:fld id="{0AC18DFE-2F64-4429-B499-E16537F0080F}" type="slidenum">
+              <a:rPr lang="es-CO" smtClean="0"/>
+              <a:t>24</a:t>
+            </a:fld>
+            <a:endParaRPr lang="es-CO"/>
+          </a:p>
+        </p:txBody>
+      </p:sp>
+    </p:spTree>
+    <p:extLst>
+      <p:ext uri="{BB962C8B-B14F-4D97-AF65-F5344CB8AC3E}">
+        <p14:creationId xmlns:p14="http://schemas.microsoft.com/office/powerpoint/2010/main" val="2211966074"/>
+      </p:ext>
+    </p:extLst>
+  </p:cSld>
+  <p:clrMapOvr>
+    <a:masterClrMapping/>
+  </p:clrMapOvr>
+</p:sld>
+</file>
+
+<file path=ppt/slides/slide25.xml><?xml version="1.0" encoding="utf-8"?>
+<p:sld xmlns:a="http://schemas.openxmlformats.org/drawingml/2006/main" xmlns:r="http://schemas.openxmlformats.org/officeDocument/2006/relationships" xmlns:p="http://schemas.openxmlformats.org/presentationml/2006/main">
+  <p:cSld>
+    <p:spTree>
+      <p:nvGrpSpPr>
+        <p:cNvPr id="1" name=""/>
+        <p:cNvGrpSpPr/>
+        <p:nvPr/>
+      </p:nvGrpSpPr>
+      <p:grpSpPr>
+        <a:xfrm>
+          <a:off x="0" y="0"/>
+          <a:ext cx="0" cy="0"/>
+          <a:chOff x="0" y="0"/>
+          <a:chExt cx="0" cy="0"/>
+        </a:xfrm>
+      </p:grpSpPr>
+      <p:sp>
+        <p:nvSpPr>
+          <p:cNvPr id="2" name="Título 1"/>
+          <p:cNvSpPr>
+            <a:spLocks noGrp="1"/>
+          </p:cNvSpPr>
+          <p:nvPr>
+            <p:ph type="title"/>
+          </p:nvPr>
+        </p:nvSpPr>
+        <p:spPr/>
+        <p:txBody>
+          <a:bodyPr/>
+          <a:lstStyle/>
+          <a:p>
+            <a:r>
+              <a:rPr lang="es-CO" dirty="0" smtClean="0"/>
+              <a:t>Composición de mensajes enviados</a:t>
+            </a:r>
+            <a:endParaRPr lang="es-CO" dirty="0"/>
+          </a:p>
+        </p:txBody>
+      </p:sp>
+      <p:sp>
+        <p:nvSpPr>
+          <p:cNvPr id="3" name="Marcador de contenido 2"/>
+          <p:cNvSpPr>
+            <a:spLocks noGrp="1"/>
+          </p:cNvSpPr>
+          <p:nvPr>
+            <p:ph idx="1"/>
+          </p:nvPr>
+        </p:nvSpPr>
+        <p:spPr>
+          <a:xfrm>
+            <a:off x="838200" y="5140411"/>
+            <a:ext cx="10515600" cy="1036552"/>
+          </a:xfrm>
+        </p:spPr>
+        <p:txBody>
+          <a:bodyPr/>
+          <a:lstStyle/>
+          <a:p>
+            <a:r>
+              <a:rPr lang="es-CO" dirty="0"/>
+              <a:t>Los expertos en </a:t>
+            </a:r>
+            <a:r>
+              <a:rPr lang="es-CO" dirty="0" err="1"/>
+              <a:t>terriers</a:t>
+            </a:r>
+            <a:r>
+              <a:rPr lang="es-CO" dirty="0"/>
+              <a:t> preguntan sobre </a:t>
+            </a:r>
+            <a:r>
+              <a:rPr lang="es-CO" dirty="0" err="1"/>
+              <a:t>hounds</a:t>
+            </a:r>
+            <a:r>
+              <a:rPr lang="es-CO" dirty="0"/>
+              <a:t> y viceversa</a:t>
+            </a:r>
+          </a:p>
+          <a:p>
+            <a:r>
+              <a:rPr lang="es-CO" dirty="0" smtClean="0"/>
+              <a:t>Una cuarta parte de las veces, los expertos no necesitan preguntar</a:t>
+            </a:r>
+          </a:p>
+        </p:txBody>
+      </p:sp>
+      <p:pic>
+        <p:nvPicPr>
+          <p:cNvPr id="5" name="Imagen 4"/>
+          <p:cNvPicPr>
+            <a:picLocks noChangeAspect="1"/>
+          </p:cNvPicPr>
+          <p:nvPr/>
+        </p:nvPicPr>
+        <p:blipFill>
+          <a:blip r:embed="rId2"/>
+          <a:stretch>
+            <a:fillRect/>
+          </a:stretch>
+        </p:blipFill>
+        <p:spPr>
+          <a:xfrm>
+            <a:off x="2817341" y="1301836"/>
+            <a:ext cx="7216346" cy="3898315"/>
+          </a:xfrm>
+          <a:prstGeom prst="rect">
+            <a:avLst/>
+          </a:prstGeom>
+        </p:spPr>
+      </p:pic>
+      <p:sp>
+        <p:nvSpPr>
+          <p:cNvPr id="6" name="Marcador de número de diapositiva 5"/>
+          <p:cNvSpPr>
+            <a:spLocks noGrp="1"/>
+          </p:cNvSpPr>
+          <p:nvPr>
+            <p:ph type="sldNum" sz="quarter" idx="12"/>
+          </p:nvPr>
+        </p:nvSpPr>
+        <p:spPr/>
+        <p:txBody>
+          <a:bodyPr/>
+          <a:lstStyle/>
+          <a:p>
+            <a:fld id="{0AC18DFE-2F64-4429-B499-E16537F0080F}" type="slidenum">
+              <a:rPr lang="es-CO" smtClean="0"/>
+              <a:t>25</a:t>
+            </a:fld>
+            <a:endParaRPr lang="es-CO"/>
+          </a:p>
+        </p:txBody>
+      </p:sp>
+    </p:spTree>
+    <p:extLst>
+      <p:ext uri="{BB962C8B-B14F-4D97-AF65-F5344CB8AC3E}">
+        <p14:creationId xmlns:p14="http://schemas.microsoft.com/office/powerpoint/2010/main" val="2503689548"/>
+      </p:ext>
+    </p:extLst>
+  </p:cSld>
+  <p:clrMapOvr>
+    <a:masterClrMapping/>
+  </p:clrMapOvr>
+</p:sld>
+</file>
+
+<file path=ppt/slides/slide26.xml><?xml version="1.0" encoding="utf-8"?>
+<p:sld xmlns:a="http://schemas.openxmlformats.org/drawingml/2006/main" xmlns:r="http://schemas.openxmlformats.org/officeDocument/2006/relationships" xmlns:p="http://schemas.openxmlformats.org/presentationml/2006/main">
+  <p:cSld>
+    <p:spTree>
+      <p:nvGrpSpPr>
+        <p:cNvPr id="1" name=""/>
+        <p:cNvGrpSpPr/>
+        <p:nvPr/>
+      </p:nvGrpSpPr>
+      <p:grpSpPr>
+        <a:xfrm>
+          <a:off x="0" y="0"/>
+          <a:ext cx="0" cy="0"/>
+          <a:chOff x="0" y="0"/>
+          <a:chExt cx="0" cy="0"/>
+        </a:xfrm>
+      </p:grpSpPr>
+      <p:sp>
+        <p:nvSpPr>
+          <p:cNvPr id="2" name="Título 1"/>
+          <p:cNvSpPr>
+            <a:spLocks noGrp="1"/>
+          </p:cNvSpPr>
+          <p:nvPr>
+            <p:ph type="title"/>
+          </p:nvPr>
+        </p:nvSpPr>
+        <p:spPr/>
+        <p:txBody>
+          <a:bodyPr/>
+          <a:lstStyle/>
+          <a:p>
+            <a:r>
+              <a:rPr lang="es-CO" dirty="0" smtClean="0"/>
+              <a:t>Suposiciones expertos en </a:t>
+            </a:r>
+            <a:r>
+              <a:rPr lang="es-CO" dirty="0" err="1" smtClean="0"/>
+              <a:t>terriers</a:t>
+            </a:r>
+            <a:endParaRPr lang="es-CO" dirty="0"/>
+          </a:p>
+        </p:txBody>
+      </p:sp>
+      <p:sp>
+        <p:nvSpPr>
+          <p:cNvPr id="3" name="Marcador de contenido 2"/>
+          <p:cNvSpPr>
+            <a:spLocks noGrp="1"/>
+          </p:cNvSpPr>
+          <p:nvPr>
+            <p:ph idx="1"/>
+          </p:nvPr>
+        </p:nvSpPr>
+        <p:spPr>
+          <a:xfrm>
+            <a:off x="838200" y="5478161"/>
+            <a:ext cx="10515600" cy="698801"/>
+          </a:xfrm>
+        </p:spPr>
+        <p:txBody>
+          <a:bodyPr>
+            <a:normAutofit fontScale="77500" lnSpcReduction="20000"/>
+          </a:bodyPr>
+          <a:lstStyle/>
+          <a:p>
+            <a:r>
+              <a:rPr lang="es-CO" dirty="0" smtClean="0"/>
+              <a:t>Más del 60% de las veces, los Terrier </a:t>
+            </a:r>
+            <a:r>
+              <a:rPr lang="es-CO" dirty="0" err="1" smtClean="0"/>
+              <a:t>experts</a:t>
+            </a:r>
+            <a:r>
+              <a:rPr lang="es-CO" dirty="0" smtClean="0"/>
+              <a:t> no se molestan en hacer una suposición</a:t>
+            </a:r>
+          </a:p>
+          <a:p>
+            <a:r>
+              <a:rPr lang="es-CO" dirty="0" smtClean="0"/>
+              <a:t>Más del 30% de las veces, la pregunta está precedida por una suposición correcta</a:t>
+            </a:r>
+            <a:endParaRPr lang="es-CO" dirty="0"/>
+          </a:p>
+        </p:txBody>
+      </p:sp>
+      <p:pic>
+        <p:nvPicPr>
+          <p:cNvPr id="8" name="Imagen 7"/>
+          <p:cNvPicPr>
+            <a:picLocks noChangeAspect="1"/>
+          </p:cNvPicPr>
+          <p:nvPr/>
+        </p:nvPicPr>
+        <p:blipFill>
+          <a:blip r:embed="rId2"/>
+          <a:stretch>
+            <a:fillRect/>
+          </a:stretch>
+        </p:blipFill>
+        <p:spPr>
+          <a:xfrm>
+            <a:off x="2380735" y="1453142"/>
+            <a:ext cx="7372866" cy="3982867"/>
+          </a:xfrm>
+          <a:prstGeom prst="rect">
+            <a:avLst/>
+          </a:prstGeom>
+        </p:spPr>
+      </p:pic>
+      <p:sp>
+        <p:nvSpPr>
+          <p:cNvPr id="9" name="Marcador de número de diapositiva 8"/>
+          <p:cNvSpPr>
+            <a:spLocks noGrp="1"/>
+          </p:cNvSpPr>
+          <p:nvPr>
+            <p:ph type="sldNum" sz="quarter" idx="12"/>
+          </p:nvPr>
+        </p:nvSpPr>
+        <p:spPr/>
+        <p:txBody>
+          <a:bodyPr/>
+          <a:lstStyle/>
+          <a:p>
+            <a:fld id="{0AC18DFE-2F64-4429-B499-E16537F0080F}" type="slidenum">
+              <a:rPr lang="es-CO" smtClean="0"/>
+              <a:t>26</a:t>
+            </a:fld>
+            <a:endParaRPr lang="es-CO"/>
+          </a:p>
+        </p:txBody>
+      </p:sp>
+    </p:spTree>
+    <p:extLst>
+      <p:ext uri="{BB962C8B-B14F-4D97-AF65-F5344CB8AC3E}">
+        <p14:creationId xmlns:p14="http://schemas.microsoft.com/office/powerpoint/2010/main" val="3441565506"/>
+      </p:ext>
+    </p:extLst>
+  </p:cSld>
+  <p:clrMapOvr>
+    <a:masterClrMapping/>
+  </p:clrMapOvr>
+</p:sld>
+</file>
+
+<file path=ppt/slides/slide27.xml><?xml version="1.0" encoding="utf-8"?>
+<p:sld xmlns:a="http://schemas.openxmlformats.org/drawingml/2006/main" xmlns:r="http://schemas.openxmlformats.org/officeDocument/2006/relationships" xmlns:p="http://schemas.openxmlformats.org/presentationml/2006/main">
+  <p:cSld>
+    <p:spTree>
+      <p:nvGrpSpPr>
+        <p:cNvPr id="1" name=""/>
+        <p:cNvGrpSpPr/>
+        <p:nvPr/>
+      </p:nvGrpSpPr>
+      <p:grpSpPr>
+        <a:xfrm>
+          <a:off x="0" y="0"/>
+          <a:ext cx="0" cy="0"/>
+          <a:chOff x="0" y="0"/>
+          <a:chExt cx="0" cy="0"/>
+        </a:xfrm>
+      </p:grpSpPr>
+      <p:sp>
+        <p:nvSpPr>
+          <p:cNvPr id="2" name="Título 1"/>
+          <p:cNvSpPr>
+            <a:spLocks noGrp="1"/>
+          </p:cNvSpPr>
+          <p:nvPr>
+            <p:ph type="title"/>
+          </p:nvPr>
+        </p:nvSpPr>
+        <p:spPr/>
+        <p:txBody>
+          <a:bodyPr/>
+          <a:lstStyle/>
+          <a:p>
+            <a:r>
+              <a:rPr lang="es-CO" dirty="0" smtClean="0"/>
+              <a:t>Suposiciones expertos en </a:t>
+            </a:r>
+            <a:r>
+              <a:rPr lang="es-CO" dirty="0" err="1" smtClean="0"/>
+              <a:t>hounds</a:t>
+            </a:r>
+            <a:endParaRPr lang="es-CO" dirty="0"/>
+          </a:p>
+        </p:txBody>
+      </p:sp>
+      <p:sp>
+        <p:nvSpPr>
+          <p:cNvPr id="3" name="Marcador de contenido 2"/>
+          <p:cNvSpPr>
+            <a:spLocks noGrp="1"/>
+          </p:cNvSpPr>
+          <p:nvPr>
+            <p:ph idx="1"/>
+          </p:nvPr>
+        </p:nvSpPr>
+        <p:spPr>
+          <a:xfrm>
+            <a:off x="838200" y="5478161"/>
+            <a:ext cx="10515600" cy="698801"/>
+          </a:xfrm>
+        </p:spPr>
+        <p:txBody>
+          <a:bodyPr>
+            <a:normAutofit fontScale="77500" lnSpcReduction="20000"/>
+          </a:bodyPr>
+          <a:lstStyle/>
+          <a:p>
+            <a:r>
+              <a:rPr lang="es-CO" dirty="0" smtClean="0"/>
+              <a:t>Cerca del 50% de las veces, los </a:t>
+            </a:r>
+            <a:r>
+              <a:rPr lang="es-CO" dirty="0" err="1" smtClean="0"/>
+              <a:t>hound</a:t>
+            </a:r>
+            <a:r>
+              <a:rPr lang="es-CO" dirty="0" smtClean="0"/>
+              <a:t> </a:t>
+            </a:r>
+            <a:r>
+              <a:rPr lang="es-CO" dirty="0" err="1" smtClean="0"/>
+              <a:t>experts</a:t>
+            </a:r>
+            <a:r>
+              <a:rPr lang="es-CO" dirty="0" smtClean="0"/>
+              <a:t> no se molestan en hacer una suposición</a:t>
+            </a:r>
+          </a:p>
+          <a:p>
+            <a:r>
+              <a:rPr lang="es-CO" dirty="0" smtClean="0"/>
+              <a:t>Más del 40% de las veces, la pregunta está precedida por una suposición correcta</a:t>
+            </a:r>
+            <a:endParaRPr lang="es-CO" dirty="0"/>
+          </a:p>
+        </p:txBody>
+      </p:sp>
+      <p:pic>
+        <p:nvPicPr>
+          <p:cNvPr id="5" name="Imagen 4"/>
+          <p:cNvPicPr>
+            <a:picLocks noChangeAspect="1"/>
+          </p:cNvPicPr>
+          <p:nvPr/>
+        </p:nvPicPr>
+        <p:blipFill>
+          <a:blip r:embed="rId2"/>
+          <a:stretch>
+            <a:fillRect/>
+          </a:stretch>
+        </p:blipFill>
+        <p:spPr>
+          <a:xfrm>
+            <a:off x="2463113" y="1350788"/>
+            <a:ext cx="7479957" cy="4040719"/>
+          </a:xfrm>
+          <a:prstGeom prst="rect">
+            <a:avLst/>
+          </a:prstGeom>
+        </p:spPr>
+      </p:pic>
+      <p:sp>
+        <p:nvSpPr>
+          <p:cNvPr id="6" name="Marcador de número de diapositiva 5"/>
+          <p:cNvSpPr>
+            <a:spLocks noGrp="1"/>
+          </p:cNvSpPr>
+          <p:nvPr>
+            <p:ph type="sldNum" sz="quarter" idx="12"/>
+          </p:nvPr>
+        </p:nvSpPr>
+        <p:spPr/>
+        <p:txBody>
+          <a:bodyPr/>
+          <a:lstStyle/>
+          <a:p>
+            <a:fld id="{0AC18DFE-2F64-4429-B499-E16537F0080F}" type="slidenum">
+              <a:rPr lang="es-CO" smtClean="0"/>
+              <a:t>27</a:t>
+            </a:fld>
+            <a:endParaRPr lang="es-CO"/>
+          </a:p>
+        </p:txBody>
+      </p:sp>
+    </p:spTree>
+    <p:extLst>
+      <p:ext uri="{BB962C8B-B14F-4D97-AF65-F5344CB8AC3E}">
+        <p14:creationId xmlns:p14="http://schemas.microsoft.com/office/powerpoint/2010/main" val="683136306"/>
+      </p:ext>
+    </p:extLst>
+  </p:cSld>
+  <p:clrMapOvr>
+    <a:masterClrMapping/>
+  </p:clrMapOvr>
+</p:sld>
+</file>
+
+<file path=ppt/slides/slide28.xml><?xml version="1.0" encoding="utf-8"?>
+<p:sld xmlns:a="http://schemas.openxmlformats.org/drawingml/2006/main" xmlns:r="http://schemas.openxmlformats.org/officeDocument/2006/relationships" xmlns:p="http://schemas.openxmlformats.org/presentationml/2006/main">
+  <p:cSld>
+    <p:spTree>
+      <p:nvGrpSpPr>
+        <p:cNvPr id="1" name=""/>
+        <p:cNvGrpSpPr/>
+        <p:nvPr/>
+      </p:nvGrpSpPr>
+      <p:grpSpPr>
+        <a:xfrm>
+          <a:off x="0" y="0"/>
+          <a:ext cx="0" cy="0"/>
+          <a:chOff x="0" y="0"/>
+          <a:chExt cx="0" cy="0"/>
+        </a:xfrm>
+      </p:grpSpPr>
+      <p:sp>
+        <p:nvSpPr>
+          <p:cNvPr id="2" name="Título 1"/>
+          <p:cNvSpPr>
+            <a:spLocks noGrp="1"/>
+          </p:cNvSpPr>
+          <p:nvPr>
+            <p:ph type="title"/>
+          </p:nvPr>
+        </p:nvSpPr>
+        <p:spPr/>
+        <p:txBody>
+          <a:bodyPr/>
+          <a:lstStyle/>
+          <a:p>
+            <a:r>
+              <a:rPr lang="es-CO" dirty="0" smtClean="0"/>
+              <a:t>Meando fuera del tiesto</a:t>
+            </a:r>
+            <a:endParaRPr lang="es-CO" dirty="0"/>
+          </a:p>
+        </p:txBody>
+      </p:sp>
+      <p:sp>
+        <p:nvSpPr>
+          <p:cNvPr id="3" name="Marcador de contenido 2"/>
+          <p:cNvSpPr>
+            <a:spLocks noGrp="1"/>
+          </p:cNvSpPr>
+          <p:nvPr>
+            <p:ph idx="1"/>
+          </p:nvPr>
+        </p:nvSpPr>
+        <p:spPr>
+          <a:xfrm>
+            <a:off x="838200" y="5478161"/>
+            <a:ext cx="10515600" cy="698801"/>
+          </a:xfrm>
+        </p:spPr>
+        <p:txBody>
+          <a:bodyPr/>
+          <a:lstStyle/>
+          <a:p>
+            <a:r>
+              <a:rPr lang="es-CO" dirty="0" smtClean="0"/>
+              <a:t>?????</a:t>
+            </a:r>
+            <a:endParaRPr lang="es-CO" dirty="0"/>
+          </a:p>
+        </p:txBody>
+      </p:sp>
+      <p:pic>
+        <p:nvPicPr>
+          <p:cNvPr id="5" name="Imagen 4"/>
+          <p:cNvPicPr>
+            <a:picLocks noChangeAspect="1"/>
+          </p:cNvPicPr>
+          <p:nvPr/>
+        </p:nvPicPr>
+        <p:blipFill>
+          <a:blip r:embed="rId2"/>
+          <a:stretch>
+            <a:fillRect/>
+          </a:stretch>
+        </p:blipFill>
+        <p:spPr>
+          <a:xfrm>
+            <a:off x="1872369" y="1380875"/>
+            <a:ext cx="7584670" cy="4097286"/>
+          </a:xfrm>
+          <a:prstGeom prst="rect">
+            <a:avLst/>
+          </a:prstGeom>
+        </p:spPr>
+      </p:pic>
+      <p:sp>
+        <p:nvSpPr>
+          <p:cNvPr id="4" name="Marcador de número de diapositiva 3"/>
+          <p:cNvSpPr>
+            <a:spLocks noGrp="1"/>
+          </p:cNvSpPr>
+          <p:nvPr>
+            <p:ph type="sldNum" sz="quarter" idx="12"/>
+          </p:nvPr>
+        </p:nvSpPr>
+        <p:spPr/>
+        <p:txBody>
+          <a:bodyPr/>
+          <a:lstStyle/>
+          <a:p>
+            <a:fld id="{0AC18DFE-2F64-4429-B499-E16537F0080F}" type="slidenum">
+              <a:rPr lang="es-CO" smtClean="0"/>
+              <a:t>28</a:t>
+            </a:fld>
+            <a:endParaRPr lang="es-CO"/>
+          </a:p>
+        </p:txBody>
+      </p:sp>
+    </p:spTree>
+    <p:extLst>
+      <p:ext uri="{BB962C8B-B14F-4D97-AF65-F5344CB8AC3E}">
+        <p14:creationId xmlns:p14="http://schemas.microsoft.com/office/powerpoint/2010/main" val="919449595"/>
+      </p:ext>
+    </p:extLst>
+  </p:cSld>
+  <p:clrMapOvr>
+    <a:masterClrMapping/>
+  </p:clrMapOvr>
+</p:sld>
+</file>
+
+<file path=ppt/slides/slide29.xml><?xml version="1.0" encoding="utf-8"?>
+<p:sld xmlns:a="http://schemas.openxmlformats.org/drawingml/2006/main" xmlns:r="http://schemas.openxmlformats.org/officeDocument/2006/relationships" xmlns:p="http://schemas.openxmlformats.org/presentationml/2006/main">
+  <p:cSld>
+    <p:spTree>
+      <p:nvGrpSpPr>
+        <p:cNvPr id="1" name=""/>
+        <p:cNvGrpSpPr/>
+        <p:nvPr/>
+      </p:nvGrpSpPr>
+      <p:grpSpPr>
+        <a:xfrm>
+          <a:off x="0" y="0"/>
+          <a:ext cx="0" cy="0"/>
+          <a:chOff x="0" y="0"/>
+          <a:chExt cx="0" cy="0"/>
+        </a:xfrm>
+      </p:grpSpPr>
+      <p:sp>
+        <p:nvSpPr>
+          <p:cNvPr id="2" name="Título 1"/>
+          <p:cNvSpPr>
+            <a:spLocks noGrp="1"/>
+          </p:cNvSpPr>
+          <p:nvPr>
+            <p:ph type="title"/>
+          </p:nvPr>
+        </p:nvSpPr>
+        <p:spPr/>
+        <p:txBody>
+          <a:bodyPr/>
+          <a:lstStyle/>
+          <a:p>
+            <a:r>
+              <a:rPr lang="es-CO" dirty="0" smtClean="0"/>
+              <a:t>Cosas por explorar</a:t>
+            </a:r>
+            <a:endParaRPr lang="es-CO" dirty="0"/>
+          </a:p>
+        </p:txBody>
+      </p:sp>
+      <p:sp>
+        <p:nvSpPr>
+          <p:cNvPr id="3" name="Marcador de contenido 2"/>
+          <p:cNvSpPr>
+            <a:spLocks noGrp="1"/>
+          </p:cNvSpPr>
+          <p:nvPr>
+            <p:ph idx="1"/>
+          </p:nvPr>
+        </p:nvSpPr>
+        <p:spPr/>
+        <p:txBody>
+          <a:bodyPr>
+            <a:normAutofit/>
+          </a:bodyPr>
+          <a:lstStyle/>
+          <a:p>
+            <a:r>
+              <a:rPr lang="es-CO" dirty="0" smtClean="0"/>
               <a:t>Gráficas de desempeño separando </a:t>
             </a:r>
             <a:r>
@@ -4559,8 +6609,13 @@
             </a:r>
             <a:r>
               <a:rPr lang="es-CO" dirty="0" smtClean="0"/>
-              <a:t> de clasificación =&gt; Alejandro</a:t>
-            </a:r>
+              <a:t> de clasificación =&gt; </a:t>
+            </a:r>
+            <a:r>
+              <a:rPr lang="es-CO" dirty="0" smtClean="0"/>
+              <a:t>OK</a:t>
+            </a:r>
+            <a:endParaRPr lang="es-CO" dirty="0" smtClean="0"/>
           </a:p>
           <a:p>
             <a:r>
@@ -4576,34 +6631,60 @@
               <a:t>guesses</a:t>
             </a:r>
             <a:r>
+              <a:rPr lang="es-CO" dirty="0" smtClean="0"/>
+              <a:t>” =&gt; OK</a:t>
+            </a:r>
+          </a:p>
+          <a:p>
+            <a:r>
+              <a:rPr lang="es-CO" dirty="0" smtClean="0"/>
+              <a:t>Correlacionar la comunicación correcta con el envío de mensajes =&gt; OK</a:t>
+            </a:r>
+          </a:p>
+          <a:p>
+            <a:r>
+              <a:rPr lang="es-CO" dirty="0" smtClean="0"/>
+              <a:t>Condición parejas: “Cantidad” de </a:t>
+            </a:r>
+            <a:r>
+              <a:rPr lang="es-CO" dirty="0" smtClean="0"/>
+              <a:t>interacción =&gt; OK</a:t>
+            </a:r>
+            <a:endParaRPr lang="es-CO" dirty="0" smtClean="0"/>
+          </a:p>
+          <a:p>
+            <a:r>
+              <a:rPr lang="es-CO" dirty="0" smtClean="0"/>
+              <a:t>Sacar índice de cooperación =&gt; </a:t>
+            </a:r>
+            <a:r>
+              <a:rPr lang="es-CO" dirty="0" smtClean="0"/>
+              <a:t>OK</a:t>
+            </a:r>
+            <a:endParaRPr lang="es-CO" dirty="0"/>
+          </a:p>
+        </p:txBody>
+      </p:sp>
+      <p:sp>
+        <p:nvSpPr>
+          <p:cNvPr id="4" name="Marcador de número de diapositiva 3"/>
+          <p:cNvSpPr>
+            <a:spLocks noGrp="1"/>
+          </p:cNvSpPr>
+          <p:nvPr>
+            <p:ph type="sldNum" sz="quarter" idx="12"/>
+          </p:nvPr>
+        </p:nvSpPr>
+        <p:spPr/>
+        <p:txBody>
+          <a:bodyPr/>
+          <a:lstStyle/>
+          <a:p>
+            <a:fld id="{0AC18DFE-2F64-4429-B499-E16537F0080F}" type="slidenum">
               <a:rPr lang="es-CO" smtClean="0"/>
-              <a:t>” =&gt; OK</a:t>
-            </a:r>
-            <a:endParaRPr lang="es-CO" dirty="0" smtClean="0"/>
-          </a:p>
-          <a:p>
-            <a:r>
-              <a:rPr lang="es-CO" dirty="0" smtClean="0"/>
-              <a:t>Correlacionar la comunicación correcta con el envío de </a:t>
-            </a:r>
-            <a:r>
-              <a:rPr lang="es-CO" dirty="0" smtClean="0"/>
-              <a:t>mensajes =&gt; OK</a:t>
-            </a:r>
-            <a:endParaRPr lang="es-CO" dirty="0" smtClean="0"/>
-          </a:p>
-          <a:p>
-            <a:r>
-              <a:rPr lang="es-CO" dirty="0" smtClean="0"/>
-              <a:t>Condición parejas: “Cantidad” de interacción</a:t>
-            </a:r>
-          </a:p>
-          <a:p>
-            <a:r>
-              <a:rPr lang="es-CO" dirty="0" smtClean="0"/>
-              <a:t>Sacar índice de cooperación =&gt; Alejandro</a:t>
-            </a:r>
-            <a:endParaRPr lang="es-CO" dirty="0"/>
+              <a:t>29</a:t>
+            </a:fld>
+            <a:endParaRPr lang="es-CO"/>
           </a:p>
         </p:txBody>
       </p:sp>
@@ -4763,10 +6844,553 @@
           </a:p>
         </p:txBody>
       </p:sp>
+      <p:sp>
+        <p:nvSpPr>
+          <p:cNvPr id="4" name="Marcador de número de diapositiva 3"/>
+          <p:cNvSpPr>
+            <a:spLocks noGrp="1"/>
+          </p:cNvSpPr>
+          <p:nvPr>
+            <p:ph type="sldNum" sz="quarter" idx="12"/>
+          </p:nvPr>
+        </p:nvSpPr>
+        <p:spPr/>
+        <p:txBody>
+          <a:bodyPr/>
+          <a:lstStyle/>
+          <a:p>
+            <a:fld id="{0AC18DFE-2F64-4429-B499-E16537F0080F}" type="slidenum">
+              <a:rPr lang="es-CO" smtClean="0"/>
+              <a:t>3</a:t>
+            </a:fld>
+            <a:endParaRPr lang="es-CO"/>
+          </a:p>
+        </p:txBody>
+      </p:sp>
     </p:spTree>
     <p:extLst>
       <p:ext uri="{BB962C8B-B14F-4D97-AF65-F5344CB8AC3E}">
         <p14:creationId xmlns:p14="http://schemas.microsoft.com/office/powerpoint/2010/main" val="737462922"/>
+      </p:ext>
+    </p:extLst>
+  </p:cSld>
+  <p:clrMapOvr>
+    <a:masterClrMapping/>
+  </p:clrMapOvr>
+</p:sld>
+</file>
+
+<file path=ppt/slides/slide30.xml><?xml version="1.0" encoding="utf-8"?>
+<p:sld xmlns:a="http://schemas.openxmlformats.org/drawingml/2006/main" xmlns:r="http://schemas.openxmlformats.org/officeDocument/2006/relationships" xmlns:p="http://schemas.openxmlformats.org/presentationml/2006/main">
+  <p:cSld>
+    <p:spTree>
+      <p:nvGrpSpPr>
+        <p:cNvPr id="1" name=""/>
+        <p:cNvGrpSpPr/>
+        <p:nvPr/>
+      </p:nvGrpSpPr>
+      <p:grpSpPr>
+        <a:xfrm>
+          <a:off x="0" y="0"/>
+          <a:ext cx="0" cy="0"/>
+          <a:chOff x="0" y="0"/>
+          <a:chExt cx="0" cy="0"/>
+        </a:xfrm>
+      </p:grpSpPr>
+      <p:sp>
+        <p:nvSpPr>
+          <p:cNvPr id="2" name="Título 1"/>
+          <p:cNvSpPr>
+            <a:spLocks noGrp="1"/>
+          </p:cNvSpPr>
+          <p:nvPr>
+            <p:ph type="title"/>
+          </p:nvPr>
+        </p:nvSpPr>
+        <p:spPr/>
+        <p:txBody>
+          <a:bodyPr/>
+          <a:lstStyle/>
+          <a:p>
+            <a:r>
+              <a:rPr lang="es-CO" dirty="0" smtClean="0"/>
+              <a:t>Condición parejas -- Terrier</a:t>
+            </a:r>
+            <a:endParaRPr lang="es-CO" dirty="0"/>
+          </a:p>
+        </p:txBody>
+      </p:sp>
+      <p:pic>
+        <p:nvPicPr>
+          <p:cNvPr id="9" name="Imagen 8"/>
+          <p:cNvPicPr>
+            <a:picLocks noChangeAspect="1"/>
+          </p:cNvPicPr>
+          <p:nvPr/>
+        </p:nvPicPr>
+        <p:blipFill>
+          <a:blip r:embed="rId2"/>
+          <a:stretch>
+            <a:fillRect/>
+          </a:stretch>
+        </p:blipFill>
+        <p:spPr>
+          <a:xfrm>
+            <a:off x="1476952" y="1608308"/>
+            <a:ext cx="9238095" cy="4990476"/>
+          </a:xfrm>
+          <a:prstGeom prst="rect">
+            <a:avLst/>
+          </a:prstGeom>
+        </p:spPr>
+      </p:pic>
+      <p:sp>
+        <p:nvSpPr>
+          <p:cNvPr id="10" name="Marcador de número de diapositiva 9"/>
+          <p:cNvSpPr>
+            <a:spLocks noGrp="1"/>
+          </p:cNvSpPr>
+          <p:nvPr>
+            <p:ph type="sldNum" sz="quarter" idx="12"/>
+          </p:nvPr>
+        </p:nvSpPr>
+        <p:spPr/>
+        <p:txBody>
+          <a:bodyPr/>
+          <a:lstStyle/>
+          <a:p>
+            <a:fld id="{0AC18DFE-2F64-4429-B499-E16537F0080F}" type="slidenum">
+              <a:rPr lang="es-CO" smtClean="0"/>
+              <a:t>30</a:t>
+            </a:fld>
+            <a:endParaRPr lang="es-CO"/>
+          </a:p>
+        </p:txBody>
+      </p:sp>
+    </p:spTree>
+    <p:extLst>
+      <p:ext uri="{BB962C8B-B14F-4D97-AF65-F5344CB8AC3E}">
+        <p14:creationId xmlns:p14="http://schemas.microsoft.com/office/powerpoint/2010/main" val="2127358247"/>
+      </p:ext>
+    </p:extLst>
+  </p:cSld>
+  <p:clrMapOvr>
+    <a:masterClrMapping/>
+  </p:clrMapOvr>
+</p:sld>
+</file>
+
+<file path=ppt/slides/slide31.xml><?xml version="1.0" encoding="utf-8"?>
+<p:sld xmlns:a="http://schemas.openxmlformats.org/drawingml/2006/main" xmlns:r="http://schemas.openxmlformats.org/officeDocument/2006/relationships" xmlns:p="http://schemas.openxmlformats.org/presentationml/2006/main">
+  <p:cSld>
+    <p:spTree>
+      <p:nvGrpSpPr>
+        <p:cNvPr id="1" name=""/>
+        <p:cNvGrpSpPr/>
+        <p:nvPr/>
+      </p:nvGrpSpPr>
+      <p:grpSpPr>
+        <a:xfrm>
+          <a:off x="0" y="0"/>
+          <a:ext cx="0" cy="0"/>
+          <a:chOff x="0" y="0"/>
+          <a:chExt cx="0" cy="0"/>
+        </a:xfrm>
+      </p:grpSpPr>
+      <p:sp>
+        <p:nvSpPr>
+          <p:cNvPr id="2" name="Título 1"/>
+          <p:cNvSpPr>
+            <a:spLocks noGrp="1"/>
+          </p:cNvSpPr>
+          <p:nvPr>
+            <p:ph type="title"/>
+          </p:nvPr>
+        </p:nvSpPr>
+        <p:spPr/>
+        <p:txBody>
+          <a:bodyPr/>
+          <a:lstStyle/>
+          <a:p>
+            <a:r>
+              <a:rPr lang="es-CO" dirty="0" smtClean="0"/>
+              <a:t>Condición individuos -- Terrier</a:t>
+            </a:r>
+            <a:endParaRPr lang="es-CO" dirty="0"/>
+          </a:p>
+        </p:txBody>
+      </p:sp>
+      <p:pic>
+        <p:nvPicPr>
+          <p:cNvPr id="7" name="Imagen 6"/>
+          <p:cNvPicPr>
+            <a:picLocks noChangeAspect="1"/>
+          </p:cNvPicPr>
+          <p:nvPr/>
+        </p:nvPicPr>
+        <p:blipFill>
+          <a:blip r:embed="rId2"/>
+          <a:stretch>
+            <a:fillRect/>
+          </a:stretch>
+        </p:blipFill>
+        <p:spPr>
+          <a:xfrm>
+            <a:off x="1476952" y="1609265"/>
+            <a:ext cx="9238095" cy="4990476"/>
+          </a:xfrm>
+          <a:prstGeom prst="rect">
+            <a:avLst/>
+          </a:prstGeom>
+        </p:spPr>
+      </p:pic>
+      <p:sp>
+        <p:nvSpPr>
+          <p:cNvPr id="8" name="Marcador de número de diapositiva 7"/>
+          <p:cNvSpPr>
+            <a:spLocks noGrp="1"/>
+          </p:cNvSpPr>
+          <p:nvPr>
+            <p:ph type="sldNum" sz="quarter" idx="12"/>
+          </p:nvPr>
+        </p:nvSpPr>
+        <p:spPr/>
+        <p:txBody>
+          <a:bodyPr/>
+          <a:lstStyle/>
+          <a:p>
+            <a:fld id="{0AC18DFE-2F64-4429-B499-E16537F0080F}" type="slidenum">
+              <a:rPr lang="es-CO" smtClean="0"/>
+              <a:t>31</a:t>
+            </a:fld>
+            <a:endParaRPr lang="es-CO"/>
+          </a:p>
+        </p:txBody>
+      </p:sp>
+    </p:spTree>
+    <p:extLst>
+      <p:ext uri="{BB962C8B-B14F-4D97-AF65-F5344CB8AC3E}">
+        <p14:creationId xmlns:p14="http://schemas.microsoft.com/office/powerpoint/2010/main" val="608742201"/>
+      </p:ext>
+    </p:extLst>
+  </p:cSld>
+  <p:clrMapOvr>
+    <a:masterClrMapping/>
+  </p:clrMapOvr>
+</p:sld>
+</file>
+
+<file path=ppt/slides/slide32.xml><?xml version="1.0" encoding="utf-8"?>
+<p:sld xmlns:a="http://schemas.openxmlformats.org/drawingml/2006/main" xmlns:r="http://schemas.openxmlformats.org/officeDocument/2006/relationships" xmlns:p="http://schemas.openxmlformats.org/presentationml/2006/main">
+  <p:cSld>
+    <p:spTree>
+      <p:nvGrpSpPr>
+        <p:cNvPr id="1" name=""/>
+        <p:cNvGrpSpPr/>
+        <p:nvPr/>
+      </p:nvGrpSpPr>
+      <p:grpSpPr>
+        <a:xfrm>
+          <a:off x="0" y="0"/>
+          <a:ext cx="0" cy="0"/>
+          <a:chOff x="0" y="0"/>
+          <a:chExt cx="0" cy="0"/>
+        </a:xfrm>
+      </p:grpSpPr>
+      <p:sp>
+        <p:nvSpPr>
+          <p:cNvPr id="2" name="Título 1"/>
+          <p:cNvSpPr>
+            <a:spLocks noGrp="1"/>
+          </p:cNvSpPr>
+          <p:nvPr>
+            <p:ph type="title"/>
+          </p:nvPr>
+        </p:nvSpPr>
+        <p:spPr/>
+        <p:txBody>
+          <a:bodyPr/>
+          <a:lstStyle/>
+          <a:p>
+            <a:r>
+              <a:rPr lang="es-CO" dirty="0" smtClean="0"/>
+              <a:t>Condición parejas -- </a:t>
+            </a:r>
+            <a:r>
+              <a:rPr lang="es-CO" dirty="0" err="1" smtClean="0"/>
+              <a:t>Hounds</a:t>
+            </a:r>
+            <a:endParaRPr lang="es-CO" dirty="0"/>
+          </a:p>
+        </p:txBody>
+      </p:sp>
+      <p:pic>
+        <p:nvPicPr>
+          <p:cNvPr id="6" name="Imagen 5"/>
+          <p:cNvPicPr>
+            <a:picLocks noChangeAspect="1"/>
+          </p:cNvPicPr>
+          <p:nvPr/>
+        </p:nvPicPr>
+        <p:blipFill>
+          <a:blip r:embed="rId2"/>
+          <a:stretch>
+            <a:fillRect/>
+          </a:stretch>
+        </p:blipFill>
+        <p:spPr>
+          <a:xfrm>
+            <a:off x="1476952" y="1690688"/>
+            <a:ext cx="9238095" cy="4990476"/>
+          </a:xfrm>
+          <a:prstGeom prst="rect">
+            <a:avLst/>
+          </a:prstGeom>
+        </p:spPr>
+      </p:pic>
+      <p:sp>
+        <p:nvSpPr>
+          <p:cNvPr id="8" name="Marcador de número de diapositiva 7"/>
+          <p:cNvSpPr>
+            <a:spLocks noGrp="1"/>
+          </p:cNvSpPr>
+          <p:nvPr>
+            <p:ph type="sldNum" sz="quarter" idx="12"/>
+          </p:nvPr>
+        </p:nvSpPr>
+        <p:spPr/>
+        <p:txBody>
+          <a:bodyPr/>
+          <a:lstStyle/>
+          <a:p>
+            <a:fld id="{0AC18DFE-2F64-4429-B499-E16537F0080F}" type="slidenum">
+              <a:rPr lang="es-CO" smtClean="0"/>
+              <a:t>32</a:t>
+            </a:fld>
+            <a:endParaRPr lang="es-CO"/>
+          </a:p>
+        </p:txBody>
+      </p:sp>
+    </p:spTree>
+    <p:extLst>
+      <p:ext uri="{BB962C8B-B14F-4D97-AF65-F5344CB8AC3E}">
+        <p14:creationId xmlns:p14="http://schemas.microsoft.com/office/powerpoint/2010/main" val="1953259931"/>
+      </p:ext>
+    </p:extLst>
+  </p:cSld>
+  <p:clrMapOvr>
+    <a:masterClrMapping/>
+  </p:clrMapOvr>
+</p:sld>
+</file>
+
+<file path=ppt/slides/slide33.xml><?xml version="1.0" encoding="utf-8"?>
+<p:sld xmlns:a="http://schemas.openxmlformats.org/drawingml/2006/main" xmlns:r="http://schemas.openxmlformats.org/officeDocument/2006/relationships" xmlns:p="http://schemas.openxmlformats.org/presentationml/2006/main">
+  <p:cSld>
+    <p:spTree>
+      <p:nvGrpSpPr>
+        <p:cNvPr id="1" name=""/>
+        <p:cNvGrpSpPr/>
+        <p:nvPr/>
+      </p:nvGrpSpPr>
+      <p:grpSpPr>
+        <a:xfrm>
+          <a:off x="0" y="0"/>
+          <a:ext cx="0" cy="0"/>
+          <a:chOff x="0" y="0"/>
+          <a:chExt cx="0" cy="0"/>
+        </a:xfrm>
+      </p:grpSpPr>
+      <p:sp>
+        <p:nvSpPr>
+          <p:cNvPr id="2" name="Título 1"/>
+          <p:cNvSpPr>
+            <a:spLocks noGrp="1"/>
+          </p:cNvSpPr>
+          <p:nvPr>
+            <p:ph type="title"/>
+          </p:nvPr>
+        </p:nvSpPr>
+        <p:spPr/>
+        <p:txBody>
+          <a:bodyPr/>
+          <a:lstStyle/>
+          <a:p>
+            <a:r>
+              <a:rPr lang="es-CO" dirty="0" smtClean="0"/>
+              <a:t>Condición individuos -- </a:t>
+            </a:r>
+            <a:r>
+              <a:rPr lang="es-CO" dirty="0" err="1" smtClean="0"/>
+              <a:t>Hounds</a:t>
+            </a:r>
+            <a:endParaRPr lang="es-CO" dirty="0"/>
+          </a:p>
+        </p:txBody>
+      </p:sp>
+      <p:pic>
+        <p:nvPicPr>
+          <p:cNvPr id="5" name="Imagen 4"/>
+          <p:cNvPicPr>
+            <a:picLocks noChangeAspect="1"/>
+          </p:cNvPicPr>
+          <p:nvPr/>
+        </p:nvPicPr>
+        <p:blipFill>
+          <a:blip r:embed="rId2"/>
+          <a:stretch>
+            <a:fillRect/>
+          </a:stretch>
+        </p:blipFill>
+        <p:spPr>
+          <a:xfrm>
+            <a:off x="1476952" y="1690688"/>
+            <a:ext cx="9238095" cy="4990476"/>
+          </a:xfrm>
+          <a:prstGeom prst="rect">
+            <a:avLst/>
+          </a:prstGeom>
+        </p:spPr>
+      </p:pic>
+      <p:sp>
+        <p:nvSpPr>
+          <p:cNvPr id="7" name="Marcador de número de diapositiva 6"/>
+          <p:cNvSpPr>
+            <a:spLocks noGrp="1"/>
+          </p:cNvSpPr>
+          <p:nvPr>
+            <p:ph type="sldNum" sz="quarter" idx="12"/>
+          </p:nvPr>
+        </p:nvSpPr>
+        <p:spPr/>
+        <p:txBody>
+          <a:bodyPr/>
+          <a:lstStyle/>
+          <a:p>
+            <a:fld id="{0AC18DFE-2F64-4429-B499-E16537F0080F}" type="slidenum">
+              <a:rPr lang="es-CO" smtClean="0"/>
+              <a:t>33</a:t>
+            </a:fld>
+            <a:endParaRPr lang="es-CO"/>
+          </a:p>
+        </p:txBody>
+      </p:sp>
+    </p:spTree>
+    <p:extLst>
+      <p:ext uri="{BB962C8B-B14F-4D97-AF65-F5344CB8AC3E}">
+        <p14:creationId xmlns:p14="http://schemas.microsoft.com/office/powerpoint/2010/main" val="558178405"/>
+      </p:ext>
+    </p:extLst>
+  </p:cSld>
+  <p:clrMapOvr>
+    <a:masterClrMapping/>
+  </p:clrMapOvr>
+</p:sld>
+</file>
+
+<file path=ppt/slides/slide34.xml><?xml version="1.0" encoding="utf-8"?>
+<p:sld xmlns:a="http://schemas.openxmlformats.org/drawingml/2006/main" xmlns:r="http://schemas.openxmlformats.org/officeDocument/2006/relationships" xmlns:p="http://schemas.openxmlformats.org/presentationml/2006/main">
+  <p:cSld>
+    <p:spTree>
+      <p:nvGrpSpPr>
+        <p:cNvPr id="1" name=""/>
+        <p:cNvGrpSpPr/>
+        <p:nvPr/>
+      </p:nvGrpSpPr>
+      <p:grpSpPr>
+        <a:xfrm>
+          <a:off x="0" y="0"/>
+          <a:ext cx="0" cy="0"/>
+          <a:chOff x="0" y="0"/>
+          <a:chExt cx="0" cy="0"/>
+        </a:xfrm>
+      </p:grpSpPr>
+      <p:sp>
+        <p:nvSpPr>
+          <p:cNvPr id="2" name="Título 1"/>
+          <p:cNvSpPr>
+            <a:spLocks noGrp="1"/>
+          </p:cNvSpPr>
+          <p:nvPr>
+            <p:ph type="title"/>
+          </p:nvPr>
+        </p:nvSpPr>
+        <p:spPr/>
+        <p:txBody>
+          <a:bodyPr/>
+          <a:lstStyle/>
+          <a:p>
+            <a:r>
+              <a:rPr lang="es-CO" dirty="0"/>
+              <a:t>Í</a:t>
+            </a:r>
+            <a:r>
+              <a:rPr lang="es-CO" dirty="0" smtClean="0"/>
+              <a:t>ndice de cooperación (</a:t>
+            </a:r>
+            <a:r>
+              <a:rPr lang="es-CO" dirty="0" err="1" smtClean="0"/>
+              <a:t>max</a:t>
+            </a:r>
+            <a:r>
+              <a:rPr lang="es-CO" dirty="0" smtClean="0"/>
+              <a:t>=1; min=0)</a:t>
+            </a:r>
+            <a:endParaRPr lang="es-CO" dirty="0"/>
+          </a:p>
+        </p:txBody>
+      </p:sp>
+      <p:sp>
+        <p:nvSpPr>
+          <p:cNvPr id="5" name="Marcador de número de diapositiva 4"/>
+          <p:cNvSpPr>
+            <a:spLocks noGrp="1"/>
+          </p:cNvSpPr>
+          <p:nvPr>
+            <p:ph type="sldNum" sz="quarter" idx="12"/>
+          </p:nvPr>
+        </p:nvSpPr>
+        <p:spPr/>
+        <p:txBody>
+          <a:bodyPr/>
+          <a:lstStyle/>
+          <a:p>
+            <a:fld id="{0AC18DFE-2F64-4429-B499-E16537F0080F}" type="slidenum">
+              <a:rPr lang="es-CO" smtClean="0"/>
+              <a:t>34</a:t>
+            </a:fld>
+            <a:endParaRPr lang="es-CO"/>
+          </a:p>
+        </p:txBody>
+      </p:sp>
+      <p:pic>
+        <p:nvPicPr>
+          <p:cNvPr id="6" name="Imagen 5"/>
+          <p:cNvPicPr>
+            <a:picLocks noChangeAspect="1"/>
+          </p:cNvPicPr>
+          <p:nvPr/>
+        </p:nvPicPr>
+        <p:blipFill>
+          <a:blip r:embed="rId2"/>
+          <a:stretch>
+            <a:fillRect/>
+          </a:stretch>
+        </p:blipFill>
+        <p:spPr>
+          <a:xfrm>
+            <a:off x="1402811" y="1469221"/>
+            <a:ext cx="9238095" cy="4990476"/>
+          </a:xfrm>
+          <a:prstGeom prst="rect">
+            <a:avLst/>
+          </a:prstGeom>
+        </p:spPr>
+      </p:pic>
+    </p:spTree>
+    <p:extLst>
+      <p:ext uri="{BB962C8B-B14F-4D97-AF65-F5344CB8AC3E}">
+        <p14:creationId xmlns:p14="http://schemas.microsoft.com/office/powerpoint/2010/main" val="1799511670"/>
       </p:ext>
     </p:extLst>
   </p:cSld>
@@ -4810,7 +7434,7 @@
           <a:p>
             <a:r>
               <a:rPr lang="es-CO" dirty="0" smtClean="0"/>
-              <a:t>Tarea</a:t>
+              <a:t>Tarea experimental</a:t>
             </a:r>
             <a:endParaRPr lang="es-CO" dirty="0"/>
           </a:p>
@@ -4899,6 +7523,29 @@
           </a:p>
           <a:p>
             <a:endParaRPr lang="es-CO" dirty="0"/>
+          </a:p>
+        </p:txBody>
+      </p:sp>
+      <p:sp>
+        <p:nvSpPr>
+          <p:cNvPr id="4" name="Marcador de número de diapositiva 3"/>
+          <p:cNvSpPr>
+            <a:spLocks noGrp="1"/>
+          </p:cNvSpPr>
+          <p:nvPr>
+            <p:ph type="sldNum" sz="quarter" idx="12"/>
+          </p:nvPr>
+        </p:nvSpPr>
+        <p:spPr/>
+        <p:txBody>
+          <a:bodyPr/>
+          <a:lstStyle/>
+          <a:p>
+            <a:fld id="{0AC18DFE-2F64-4429-B499-E16537F0080F}" type="slidenum">
+              <a:rPr lang="es-CO" smtClean="0"/>
+              <a:t>4</a:t>
+            </a:fld>
+            <a:endParaRPr lang="es-CO"/>
           </a:p>
         </p:txBody>
       </p:sp>
@@ -5075,6 +7722,29 @@
           </a:p>
         </p:txBody>
       </p:sp>
+      <p:sp>
+        <p:nvSpPr>
+          <p:cNvPr id="3" name="Marcador de número de diapositiva 2"/>
+          <p:cNvSpPr>
+            <a:spLocks noGrp="1"/>
+          </p:cNvSpPr>
+          <p:nvPr>
+            <p:ph type="sldNum" sz="quarter" idx="12"/>
+          </p:nvPr>
+        </p:nvSpPr>
+        <p:spPr/>
+        <p:txBody>
+          <a:bodyPr/>
+          <a:lstStyle/>
+          <a:p>
+            <a:fld id="{0AC18DFE-2F64-4429-B499-E16537F0080F}" type="slidenum">
+              <a:rPr lang="es-CO" smtClean="0"/>
+              <a:t>5</a:t>
+            </a:fld>
+            <a:endParaRPr lang="es-CO"/>
+          </a:p>
+        </p:txBody>
+      </p:sp>
     </p:spTree>
     <p:extLst>
       <p:ext uri="{BB962C8B-B14F-4D97-AF65-F5344CB8AC3E}">
@@ -5152,6 +7822,29 @@
           </a:prstGeom>
         </p:spPr>
       </p:pic>
+      <p:sp>
+        <p:nvSpPr>
+          <p:cNvPr id="3" name="Marcador de número de diapositiva 2"/>
+          <p:cNvSpPr>
+            <a:spLocks noGrp="1"/>
+          </p:cNvSpPr>
+          <p:nvPr>
+            <p:ph type="sldNum" sz="quarter" idx="12"/>
+          </p:nvPr>
+        </p:nvSpPr>
+        <p:spPr/>
+        <p:txBody>
+          <a:bodyPr/>
+          <a:lstStyle/>
+          <a:p>
+            <a:fld id="{0AC18DFE-2F64-4429-B499-E16537F0080F}" type="slidenum">
+              <a:rPr lang="es-CO" smtClean="0"/>
+              <a:t>6</a:t>
+            </a:fld>
+            <a:endParaRPr lang="es-CO"/>
+          </a:p>
+        </p:txBody>
+      </p:sp>
     </p:spTree>
     <p:extLst>
       <p:ext uri="{BB962C8B-B14F-4D97-AF65-F5344CB8AC3E}">
@@ -5287,6 +7980,29 @@
           </a:prstGeom>
         </p:spPr>
       </p:pic>
+      <p:sp>
+        <p:nvSpPr>
+          <p:cNvPr id="4" name="Marcador de número de diapositiva 3"/>
+          <p:cNvSpPr>
+            <a:spLocks noGrp="1"/>
+          </p:cNvSpPr>
+          <p:nvPr>
+            <p:ph type="sldNum" sz="quarter" idx="12"/>
+          </p:nvPr>
+        </p:nvSpPr>
+        <p:spPr/>
+        <p:txBody>
+          <a:bodyPr/>
+          <a:lstStyle/>
+          <a:p>
+            <a:fld id="{0AC18DFE-2F64-4429-B499-E16537F0080F}" type="slidenum">
+              <a:rPr lang="es-CO" smtClean="0"/>
+              <a:t>7</a:t>
+            </a:fld>
+            <a:endParaRPr lang="es-CO"/>
+          </a:p>
+        </p:txBody>
+      </p:sp>
     </p:spTree>
     <p:extLst>
       <p:ext uri="{BB962C8B-B14F-4D97-AF65-F5344CB8AC3E}">
@@ -5388,6 +8104,29 @@
           </a:prstGeom>
         </p:spPr>
       </p:pic>
+      <p:sp>
+        <p:nvSpPr>
+          <p:cNvPr id="3" name="Marcador de número de diapositiva 2"/>
+          <p:cNvSpPr>
+            <a:spLocks noGrp="1"/>
+          </p:cNvSpPr>
+          <p:nvPr>
+            <p:ph type="sldNum" sz="quarter" idx="12"/>
+          </p:nvPr>
+        </p:nvSpPr>
+        <p:spPr/>
+        <p:txBody>
+          <a:bodyPr/>
+          <a:lstStyle/>
+          <a:p>
+            <a:fld id="{0AC18DFE-2F64-4429-B499-E16537F0080F}" type="slidenum">
+              <a:rPr lang="es-CO" smtClean="0"/>
+              <a:t>8</a:t>
+            </a:fld>
+            <a:endParaRPr lang="es-CO"/>
+          </a:p>
+        </p:txBody>
+      </p:sp>
     </p:spTree>
     <p:extLst>
       <p:ext uri="{BB962C8B-B14F-4D97-AF65-F5344CB8AC3E}">
@@ -5542,6 +8281,29 @@
           </a:prstGeom>
         </p:spPr>
       </p:pic>
+      <p:sp>
+        <p:nvSpPr>
+          <p:cNvPr id="4" name="Marcador de número de diapositiva 3"/>
+          <p:cNvSpPr>
+            <a:spLocks noGrp="1"/>
+          </p:cNvSpPr>
+          <p:nvPr>
+            <p:ph type="sldNum" sz="quarter" idx="12"/>
+          </p:nvPr>
+        </p:nvSpPr>
+        <p:spPr/>
+        <p:txBody>
+          <a:bodyPr/>
+          <a:lstStyle/>
+          <a:p>
+            <a:fld id="{0AC18DFE-2F64-4429-B499-E16537F0080F}" type="slidenum">
+              <a:rPr lang="es-CO" smtClean="0"/>
+              <a:t>9</a:t>
+            </a:fld>
+            <a:endParaRPr lang="es-CO"/>
+          </a:p>
+        </p:txBody>
+      </p:sp>
     </p:spTree>
     <p:extLst>
       <p:ext uri="{BB962C8B-B14F-4D97-AF65-F5344CB8AC3E}">
@@ -5814,4 +8576,265 @@
     </a:ext>
   </a:extLst>
 </a:theme>
+</file>
+
+<file path=ppt/theme/theme2.xml><?xml version="1.0" encoding="utf-8"?>
+<a:theme xmlns:a="http://schemas.openxmlformats.org/drawingml/2006/main" name="Tema de Office">
+  <a:themeElements>
+    <a:clrScheme name="Office">
+      <a:dk1>
+        <a:sysClr val="windowText" lastClr="000000"/>
+      </a:dk1>
+      <a:lt1>
+        <a:sysClr val="window" lastClr="FFFFFF"/>
+      </a:lt1>
+      <a:dk2>
+        <a:srgbClr val="44546A"/>
+      </a:dk2>
+      <a:lt2>
+        <a:srgbClr val="E7E6E6"/>
+      </a:lt2>
+      <a:accent1>
+        <a:srgbClr val="5B9BD5"/>
+      </a:accent1>
+      <a:accent2>
+        <a:srgbClr val="ED7D31"/>
+      </a:accent2>
+      <a:accent3>
+        <a:srgbClr val="A5A5A5"/>
+      </a:accent3>
+      <a:accent4>
+        <a:srgbClr val="FFC000"/>
+      </a:accent4>
+      <a:accent5>
+        <a:srgbClr val="4472C4"/>
+      </a:accent5>
+      <a:accent6>
+        <a:srgbClr val="70AD47"/>
+      </a:accent6>
+      <a:hlink>
+        <a:srgbClr val="0563C1"/>
+      </a:hlink>
+      <a:folHlink>
+        <a:srgbClr val="954F72"/>
+      </a:folHlink>
+    </a:clrScheme>
+    <a:fontScheme name="Office">
+      <a:majorFont>
+        <a:latin typeface="Calibri Light" panose="020F0302020204030204"/>
+        <a:ea typeface=""/>
+        <a:cs typeface=""/>
+        <a:font script="Jpan" typeface="ＭＳ Ｐゴシック"/>
+        <a:font script="Hang" typeface="맑은 고딕"/>
+        <a:font script="Hans" typeface="宋体"/>
+        <a:font script="Hant" typeface="新細明體"/>
+        <a:font script="Arab" typeface="Times New Roman"/>
+        <a:font script="Hebr" typeface="Times New Roman"/>
+        <a:font script="Thai" typeface="Angsana New"/>
+        <a:font script="Ethi" typeface="Nyala"/>
+        <a:font script="Beng" typeface="Vrinda"/>
+        <a:font script="Gujr" typeface="Shruti"/>
+        <a:font script="Khmr" typeface="MoolBoran"/>
+        <a:font script="Knda" typeface="Tunga"/>
+        <a:font script="Guru" typeface="Raavi"/>
+        <a:font script="Cans" typeface="Euphemia"/>
+        <a:font script="Cher" typeface="Plantagenet Cherokee"/>
+        <a:font script="Yiii" typeface="Microsoft Yi Baiti"/>
+        <a:font script="Tibt" typeface="Microsoft Himalaya"/>
+        <a:font script="Thaa" typeface="MV Boli"/>
+        <a:font script="Deva" typeface="Mangal"/>
+        <a:font script="Telu" typeface="Gautami"/>
+        <a:font script="Taml" typeface="Latha"/>
+        <a:font script="Syrc" typeface="Estrangelo Edessa"/>
+        <a:font script="Orya" typeface="Kalinga"/>
+        <a:font script="Mlym" typeface="Kartika"/>
+        <a:font script="Laoo" typeface="DokChampa"/>
+        <a:font script="Sinh" typeface="Iskoola Pota"/>
+        <a:font script="Mong" typeface="Mongolian Baiti"/>
+        <a:font script="Viet" typeface="Times New Roman"/>
+        <a:font script="Uigh" typeface="Microsoft Uighur"/>
+        <a:font script="Geor" typeface="Sylfaen"/>
+      </a:majorFont>
+      <a:minorFont>
+        <a:latin typeface="Calibri" panose="020F0502020204030204"/>
+        <a:ea typeface=""/>
+        <a:cs typeface=""/>
+        <a:font script="Jpan" typeface="ＭＳ Ｐゴシック"/>
+        <a:font script="Hang" typeface="맑은 고딕"/>
+        <a:font script="Hans" typeface="宋体"/>
+        <a:font script="Hant" typeface="新細明體"/>
+        <a:font script="Arab" typeface="Arial"/>
+        <a:font script="Hebr" typeface="Arial"/>
+        <a:font script="Thai" typeface="Cordia New"/>
+        <a:font script="Ethi" typeface="Nyala"/>
+        <a:font script="Beng" typeface="Vrinda"/>
+        <a:font script="Gujr" typeface="Shruti"/>
+        <a:font script="Khmr" typeface="DaunPenh"/>
+        <a:font script="Knda" typeface="Tunga"/>
+        <a:font script="Guru" typeface="Raavi"/>
+        <a:font script="Cans" typeface="Euphemia"/>
+        <a:font script="Cher" typeface="Plantagenet Cherokee"/>
+        <a:font script="Yiii" typeface="Microsoft Yi Baiti"/>
+        <a:font script="Tibt" typeface="Microsoft Himalaya"/>
+        <a:font script="Thaa" typeface="MV Boli"/>
+        <a:font script="Deva" typeface="Mangal"/>
+        <a:font script="Telu" typeface="Gautami"/>
+        <a:font script="Taml" typeface="Latha"/>
+        <a:font script="Syrc" typeface="Estrangelo Edessa"/>
+        <a:font script="Orya" typeface="Kalinga"/>
+        <a:font script="Mlym" typeface="Kartika"/>
+        <a:font script="Laoo" typeface="DokChampa"/>
+        <a:font script="Sinh" typeface="Iskoola Pota"/>
+        <a:font script="Mong" typeface="Mongolian Baiti"/>
+        <a:font script="Viet" typeface="Arial"/>
+        <a:font script="Uigh" typeface="Microsoft Uighur"/>
+        <a:font script="Geor" typeface="Sylfaen"/>
+      </a:minorFont>
+    </a:fontScheme>
+    <a:fmtScheme name="Office">
+      <a:fillStyleLst>
+        <a:solidFill>
+          <a:schemeClr val="phClr"/>
+        </a:solidFill>
+        <a:gradFill rotWithShape="1">
+          <a:gsLst>
+            <a:gs pos="0">
+              <a:schemeClr val="phClr">
+                <a:lumMod val="110000"/>
+                <a:satMod val="105000"/>
+                <a:tint val="67000"/>
+              </a:schemeClr>
+            </a:gs>
+            <a:gs pos="50000">
+              <a:schemeClr val="phClr">
+                <a:lumMod val="105000"/>
+                <a:satMod val="103000"/>
+                <a:tint val="73000"/>
+              </a:schemeClr>
+            </a:gs>
+            <a:gs pos="100000">
+              <a:schemeClr val="phClr">
+                <a:lumMod val="105000"/>
+                <a:satMod val="109000"/>
+                <a:tint val="81000"/>
+              </a:schemeClr>
+            </a:gs>
+          </a:gsLst>
+          <a:lin ang="5400000" scaled="0"/>
+        </a:gradFill>
+        <a:gradFill rotWithShape="1">
+          <a:gsLst>
+            <a:gs pos="0">
+              <a:schemeClr val="phClr">
+                <a:satMod val="103000"/>
+                <a:lumMod val="102000"/>
+                <a:tint val="94000"/>
+              </a:schemeClr>
+            </a:gs>
+            <a:gs pos="50000">
+              <a:schemeClr val="phClr">
+                <a:satMod val="110000"/>
+                <a:lumMod val="100000"/>
+                <a:shade val="100000"/>
+              </a:schemeClr>
+            </a:gs>
+            <a:gs pos="100000">
+              <a:schemeClr val="phClr">
+                <a:lumMod val="99000"/>
+                <a:satMod val="120000"/>
+                <a:shade val="78000"/>
+              </a:schemeClr>
+            </a:gs>
+          </a:gsLst>
+          <a:lin ang="5400000" scaled="0"/>
+        </a:gradFill>
+      </a:fillStyleLst>
+      <a:lnStyleLst>
+        <a:ln w="6350" cap="flat" cmpd="sng" algn="ctr">
+          <a:solidFill>
+            <a:schemeClr val="phClr"/>
+          </a:solidFill>
+          <a:prstDash val="solid"/>
+          <a:miter lim="800000"/>
+        </a:ln>
+        <a:ln w="12700" cap="flat" cmpd="sng" algn="ctr">
+          <a:solidFill>
+            <a:schemeClr val="phClr"/>
+          </a:solidFill>
+          <a:prstDash val="solid"/>
+          <a:miter lim="800000"/>
+        </a:ln>
+        <a:ln w="19050" cap="flat" cmpd="sng" algn="ctr">
+          <a:solidFill>
+            <a:schemeClr val="phClr"/>
+          </a:solidFill>
+          <a:prstDash val="solid"/>
+          <a:miter lim="800000"/>
+        </a:ln>
+      </a:lnStyleLst>
+      <a:effectStyleLst>
+        <a:effectStyle>
+          <a:effectLst/>
+        </a:effectStyle>
+        <a:effectStyle>
+          <a:effectLst/>
+        </a:effectStyle>
+        <a:effectStyle>
+          <a:effectLst>
+            <a:outerShdw blurRad="57150" dist="19050" dir="5400000" algn="ctr" rotWithShape="0">
+              <a:srgbClr val="000000">
+                <a:alpha val="63000"/>
+              </a:srgbClr>
+            </a:outerShdw>
+          </a:effectLst>
+        </a:effectStyle>
+      </a:effectStyleLst>
+      <a:bgFillStyleLst>
+        <a:solidFill>
+          <a:schemeClr val="phClr"/>
+        </a:solidFill>
+        <a:solidFill>
+          <a:schemeClr val="phClr">
+            <a:tint val="95000"/>
+            <a:satMod val="170000"/>
+          </a:schemeClr>
+        </a:solidFill>
+        <a:gradFill rotWithShape="1">
+          <a:gsLst>
+            <a:gs pos="0">
+              <a:schemeClr val="phClr">
+                <a:tint val="93000"/>
+                <a:satMod val="150000"/>
+                <a:shade val="98000"/>
+                <a:lumMod val="102000"/>
+              </a:schemeClr>
+            </a:gs>
+            <a:gs pos="50000">
+              <a:schemeClr val="phClr">
+                <a:tint val="98000"/>
+                <a:satMod val="130000"/>
+                <a:shade val="90000"/>
+                <a:lumMod val="103000"/>
+              </a:schemeClr>
+            </a:gs>
+            <a:gs pos="100000">
+              <a:schemeClr val="phClr">
+                <a:shade val="63000"/>
+                <a:satMod val="120000"/>
+              </a:schemeClr>
+            </a:gs>
+          </a:gsLst>
+          <a:lin ang="5400000" scaled="0"/>
+        </a:gradFill>
+      </a:bgFillStyleLst>
+    </a:fmtScheme>
+  </a:themeElements>
+  <a:objectDefaults/>
+  <a:extraClrSchemeLst/>
+  <a:extLst>
+    <a:ext uri="{05A4C25C-085E-4340-85A3-A5531E510DB2}">
+      <thm15:themeFamily xmlns:thm15="http://schemas.microsoft.com/office/thememl/2012/main" name="Office Theme" id="{62F939B6-93AF-4DB8-9C6B-D6C7DFDC589F}" vid="{4A3C46E8-61CC-4603-A589-7422A47A8E4A}"/>
+    </a:ext>
+  </a:extLst>
+</a:theme>
 </file>
--- a/12-16-18-23-27-sept-2019/Analysis/Colaboración, uso del lenguaje y comprensión.pptx
+++ b/12-16-18-23-27-sept-2019/Analysis/Colaboración, uso del lenguaje y comprensión.pptx
@@ -5,7 +5,7 @@
     <p:sldMasterId id="2147483648" r:id="rId1"/>
   </p:sldMasterIdLst>
   <p:notesMasterIdLst>
-    <p:notesMasterId r:id="rId36"/>
+    <p:notesMasterId r:id="rId38"/>
   </p:notesMasterIdLst>
   <p:sldIdLst>
     <p:sldId id="256" r:id="rId2"/>
@@ -19,29 +19,31 @@
     <p:sldId id="271" r:id="rId10"/>
     <p:sldId id="272" r:id="rId11"/>
     <p:sldId id="289" r:id="rId12"/>
-    <p:sldId id="291" r:id="rId13"/>
-    <p:sldId id="292" r:id="rId14"/>
-    <p:sldId id="279" r:id="rId15"/>
-    <p:sldId id="265" r:id="rId16"/>
-    <p:sldId id="274" r:id="rId17"/>
-    <p:sldId id="283" r:id="rId18"/>
-    <p:sldId id="284" r:id="rId19"/>
-    <p:sldId id="273" r:id="rId20"/>
-    <p:sldId id="282" r:id="rId21"/>
-    <p:sldId id="268" r:id="rId22"/>
-    <p:sldId id="270" r:id="rId23"/>
-    <p:sldId id="276" r:id="rId24"/>
-    <p:sldId id="275" r:id="rId25"/>
-    <p:sldId id="280" r:id="rId26"/>
-    <p:sldId id="277" r:id="rId27"/>
-    <p:sldId id="281" r:id="rId28"/>
-    <p:sldId id="278" r:id="rId29"/>
-    <p:sldId id="267" r:id="rId30"/>
-    <p:sldId id="285" r:id="rId31"/>
-    <p:sldId id="286" r:id="rId32"/>
-    <p:sldId id="287" r:id="rId33"/>
-    <p:sldId id="288" r:id="rId34"/>
-    <p:sldId id="290" r:id="rId35"/>
+    <p:sldId id="294" r:id="rId13"/>
+    <p:sldId id="291" r:id="rId14"/>
+    <p:sldId id="292" r:id="rId15"/>
+    <p:sldId id="279" r:id="rId16"/>
+    <p:sldId id="265" r:id="rId17"/>
+    <p:sldId id="274" r:id="rId18"/>
+    <p:sldId id="283" r:id="rId19"/>
+    <p:sldId id="284" r:id="rId20"/>
+    <p:sldId id="273" r:id="rId21"/>
+    <p:sldId id="282" r:id="rId22"/>
+    <p:sldId id="268" r:id="rId23"/>
+    <p:sldId id="270" r:id="rId24"/>
+    <p:sldId id="276" r:id="rId25"/>
+    <p:sldId id="275" r:id="rId26"/>
+    <p:sldId id="280" r:id="rId27"/>
+    <p:sldId id="277" r:id="rId28"/>
+    <p:sldId id="281" r:id="rId29"/>
+    <p:sldId id="278" r:id="rId30"/>
+    <p:sldId id="267" r:id="rId31"/>
+    <p:sldId id="285" r:id="rId32"/>
+    <p:sldId id="286" r:id="rId33"/>
+    <p:sldId id="287" r:id="rId34"/>
+    <p:sldId id="288" r:id="rId35"/>
+    <p:sldId id="290" r:id="rId36"/>
+    <p:sldId id="293" r:id="rId37"/>
   </p:sldIdLst>
   <p:sldSz cx="12192000" cy="6858000"/>
   <p:notesSz cx="6858000" cy="9144000"/>
@@ -230,7 +232,7 @@
           <a:p>
             <a:fld id="{341033C2-EAA7-4ADC-BF3C-CB7E25428EBD}" type="datetimeFigureOut">
               <a:rPr lang="es-CO" smtClean="0"/>
-              <a:t>29/01/2020</a:t>
+              <a:t>5/02/2020</a:t>
             </a:fld>
             <a:endParaRPr lang="es-CO"/>
           </a:p>
@@ -563,7 +565,7 @@
           <a:p>
             <a:fld id="{49473E83-3313-4720-B38C-B90A03FCA77B}" type="slidenum">
               <a:rPr lang="es-CO" smtClean="0"/>
-              <a:t>13</a:t>
+              <a:t>14</a:t>
             </a:fld>
             <a:endParaRPr lang="es-CO"/>
           </a:p>
@@ -713,7 +715,7 @@
           <a:p>
             <a:fld id="{25962AE3-E465-4D76-B07C-D1EBEC1F6DAD}" type="datetime1">
               <a:rPr lang="es-CO" smtClean="0"/>
-              <a:t>29/01/2020</a:t>
+              <a:t>5/02/2020</a:t>
             </a:fld>
             <a:endParaRPr lang="es-CO"/>
           </a:p>
@@ -883,7 +885,7 @@
           <a:p>
             <a:fld id="{C1F1FA9E-B96E-4CA2-BEEC-C67892ABC4DA}" type="datetime1">
               <a:rPr lang="es-CO" smtClean="0"/>
-              <a:t>29/01/2020</a:t>
+              <a:t>5/02/2020</a:t>
             </a:fld>
             <a:endParaRPr lang="es-CO"/>
           </a:p>
@@ -1063,7 +1065,7 @@
           <a:p>
             <a:fld id="{94DB9C33-82C0-45D9-AF17-813A2FD60715}" type="datetime1">
               <a:rPr lang="es-CO" smtClean="0"/>
-              <a:t>29/01/2020</a:t>
+              <a:t>5/02/2020</a:t>
             </a:fld>
             <a:endParaRPr lang="es-CO"/>
           </a:p>
@@ -1233,7 +1235,7 @@
           <a:p>
             <a:fld id="{D5ADED49-C99F-47C8-AF2D-569CE9ADA728}" type="datetime1">
               <a:rPr lang="es-CO" smtClean="0"/>
-              <a:t>29/01/2020</a:t>
+              <a:t>5/02/2020</a:t>
             </a:fld>
             <a:endParaRPr lang="es-CO"/>
           </a:p>
@@ -1479,7 +1481,7 @@
           <a:p>
             <a:fld id="{CCA9D7F4-461F-4943-A9F5-77ACA057443B}" type="datetime1">
               <a:rPr lang="es-CO" smtClean="0"/>
-              <a:t>29/01/2020</a:t>
+              <a:t>5/02/2020</a:t>
             </a:fld>
             <a:endParaRPr lang="es-CO"/>
           </a:p>
@@ -1711,7 +1713,7 @@
           <a:p>
             <a:fld id="{ECCBF961-0126-40F0-A299-CDA0DCEA605F}" type="datetime1">
               <a:rPr lang="es-CO" smtClean="0"/>
-              <a:t>29/01/2020</a:t>
+              <a:t>5/02/2020</a:t>
             </a:fld>
             <a:endParaRPr lang="es-CO"/>
           </a:p>
@@ -2078,7 +2080,7 @@
           <a:p>
             <a:fld id="{60229363-CE32-408C-94AB-7181A775F730}" type="datetime1">
               <a:rPr lang="es-CO" smtClean="0"/>
-              <a:t>29/01/2020</a:t>
+              <a:t>5/02/2020</a:t>
             </a:fld>
             <a:endParaRPr lang="es-CO"/>
           </a:p>
@@ -2196,7 +2198,7 @@
           <a:p>
             <a:fld id="{B48397F7-9EA7-40D5-9690-B6EFA86B6F0C}" type="datetime1">
               <a:rPr lang="es-CO" smtClean="0"/>
-              <a:t>29/01/2020</a:t>
+              <a:t>5/02/2020</a:t>
             </a:fld>
             <a:endParaRPr lang="es-CO"/>
           </a:p>
@@ -2291,7 +2293,7 @@
           <a:p>
             <a:fld id="{BA327FF3-1856-4CC7-ACA2-FA5CAF2A9216}" type="datetime1">
               <a:rPr lang="es-CO" smtClean="0"/>
-              <a:t>29/01/2020</a:t>
+              <a:t>5/02/2020</a:t>
             </a:fld>
             <a:endParaRPr lang="es-CO"/>
           </a:p>
@@ -2568,7 +2570,7 @@
           <a:p>
             <a:fld id="{04477FB6-714A-4AE3-871F-B925683BD38D}" type="datetime1">
               <a:rPr lang="es-CO" smtClean="0"/>
-              <a:t>29/01/2020</a:t>
+              <a:t>5/02/2020</a:t>
             </a:fld>
             <a:endParaRPr lang="es-CO"/>
           </a:p>
@@ -2821,7 +2823,7 @@
           <a:p>
             <a:fld id="{F6582BFB-80E9-478A-B3EB-EA8C0C14CC28}" type="datetime1">
               <a:rPr lang="es-CO" smtClean="0"/>
-              <a:t>29/01/2020</a:t>
+              <a:t>5/02/2020</a:t>
             </a:fld>
             <a:endParaRPr lang="es-CO"/>
           </a:p>
@@ -3034,7 +3036,7 @@
           <a:p>
             <a:fld id="{66425F7C-055D-4E64-985E-B697CAB852FD}" type="datetime1">
               <a:rPr lang="es-CO" smtClean="0"/>
-              <a:t>29/01/2020</a:t>
+              <a:t>5/02/2020</a:t>
             </a:fld>
             <a:endParaRPr lang="es-CO"/>
           </a:p>
@@ -3829,15 +3831,46 @@
           <a:p>
             <a:r>
               <a:rPr lang="es-CO" dirty="0" smtClean="0"/>
-              <a:t>Progreso de los novatos vs expertos (parejas)</a:t>
+              <a:t>Desempeño </a:t>
+            </a:r>
+            <a:r>
+              <a:rPr lang="es-CO" dirty="0" smtClean="0"/>
+              <a:t>expertos en </a:t>
+            </a:r>
+            <a:r>
+              <a:rPr lang="es-CO" dirty="0" smtClean="0"/>
+              <a:t>rondas juego</a:t>
             </a:r>
             <a:endParaRPr lang="es-CO" dirty="0"/>
+          </a:p>
+        </p:txBody>
+      </p:sp>
+      <p:sp>
+        <p:nvSpPr>
+          <p:cNvPr id="6" name="Marcador de número de diapositiva 5"/>
+          <p:cNvSpPr>
+            <a:spLocks noGrp="1"/>
+          </p:cNvSpPr>
+          <p:nvPr>
+            <p:ph type="sldNum" sz="quarter" idx="12"/>
+          </p:nvPr>
+        </p:nvSpPr>
+        <p:spPr/>
+        <p:txBody>
+          <a:bodyPr/>
+          <a:lstStyle/>
+          <a:p>
+            <a:fld id="{0AC18DFE-2F64-4429-B499-E16537F0080F}" type="slidenum">
+              <a:rPr lang="es-CO" smtClean="0"/>
+              <a:t>12</a:t>
+            </a:fld>
+            <a:endParaRPr lang="es-CO"/>
           </a:p>
         </p:txBody>
       </p:sp>
       <p:pic>
         <p:nvPicPr>
-          <p:cNvPr id="4" name="Imagen 3"/>
+          <p:cNvPr id="7" name="Imagen 6"/>
           <p:cNvPicPr>
             <a:picLocks noChangeAspect="1"/>
           </p:cNvPicPr>
@@ -3851,41 +3884,18 @@
         </p:blipFill>
         <p:spPr>
           <a:xfrm>
-            <a:off x="1476952" y="1617503"/>
-            <a:ext cx="9238095" cy="4990476"/>
+            <a:off x="1411049" y="1505619"/>
+            <a:ext cx="9238095" cy="5352381"/>
           </a:xfrm>
           <a:prstGeom prst="rect">
             <a:avLst/>
           </a:prstGeom>
         </p:spPr>
       </p:pic>
-      <p:sp>
-        <p:nvSpPr>
-          <p:cNvPr id="5" name="Marcador de número de diapositiva 4"/>
-          <p:cNvSpPr>
-            <a:spLocks noGrp="1"/>
-          </p:cNvSpPr>
-          <p:nvPr>
-            <p:ph type="sldNum" sz="quarter" idx="12"/>
-          </p:nvPr>
-        </p:nvSpPr>
-        <p:spPr/>
-        <p:txBody>
-          <a:bodyPr/>
-          <a:lstStyle/>
-          <a:p>
-            <a:fld id="{0AC18DFE-2F64-4429-B499-E16537F0080F}" type="slidenum">
-              <a:rPr lang="es-CO" smtClean="0"/>
-              <a:t>12</a:t>
-            </a:fld>
-            <a:endParaRPr lang="es-CO"/>
-          </a:p>
-        </p:txBody>
-      </p:sp>
     </p:spTree>
     <p:extLst>
       <p:ext uri="{BB962C8B-B14F-4D97-AF65-F5344CB8AC3E}">
-        <p14:creationId xmlns:p14="http://schemas.microsoft.com/office/powerpoint/2010/main" val="1651465571"/>
+        <p14:creationId xmlns:p14="http://schemas.microsoft.com/office/powerpoint/2010/main" val="639656165"/>
       </p:ext>
     </p:extLst>
   </p:cSld>
@@ -3929,15 +3939,7 @@
           <a:p>
             <a:r>
               <a:rPr lang="es-CO" dirty="0" smtClean="0"/>
-              <a:t>Progreso de los novatos vs expertos (</a:t>
-            </a:r>
-            <a:r>
-              <a:rPr lang="es-CO" dirty="0" err="1" smtClean="0"/>
-              <a:t>individu</a:t>
-            </a:r>
-            <a:r>
-              <a:rPr lang="es-CO" dirty="0" smtClean="0"/>
-              <a:t>)</a:t>
+              <a:t>Progreso de los novatos vs expertos (parejas)</a:t>
             </a:r>
             <a:endParaRPr lang="es-CO" dirty="0"/>
           </a:p>
@@ -3945,21 +3947,21 @@
       </p:sp>
       <p:pic>
         <p:nvPicPr>
-          <p:cNvPr id="3" name="Imagen 2"/>
+          <p:cNvPr id="4" name="Imagen 3"/>
           <p:cNvPicPr>
             <a:picLocks noChangeAspect="1"/>
           </p:cNvPicPr>
           <p:nvPr/>
         </p:nvPicPr>
         <p:blipFill>
-          <a:blip r:embed="rId3"/>
+          <a:blip r:embed="rId2"/>
           <a:stretch>
             <a:fillRect/>
           </a:stretch>
         </p:blipFill>
         <p:spPr>
           <a:xfrm>
-            <a:off x="1476952" y="1608310"/>
+            <a:off x="1476952" y="1617503"/>
             <a:ext cx="9238095" cy="4990476"/>
           </a:xfrm>
           <a:prstGeom prst="rect">
@@ -3993,7 +3995,7 @@
     </p:spTree>
     <p:extLst>
       <p:ext uri="{BB962C8B-B14F-4D97-AF65-F5344CB8AC3E}">
-        <p14:creationId xmlns:p14="http://schemas.microsoft.com/office/powerpoint/2010/main" val="3874743723"/>
+        <p14:creationId xmlns:p14="http://schemas.microsoft.com/office/powerpoint/2010/main" val="1651465571"/>
       </p:ext>
     </p:extLst>
   </p:cSld>
@@ -4037,79 +4039,47 @@
           <a:p>
             <a:r>
               <a:rPr lang="es-CO" dirty="0" smtClean="0"/>
-              <a:t>Observaciones</a:t>
+              <a:t>Progreso de los novatos vs expertos (</a:t>
+            </a:r>
+            <a:r>
+              <a:rPr lang="es-CO" dirty="0" err="1" smtClean="0"/>
+              <a:t>individu</a:t>
+            </a:r>
+            <a:r>
+              <a:rPr lang="es-CO" dirty="0" smtClean="0"/>
+              <a:t>)</a:t>
             </a:r>
             <a:endParaRPr lang="es-CO" dirty="0"/>
           </a:p>
         </p:txBody>
       </p:sp>
-      <p:sp>
-        <p:nvSpPr>
-          <p:cNvPr id="3" name="Marcador de contenido 2"/>
-          <p:cNvSpPr>
-            <a:spLocks noGrp="1"/>
-          </p:cNvSpPr>
-          <p:nvPr>
-            <p:ph idx="1"/>
-          </p:nvPr>
-        </p:nvSpPr>
-        <p:spPr/>
-        <p:txBody>
-          <a:bodyPr/>
-          <a:lstStyle/>
-          <a:p>
-            <a:r>
-              <a:rPr lang="es-CO" dirty="0"/>
-              <a:t>No hay evidencia de diferencia significativa en el desempeño en condición individual que por </a:t>
-            </a:r>
-            <a:r>
-              <a:rPr lang="es-CO" dirty="0" smtClean="0"/>
-              <a:t>parejas.</a:t>
-            </a:r>
-            <a:endParaRPr lang="es-CO" dirty="0"/>
-          </a:p>
-          <a:p>
-            <a:pPr lvl="1"/>
-            <a:r>
-              <a:rPr lang="es-CO" dirty="0"/>
-              <a:t>¿Hay diferencia por razas? =&gt; </a:t>
-            </a:r>
-            <a:r>
-              <a:rPr lang="es-CO" dirty="0" smtClean="0"/>
-              <a:t>NO</a:t>
-            </a:r>
-            <a:endParaRPr lang="es-CO" dirty="0"/>
-          </a:p>
-          <a:p>
-            <a:r>
-              <a:rPr lang="es-CO" dirty="0"/>
-              <a:t>Experticia vs </a:t>
-            </a:r>
-            <a:r>
-              <a:rPr lang="es-CO" dirty="0" smtClean="0"/>
-              <a:t>desempeño</a:t>
-            </a:r>
-          </a:p>
-          <a:p>
-            <a:pPr lvl="1"/>
-            <a:r>
-              <a:rPr lang="es-CO" dirty="0" smtClean="0"/>
-              <a:t>No hay evidencia de que a los novatos les vaya mejor en la condición de parejas que en la condición individual si se comparan directamente.</a:t>
-            </a:r>
-          </a:p>
-          <a:p>
-            <a:pPr lvl="1"/>
-            <a:r>
-              <a:rPr lang="es-CO" dirty="0" smtClean="0"/>
-              <a:t>Hay evidencia de que el progreso en el desempeño de los novatos, en la condición de parejas, se acerca más al desempeño de los expertos, que el respectivo progreso en la condición individual.</a:t>
-            </a:r>
-            <a:endParaRPr lang="es-CO" dirty="0"/>
-          </a:p>
-        </p:txBody>
-      </p:sp>
-      <p:sp>
-        <p:nvSpPr>
-          <p:cNvPr id="4" name="Marcador de número de diapositiva 3"/>
+      <p:pic>
+        <p:nvPicPr>
+          <p:cNvPr id="3" name="Imagen 2"/>
+          <p:cNvPicPr>
+            <a:picLocks noChangeAspect="1"/>
+          </p:cNvPicPr>
+          <p:nvPr/>
+        </p:nvPicPr>
+        <p:blipFill>
+          <a:blip r:embed="rId3"/>
+          <a:stretch>
+            <a:fillRect/>
+          </a:stretch>
+        </p:blipFill>
+        <p:spPr>
+          <a:xfrm>
+            <a:off x="1476952" y="1608310"/>
+            <a:ext cx="9238095" cy="4990476"/>
+          </a:xfrm>
+          <a:prstGeom prst="rect">
+            <a:avLst/>
+          </a:prstGeom>
+        </p:spPr>
+      </p:pic>
+      <p:sp>
+        <p:nvSpPr>
+          <p:cNvPr id="5" name="Marcador de número de diapositiva 4"/>
           <p:cNvSpPr>
             <a:spLocks noGrp="1"/>
           </p:cNvSpPr>
@@ -4133,7 +4103,7 @@
     </p:spTree>
     <p:extLst>
       <p:ext uri="{BB962C8B-B14F-4D97-AF65-F5344CB8AC3E}">
-        <p14:creationId xmlns:p14="http://schemas.microsoft.com/office/powerpoint/2010/main" val="3808213628"/>
+        <p14:creationId xmlns:p14="http://schemas.microsoft.com/office/powerpoint/2010/main" val="3874743723"/>
       </p:ext>
     </p:extLst>
   </p:cSld>
@@ -4177,7 +4147,7 @@
           <a:p>
             <a:r>
               <a:rPr lang="es-CO" dirty="0" smtClean="0"/>
-              <a:t>Autoevaluación de comprensión (Condición)</a:t>
+              <a:t>Observaciones</a:t>
             </a:r>
             <a:endParaRPr lang="es-CO" dirty="0"/>
           </a:p>
@@ -4185,69 +4155,68 @@
       </p:sp>
       <p:sp>
         <p:nvSpPr>
-          <p:cNvPr id="3" name="CuadroTexto 2"/>
-          <p:cNvSpPr txBox="1"/>
-          <p:nvPr/>
-        </p:nvSpPr>
-        <p:spPr>
-          <a:xfrm>
-            <a:off x="1248032" y="5798952"/>
-            <a:ext cx="9695935" cy="646331"/>
-          </a:xfrm>
-          <a:prstGeom prst="rect">
-            <a:avLst/>
-          </a:prstGeom>
-          <a:noFill/>
-        </p:spPr>
-        <p:txBody>
-          <a:bodyPr wrap="square" rtlCol="0">
-            <a:spAutoFit/>
-          </a:bodyPr>
-          <a:lstStyle/>
-          <a:p>
-            <a:pPr marL="285750" indent="-285750">
-              <a:buFont typeface="Arial" panose="020B0604020202020204" pitchFamily="34" charset="0"/>
-              <a:buChar char="•"/>
-            </a:pPr>
-            <a:r>
-              <a:rPr lang="es-CO" dirty="0" smtClean="0"/>
-              <a:t>No hay diferencias significativas en la autoevaluación </a:t>
-            </a:r>
-            <a:r>
-              <a:rPr lang="es-CO" dirty="0" smtClean="0"/>
-              <a:t>promedio respecto </a:t>
-            </a:r>
-            <a:r>
-              <a:rPr lang="es-CO" dirty="0" smtClean="0"/>
-              <a:t>a la condición de parejas y la individual</a:t>
-            </a:r>
-          </a:p>
-        </p:txBody>
-      </p:sp>
-      <p:pic>
-        <p:nvPicPr>
-          <p:cNvPr id="6" name="Imagen 5"/>
-          <p:cNvPicPr>
-            <a:picLocks noChangeAspect="1"/>
-          </p:cNvPicPr>
-          <p:nvPr/>
-        </p:nvPicPr>
-        <p:blipFill>
-          <a:blip r:embed="rId2"/>
-          <a:stretch>
-            <a:fillRect/>
-          </a:stretch>
-        </p:blipFill>
-        <p:spPr>
-          <a:xfrm>
-            <a:off x="2024190" y="1495939"/>
-            <a:ext cx="7078621" cy="4303013"/>
-          </a:xfrm>
-          <a:prstGeom prst="rect">
-            <a:avLst/>
-          </a:prstGeom>
-        </p:spPr>
-      </p:pic>
+          <p:cNvPr id="3" name="Marcador de contenido 2"/>
+          <p:cNvSpPr>
+            <a:spLocks noGrp="1"/>
+          </p:cNvSpPr>
+          <p:nvPr>
+            <p:ph idx="1"/>
+          </p:nvPr>
+        </p:nvSpPr>
+        <p:spPr/>
+        <p:txBody>
+          <a:bodyPr/>
+          <a:lstStyle/>
+          <a:p>
+            <a:r>
+              <a:rPr lang="es-CO" dirty="0"/>
+              <a:t>No hay evidencia de diferencia significativa en el desempeño en condición individual que por </a:t>
+            </a:r>
+            <a:r>
+              <a:rPr lang="es-CO" dirty="0" smtClean="0"/>
+              <a:t>parejas.</a:t>
+            </a:r>
+            <a:endParaRPr lang="es-CO" dirty="0"/>
+          </a:p>
+          <a:p>
+            <a:pPr lvl="1"/>
+            <a:r>
+              <a:rPr lang="es-CO" dirty="0"/>
+              <a:t>¿Hay diferencia por razas? =&gt; </a:t>
+            </a:r>
+            <a:r>
+              <a:rPr lang="es-CO" dirty="0" smtClean="0"/>
+              <a:t>NO</a:t>
+            </a:r>
+            <a:endParaRPr lang="es-CO" dirty="0"/>
+          </a:p>
+          <a:p>
+            <a:r>
+              <a:rPr lang="es-CO" dirty="0"/>
+              <a:t>Experticia vs </a:t>
+            </a:r>
+            <a:r>
+              <a:rPr lang="es-CO" dirty="0" smtClean="0"/>
+              <a:t>desempeño</a:t>
+            </a:r>
+          </a:p>
+          <a:p>
+            <a:pPr lvl="1"/>
+            <a:r>
+              <a:rPr lang="es-CO" dirty="0" smtClean="0"/>
+              <a:t>No hay evidencia de que a los novatos les vaya mejor en la condición de parejas que en la condición individual si se comparan directamente.</a:t>
+            </a:r>
+          </a:p>
+          <a:p>
+            <a:pPr lvl="1"/>
+            <a:r>
+              <a:rPr lang="es-CO" dirty="0" smtClean="0"/>
+              <a:t>Hay evidencia de que el progreso en el desempeño de los novatos, en la condición de parejas, se acerca más al desempeño de los expertos, que el respectivo progreso en la condición individual.</a:t>
+            </a:r>
+            <a:endParaRPr lang="es-CO" dirty="0"/>
+          </a:p>
+        </p:txBody>
+      </p:sp>
       <p:sp>
         <p:nvSpPr>
           <p:cNvPr id="4" name="Marcador de número de diapositiva 3"/>
@@ -4274,7 +4243,7 @@
     </p:spTree>
     <p:extLst>
       <p:ext uri="{BB962C8B-B14F-4D97-AF65-F5344CB8AC3E}">
-        <p14:creationId xmlns:p14="http://schemas.microsoft.com/office/powerpoint/2010/main" val="2870950738"/>
+        <p14:creationId xmlns:p14="http://schemas.microsoft.com/office/powerpoint/2010/main" val="3808213628"/>
       </p:ext>
     </p:extLst>
   </p:cSld>
@@ -4318,19 +4287,7 @@
           <a:p>
             <a:r>
               <a:rPr lang="es-CO" dirty="0" smtClean="0"/>
-              <a:t>Autoevaluación de comprensión </a:t>
-            </a:r>
-            <a:r>
-              <a:rPr lang="es-CO" dirty="0" smtClean="0"/>
-              <a:t>por experticia</a:t>
-            </a:r>
-            <a:r>
-              <a:rPr lang="es-CO" dirty="0"/>
-              <a:t> </a:t>
-            </a:r>
-            <a:r>
-              <a:rPr lang="es-CO" dirty="0" smtClean="0"/>
-              <a:t>(Global)</a:t>
+              <a:t>Autoevaluación de comprensión (Condición)</a:t>
             </a:r>
             <a:endParaRPr lang="es-CO" dirty="0"/>
           </a:p>
@@ -4364,44 +4321,8 @@
             </a:pPr>
             <a:r>
               <a:rPr lang="es-CO" dirty="0" smtClean="0"/>
-              <a:t>Los expertos en </a:t>
-            </a:r>
-            <a:r>
-              <a:rPr lang="es-CO" dirty="0" err="1" smtClean="0"/>
-              <a:t>hounds</a:t>
-            </a:r>
-            <a:r>
-              <a:rPr lang="es-CO" dirty="0" smtClean="0"/>
-              <a:t> reportan mayor comprensión sobre los </a:t>
-            </a:r>
-            <a:r>
-              <a:rPr lang="es-CO" dirty="0" err="1" smtClean="0"/>
-              <a:t>hounds</a:t>
-            </a:r>
-            <a:endParaRPr lang="es-CO" dirty="0" smtClean="0"/>
-          </a:p>
-          <a:p>
-            <a:pPr marL="285750" indent="-285750">
-              <a:buFont typeface="Arial" panose="020B0604020202020204" pitchFamily="34" charset="0"/>
-              <a:buChar char="•"/>
-            </a:pPr>
-            <a:r>
-              <a:rPr lang="es-CO" dirty="0" smtClean="0"/>
-              <a:t>Los expertos en </a:t>
-            </a:r>
-            <a:r>
-              <a:rPr lang="es-CO" dirty="0" err="1" smtClean="0"/>
-              <a:t>terriers</a:t>
-            </a:r>
-            <a:r>
-              <a:rPr lang="es-CO" dirty="0" smtClean="0"/>
-              <a:t> reportan un poquito más de comprensión sobre los </a:t>
-            </a:r>
-            <a:r>
-              <a:rPr lang="es-CO" dirty="0" err="1" smtClean="0"/>
-              <a:t>terriers</a:t>
-            </a:r>
-            <a:endParaRPr lang="es-CO" dirty="0" smtClean="0"/>
+              <a:t>No hay diferencias significativas en la autoevaluación promedio respecto a la condición de parejas y la individual</a:t>
+            </a:r>
           </a:p>
         </p:txBody>
       </p:sp>
@@ -4421,8 +4342,8 @@
         </p:blipFill>
         <p:spPr>
           <a:xfrm>
-            <a:off x="2007714" y="1806416"/>
-            <a:ext cx="6567876" cy="3992536"/>
+            <a:off x="2024190" y="1495939"/>
+            <a:ext cx="7078621" cy="4303013"/>
           </a:xfrm>
           <a:prstGeom prst="rect">
             <a:avLst/>
@@ -4455,7 +4376,7 @@
     </p:spTree>
     <p:extLst>
       <p:ext uri="{BB962C8B-B14F-4D97-AF65-F5344CB8AC3E}">
-        <p14:creationId xmlns:p14="http://schemas.microsoft.com/office/powerpoint/2010/main" val="779592519"/>
+        <p14:creationId xmlns:p14="http://schemas.microsoft.com/office/powerpoint/2010/main" val="2870950738"/>
       </p:ext>
     </p:extLst>
   </p:cSld>
@@ -4499,11 +4420,7 @@
           <a:p>
             <a:r>
               <a:rPr lang="es-CO" dirty="0" smtClean="0"/>
-              <a:t>Autoevaluación de comprensión </a:t>
-            </a:r>
-            <a:r>
-              <a:rPr lang="es-CO" dirty="0" smtClean="0"/>
-              <a:t>por experticia</a:t>
+              <a:t>Autoevaluación de comprensión por experticia</a:t>
             </a:r>
             <a:r>
               <a:rPr lang="es-CO" dirty="0"/>
@@ -4511,7 +4428,7 @@
             </a:r>
             <a:r>
               <a:rPr lang="es-CO" dirty="0" smtClean="0"/>
-              <a:t>(parejas)</a:t>
+              <a:t>(Global)</a:t>
             </a:r>
             <a:endParaRPr lang="es-CO" dirty="0"/>
           </a:p>
@@ -4576,15 +4493,7 @@
             </a:r>
             <a:r>
               <a:rPr lang="es-CO" dirty="0" smtClean="0"/>
-              <a:t> reportan </a:t>
-            </a:r>
-            <a:r>
-              <a:rPr lang="es-CO" dirty="0"/>
-              <a:t>mayor comprensión sobre </a:t>
-            </a:r>
-            <a:r>
-              <a:rPr lang="es-CO" dirty="0" smtClean="0"/>
-              <a:t>los </a:t>
+              <a:t> reportan un poquito más de comprensión sobre los </a:t>
             </a:r>
             <a:r>
               <a:rPr lang="es-CO" dirty="0" err="1" smtClean="0"/>
@@ -4596,7 +4505,7 @@
       </p:sp>
       <p:pic>
         <p:nvPicPr>
-          <p:cNvPr id="4" name="Imagen 3"/>
+          <p:cNvPr id="6" name="Imagen 5"/>
           <p:cNvPicPr>
             <a:picLocks noChangeAspect="1"/>
           </p:cNvPicPr>
@@ -4610,8 +4519,8 @@
         </p:blipFill>
         <p:spPr>
           <a:xfrm>
-            <a:off x="2018270" y="1690688"/>
-            <a:ext cx="7051589" cy="4178673"/>
+            <a:off x="2007714" y="1806416"/>
+            <a:ext cx="6567876" cy="3992536"/>
           </a:xfrm>
           <a:prstGeom prst="rect">
             <a:avLst/>
@@ -4620,7 +4529,7 @@
       </p:pic>
       <p:sp>
         <p:nvSpPr>
-          <p:cNvPr id="5" name="Marcador de número de diapositiva 4"/>
+          <p:cNvPr id="4" name="Marcador de número de diapositiva 3"/>
           <p:cNvSpPr>
             <a:spLocks noGrp="1"/>
           </p:cNvSpPr>
@@ -4644,7 +4553,7 @@
     </p:spTree>
     <p:extLst>
       <p:ext uri="{BB962C8B-B14F-4D97-AF65-F5344CB8AC3E}">
-        <p14:creationId xmlns:p14="http://schemas.microsoft.com/office/powerpoint/2010/main" val="762279592"/>
+        <p14:creationId xmlns:p14="http://schemas.microsoft.com/office/powerpoint/2010/main" val="779592519"/>
       </p:ext>
     </p:extLst>
   </p:cSld>
@@ -4688,11 +4597,7 @@
           <a:p>
             <a:r>
               <a:rPr lang="es-CO" dirty="0" smtClean="0"/>
-              <a:t>Autoevaluación de comprensión </a:t>
-            </a:r>
-            <a:r>
-              <a:rPr lang="es-CO" dirty="0" smtClean="0"/>
-              <a:t>por experticia</a:t>
+              <a:t>Autoevaluación de comprensión por experticia</a:t>
             </a:r>
             <a:r>
               <a:rPr lang="es-CO" dirty="0"/>
@@ -4700,7 +4605,7 @@
             </a:r>
             <a:r>
               <a:rPr lang="es-CO" dirty="0" smtClean="0"/>
-              <a:t>(individual)</a:t>
+              <a:t>(parejas)</a:t>
             </a:r>
             <a:endParaRPr lang="es-CO" dirty="0"/>
           </a:p>
@@ -4765,19 +4670,15 @@
             </a:r>
             <a:r>
               <a:rPr lang="es-CO" dirty="0" smtClean="0"/>
-              <a:t> NO </a:t>
-            </a:r>
-            <a:r>
-              <a:rPr lang="es-CO" dirty="0" smtClean="0"/>
-              <a:t>reportan </a:t>
-            </a:r>
-            <a:r>
-              <a:rPr lang="es-CO" dirty="0" smtClean="0"/>
-              <a:t>mayor comprensión </a:t>
-            </a:r>
-            <a:r>
-              <a:rPr lang="es-CO" dirty="0" smtClean="0"/>
-              <a:t>sobre los </a:t>
+              <a:t> reportan </a:t>
+            </a:r>
+            <a:r>
+              <a:rPr lang="es-CO" dirty="0"/>
+              <a:t>mayor comprensión sobre </a:t>
+            </a:r>
+            <a:r>
+              <a:rPr lang="es-CO" dirty="0" smtClean="0"/>
+              <a:t>los </a:t>
             </a:r>
             <a:r>
               <a:rPr lang="es-CO" dirty="0" err="1" smtClean="0"/>
@@ -4803,8 +4704,8 @@
         </p:blipFill>
         <p:spPr>
           <a:xfrm>
-            <a:off x="1952368" y="1800252"/>
-            <a:ext cx="7158681" cy="4123986"/>
+            <a:off x="2018270" y="1690688"/>
+            <a:ext cx="7051589" cy="4178673"/>
           </a:xfrm>
           <a:prstGeom prst="rect">
             <a:avLst/>
@@ -4837,7 +4738,7 @@
     </p:spTree>
     <p:extLst>
       <p:ext uri="{BB962C8B-B14F-4D97-AF65-F5344CB8AC3E}">
-        <p14:creationId xmlns:p14="http://schemas.microsoft.com/office/powerpoint/2010/main" val="905908591"/>
+        <p14:creationId xmlns:p14="http://schemas.microsoft.com/office/powerpoint/2010/main" val="762279592"/>
       </p:ext>
     </p:extLst>
   </p:cSld>
@@ -4881,7 +4782,15 @@
           <a:p>
             <a:r>
               <a:rPr lang="es-CO" dirty="0" smtClean="0"/>
-              <a:t>Autoevaluación de comprensión de los expertos</a:t>
+              <a:t>Autoevaluación de comprensión por experticia</a:t>
+            </a:r>
+            <a:r>
+              <a:rPr lang="es-CO" dirty="0"/>
+              <a:t> </a:t>
+            </a:r>
+            <a:r>
+              <a:rPr lang="es-CO" dirty="0" smtClean="0"/>
+              <a:t>(individual)</a:t>
             </a:r>
             <a:endParaRPr lang="es-CO" dirty="0"/>
           </a:p>
@@ -4895,7 +4804,7 @@
         </p:nvSpPr>
         <p:spPr>
           <a:xfrm>
-            <a:off x="1285103" y="5882236"/>
+            <a:off x="1248032" y="5798952"/>
             <a:ext cx="9695935" cy="646331"/>
           </a:xfrm>
           <a:prstGeom prst="rect">
@@ -4915,14 +4824,50 @@
             </a:pPr>
             <a:r>
               <a:rPr lang="es-CO" dirty="0" smtClean="0"/>
-              <a:t>En la condición de parejas los expertos reportan mayor comprensión que en la condición individual. </a:t>
-            </a:r>
+              <a:t>Los expertos en </a:t>
+            </a:r>
+            <a:r>
+              <a:rPr lang="es-CO" dirty="0" err="1" smtClean="0"/>
+              <a:t>hounds</a:t>
+            </a:r>
+            <a:r>
+              <a:rPr lang="es-CO" dirty="0" smtClean="0"/>
+              <a:t> reportan mayor comprensión sobre los </a:t>
+            </a:r>
+            <a:r>
+              <a:rPr lang="es-CO" dirty="0" err="1" smtClean="0"/>
+              <a:t>hounds</a:t>
+            </a:r>
+            <a:endParaRPr lang="es-CO" dirty="0" smtClean="0"/>
+          </a:p>
+          <a:p>
+            <a:pPr marL="285750" indent="-285750">
+              <a:buFont typeface="Arial" panose="020B0604020202020204" pitchFamily="34" charset="0"/>
+              <a:buChar char="•"/>
+            </a:pPr>
+            <a:r>
+              <a:rPr lang="es-CO" dirty="0" smtClean="0"/>
+              <a:t>Los expertos en </a:t>
+            </a:r>
+            <a:r>
+              <a:rPr lang="es-CO" dirty="0" err="1" smtClean="0"/>
+              <a:t>terriers</a:t>
+            </a:r>
+            <a:r>
+              <a:rPr lang="es-CO" dirty="0" smtClean="0"/>
+              <a:t> NO reportan mayor comprensión sobre los </a:t>
+            </a:r>
+            <a:r>
+              <a:rPr lang="es-CO" dirty="0" err="1" smtClean="0"/>
+              <a:t>terriers</a:t>
+            </a:r>
+            <a:endParaRPr lang="es-CO" dirty="0" smtClean="0"/>
           </a:p>
         </p:txBody>
       </p:sp>
       <p:pic>
         <p:nvPicPr>
-          <p:cNvPr id="6" name="Imagen 5"/>
+          <p:cNvPr id="4" name="Imagen 3"/>
           <p:cNvPicPr>
             <a:picLocks noChangeAspect="1"/>
           </p:cNvPicPr>
@@ -4936,8 +4881,8 @@
         </p:blipFill>
         <p:spPr>
           <a:xfrm>
-            <a:off x="2188946" y="1497657"/>
-            <a:ext cx="7078621" cy="4303013"/>
+            <a:off x="1952368" y="1800252"/>
+            <a:ext cx="7158681" cy="4123986"/>
           </a:xfrm>
           <a:prstGeom prst="rect">
             <a:avLst/>
@@ -4946,7 +4891,7 @@
       </p:pic>
       <p:sp>
         <p:nvSpPr>
-          <p:cNvPr id="4" name="Marcador de número de diapositiva 3"/>
+          <p:cNvPr id="5" name="Marcador de número de diapositiva 4"/>
           <p:cNvSpPr>
             <a:spLocks noGrp="1"/>
           </p:cNvSpPr>
@@ -4970,7 +4915,7 @@
     </p:spTree>
     <p:extLst>
       <p:ext uri="{BB962C8B-B14F-4D97-AF65-F5344CB8AC3E}">
-        <p14:creationId xmlns:p14="http://schemas.microsoft.com/office/powerpoint/2010/main" val="1375924764"/>
+        <p14:creationId xmlns:p14="http://schemas.microsoft.com/office/powerpoint/2010/main" val="905908591"/>
       </p:ext>
     </p:extLst>
   </p:cSld>
@@ -5188,11 +5133,7 @@
           <a:p>
             <a:r>
               <a:rPr lang="es-CO" dirty="0" smtClean="0"/>
-              <a:t>Autoevaluación de comprensión de los </a:t>
-            </a:r>
-            <a:r>
-              <a:rPr lang="es-CO" dirty="0" smtClean="0"/>
-              <a:t>novatos</a:t>
+              <a:t>Autoevaluación de comprensión de los expertos</a:t>
             </a:r>
             <a:endParaRPr lang="es-CO" dirty="0"/>
           </a:p>
@@ -5226,22 +5167,14 @@
             </a:pPr>
             <a:r>
               <a:rPr lang="es-CO" dirty="0" smtClean="0"/>
-              <a:t>En la condición de parejas los </a:t>
-            </a:r>
-            <a:r>
-              <a:rPr lang="es-CO" dirty="0" smtClean="0"/>
-              <a:t>novatos reportan un poco menos de comprensión </a:t>
-            </a:r>
-            <a:r>
-              <a:rPr lang="es-CO" dirty="0" smtClean="0"/>
-              <a:t>que en la condición individual. </a:t>
+              <a:t>En la condición de parejas los expertos reportan mayor comprensión que en la condición individual. </a:t>
             </a:r>
           </a:p>
         </p:txBody>
       </p:sp>
       <p:pic>
         <p:nvPicPr>
-          <p:cNvPr id="5" name="Imagen 4"/>
+          <p:cNvPr id="6" name="Imagen 5"/>
           <p:cNvPicPr>
             <a:picLocks noChangeAspect="1"/>
           </p:cNvPicPr>
@@ -5255,8 +5188,8 @@
         </p:blipFill>
         <p:spPr>
           <a:xfrm>
-            <a:off x="1476952" y="1702348"/>
-            <a:ext cx="7815329" cy="4221889"/>
+            <a:off x="2188946" y="1497657"/>
+            <a:ext cx="7078621" cy="4303013"/>
           </a:xfrm>
           <a:prstGeom prst="rect">
             <a:avLst/>
@@ -5265,7 +5198,7 @@
       </p:pic>
       <p:sp>
         <p:nvSpPr>
-          <p:cNvPr id="7" name="Marcador de número de diapositiva 6"/>
+          <p:cNvPr id="4" name="Marcador de número de diapositiva 3"/>
           <p:cNvSpPr>
             <a:spLocks noGrp="1"/>
           </p:cNvSpPr>
@@ -5289,7 +5222,7 @@
     </p:spTree>
     <p:extLst>
       <p:ext uri="{BB962C8B-B14F-4D97-AF65-F5344CB8AC3E}">
-        <p14:creationId xmlns:p14="http://schemas.microsoft.com/office/powerpoint/2010/main" val="2647137904"/>
+        <p14:creationId xmlns:p14="http://schemas.microsoft.com/office/powerpoint/2010/main" val="1375924764"/>
       </p:ext>
     </p:extLst>
   </p:cSld>
@@ -5333,7 +5266,7 @@
           <a:p>
             <a:r>
               <a:rPr lang="es-CO" dirty="0" smtClean="0"/>
-              <a:t>Observaciones</a:t>
+              <a:t>Autoevaluación de comprensión de los novatos</a:t>
             </a:r>
             <a:endParaRPr lang="es-CO" dirty="0"/>
           </a:p>
@@ -5341,62 +5274,64 @@
       </p:sp>
       <p:sp>
         <p:nvSpPr>
-          <p:cNvPr id="3" name="Marcador de contenido 2"/>
-          <p:cNvSpPr>
-            <a:spLocks noGrp="1"/>
-          </p:cNvSpPr>
-          <p:nvPr>
-            <p:ph idx="1"/>
-          </p:nvPr>
-        </p:nvSpPr>
-        <p:spPr/>
-        <p:txBody>
-          <a:bodyPr>
-            <a:normAutofit/>
+          <p:cNvPr id="3" name="CuadroTexto 2"/>
+          <p:cNvSpPr txBox="1"/>
+          <p:nvPr/>
+        </p:nvSpPr>
+        <p:spPr>
+          <a:xfrm>
+            <a:off x="1285103" y="5882236"/>
+            <a:ext cx="9695935" cy="646331"/>
+          </a:xfrm>
+          <a:prstGeom prst="rect">
+            <a:avLst/>
+          </a:prstGeom>
+          <a:noFill/>
+        </p:spPr>
+        <p:txBody>
+          <a:bodyPr wrap="square" rtlCol="0">
+            <a:spAutoFit/>
           </a:bodyPr>
           <a:lstStyle/>
           <a:p>
-            <a:r>
-              <a:rPr lang="es-CO" dirty="0" smtClean="0"/>
-              <a:t>Los </a:t>
-            </a:r>
-            <a:r>
-              <a:rPr lang="es-CO" dirty="0" smtClean="0"/>
-              <a:t>expertos reportan mayor comprensión sobre las clases en las que son expertos.</a:t>
-            </a:r>
-          </a:p>
-          <a:p>
-            <a:pPr marL="285750" indent="-285750"/>
-            <a:r>
-              <a:rPr lang="es-CO" dirty="0"/>
-              <a:t>Los expertos </a:t>
-            </a:r>
-            <a:r>
-              <a:rPr lang="es-CO" dirty="0" smtClean="0"/>
-              <a:t>en parejas reportan mayor </a:t>
-            </a:r>
-            <a:r>
-              <a:rPr lang="es-CO" dirty="0"/>
-              <a:t>comprensión </a:t>
-            </a:r>
-            <a:r>
-              <a:rPr lang="es-CO" dirty="0" smtClean="0"/>
-              <a:t>que los expertos en condición individual.</a:t>
-            </a:r>
-          </a:p>
-          <a:p>
-            <a:pPr marL="285750" indent="-285750"/>
-            <a:r>
-              <a:rPr lang="es-CO" dirty="0" smtClean="0"/>
-              <a:t>Los novatos en parejas reportan menor comprensión que los novatos en condición individual</a:t>
-            </a:r>
-            <a:endParaRPr lang="es-CO" dirty="0"/>
-          </a:p>
-        </p:txBody>
-      </p:sp>
-      <p:sp>
-        <p:nvSpPr>
-          <p:cNvPr id="4" name="Marcador de número de diapositiva 3"/>
+            <a:pPr marL="285750" indent="-285750">
+              <a:buFont typeface="Arial" panose="020B0604020202020204" pitchFamily="34" charset="0"/>
+              <a:buChar char="•"/>
+            </a:pPr>
+            <a:r>
+              <a:rPr lang="es-CO" dirty="0" smtClean="0"/>
+              <a:t>En la condición de parejas los novatos reportan un poco menos de comprensión que en la condición individual. </a:t>
+            </a:r>
+          </a:p>
+        </p:txBody>
+      </p:sp>
+      <p:pic>
+        <p:nvPicPr>
+          <p:cNvPr id="5" name="Imagen 4"/>
+          <p:cNvPicPr>
+            <a:picLocks noChangeAspect="1"/>
+          </p:cNvPicPr>
+          <p:nvPr/>
+        </p:nvPicPr>
+        <p:blipFill>
+          <a:blip r:embed="rId2"/>
+          <a:stretch>
+            <a:fillRect/>
+          </a:stretch>
+        </p:blipFill>
+        <p:spPr>
+          <a:xfrm>
+            <a:off x="1476952" y="1702348"/>
+            <a:ext cx="7815329" cy="4221889"/>
+          </a:xfrm>
+          <a:prstGeom prst="rect">
+            <a:avLst/>
+          </a:prstGeom>
+        </p:spPr>
+      </p:pic>
+      <p:sp>
+        <p:nvSpPr>
+          <p:cNvPr id="7" name="Marcador de número de diapositiva 6"/>
           <p:cNvSpPr>
             <a:spLocks noGrp="1"/>
           </p:cNvSpPr>
@@ -5420,7 +5355,7 @@
     </p:spTree>
     <p:extLst>
       <p:ext uri="{BB962C8B-B14F-4D97-AF65-F5344CB8AC3E}">
-        <p14:creationId xmlns:p14="http://schemas.microsoft.com/office/powerpoint/2010/main" val="2825242228"/>
+        <p14:creationId xmlns:p14="http://schemas.microsoft.com/office/powerpoint/2010/main" val="2647137904"/>
       </p:ext>
     </p:extLst>
   </p:cSld>
@@ -5463,20 +5398,8 @@
           <a:lstStyle/>
           <a:p>
             <a:r>
-              <a:rPr lang="es-CO" dirty="0" err="1" smtClean="0"/>
-              <a:t>Number</a:t>
-            </a:r>
-            <a:r>
-              <a:rPr lang="es-CO" dirty="0" smtClean="0"/>
-              <a:t> of </a:t>
-            </a:r>
-            <a:r>
-              <a:rPr lang="es-CO" dirty="0" err="1" smtClean="0"/>
-              <a:t>messages</a:t>
-            </a:r>
-            <a:r>
-              <a:rPr lang="es-CO" dirty="0" smtClean="0"/>
-              <a:t> per round</a:t>
+              <a:rPr lang="es-CO" dirty="0" smtClean="0"/>
+              <a:t>Observaciones</a:t>
             </a:r>
             <a:endParaRPr lang="es-CO" dirty="0"/>
           </a:p>
@@ -5484,103 +5407,66 @@
       </p:sp>
       <p:sp>
         <p:nvSpPr>
-          <p:cNvPr id="7" name="CuadroTexto 6"/>
-          <p:cNvSpPr txBox="1"/>
-          <p:nvPr/>
-        </p:nvSpPr>
-        <p:spPr>
-          <a:xfrm>
-            <a:off x="1482811" y="5782962"/>
-            <a:ext cx="9202456" cy="646331"/>
-          </a:xfrm>
-          <a:prstGeom prst="rect">
-            <a:avLst/>
-          </a:prstGeom>
-          <a:noFill/>
-        </p:spPr>
-        <p:txBody>
-          <a:bodyPr wrap="none" rtlCol="0">
-            <a:spAutoFit/>
+          <p:cNvPr id="3" name="Marcador de contenido 2"/>
+          <p:cNvSpPr>
+            <a:spLocks noGrp="1"/>
+          </p:cNvSpPr>
+          <p:nvPr>
+            <p:ph idx="1"/>
+          </p:nvPr>
+        </p:nvSpPr>
+        <p:spPr/>
+        <p:txBody>
+          <a:bodyPr>
+            <a:normAutofit/>
           </a:bodyPr>
           <a:lstStyle/>
           <a:p>
-            <a:pPr marL="285750" indent="-285750">
-              <a:buFont typeface="Arial" panose="020B0604020202020204" pitchFamily="34" charset="0"/>
-              <a:buChar char="•"/>
-            </a:pPr>
-            <a:r>
-              <a:rPr lang="es-CO" dirty="0" smtClean="0"/>
-              <a:t>La comunicación promedio disminuye muy poco y termina alrededor de </a:t>
-            </a:r>
-            <a:r>
-              <a:rPr lang="es-CO" dirty="0" smtClean="0"/>
-              <a:t>2 mensajes </a:t>
-            </a:r>
-            <a:r>
-              <a:rPr lang="es-CO" dirty="0" smtClean="0"/>
-              <a:t>por ronda</a:t>
-            </a:r>
-          </a:p>
-          <a:p>
-            <a:pPr marL="285750" indent="-285750">
-              <a:buFont typeface="Arial" panose="020B0604020202020204" pitchFamily="34" charset="0"/>
-              <a:buChar char="•"/>
-            </a:pPr>
-            <a:r>
-              <a:rPr lang="es-CO" dirty="0" smtClean="0"/>
-              <a:t>No </a:t>
-            </a:r>
+            <a:r>
+              <a:rPr lang="es-CO" dirty="0" smtClean="0"/>
+              <a:t>Los expertos reportan mayor comprensión sobre las clases en las que son expertos.</a:t>
+            </a:r>
+          </a:p>
+          <a:p>
+            <a:pPr marL="285750" indent="-285750"/>
             <a:r>
               <a:rPr lang="es-CO" dirty="0"/>
-              <a:t>se observa diferencia </a:t>
-            </a:r>
-            <a:r>
-              <a:rPr lang="es-CO" dirty="0" smtClean="0"/>
-              <a:t>significativa entre los expertos en </a:t>
-            </a:r>
-            <a:r>
-              <a:rPr lang="es-CO" dirty="0" err="1" smtClean="0"/>
-              <a:t>hounds</a:t>
-            </a:r>
-            <a:r>
-              <a:rPr lang="es-CO" dirty="0" smtClean="0"/>
-              <a:t> y los expertos en </a:t>
-            </a:r>
-            <a:r>
-              <a:rPr lang="es-CO" dirty="0" err="1" smtClean="0"/>
-              <a:t>terriers</a:t>
+              <a:t>Los expertos </a:t>
+            </a:r>
+            <a:r>
+              <a:rPr lang="es-CO" dirty="0" smtClean="0"/>
+              <a:t>en parejas reportan mayor </a:t>
+            </a:r>
+            <a:r>
+              <a:rPr lang="es-CO" dirty="0"/>
+              <a:t>comprensión </a:t>
+            </a:r>
+            <a:r>
+              <a:rPr lang="es-CO" dirty="0" smtClean="0"/>
+              <a:t>que los expertos en condición individual.</a:t>
+            </a:r>
+          </a:p>
+          <a:p>
+            <a:pPr marL="285750" indent="-285750"/>
+            <a:r>
+              <a:rPr lang="es-CO" dirty="0" smtClean="0"/>
+              <a:t>Los novatos en parejas reportan </a:t>
+            </a:r>
+            <a:r>
+              <a:rPr lang="es-CO" dirty="0" smtClean="0"/>
+              <a:t>comprensión comparable que </a:t>
+            </a:r>
+            <a:r>
+              <a:rPr lang="es-CO" dirty="0" smtClean="0"/>
+              <a:t>los novatos en condición individual</a:t>
             </a:r>
             <a:endParaRPr lang="es-CO" dirty="0"/>
           </a:p>
         </p:txBody>
       </p:sp>
-      <p:pic>
-        <p:nvPicPr>
-          <p:cNvPr id="4" name="Imagen 3"/>
-          <p:cNvPicPr>
-            <a:picLocks noChangeAspect="1"/>
-          </p:cNvPicPr>
-          <p:nvPr/>
-        </p:nvPicPr>
-        <p:blipFill>
-          <a:blip r:embed="rId2"/>
-          <a:stretch>
-            <a:fillRect/>
-          </a:stretch>
-        </p:blipFill>
-        <p:spPr>
-          <a:xfrm>
-            <a:off x="1768972" y="1276865"/>
-            <a:ext cx="8341441" cy="4506098"/>
-          </a:xfrm>
-          <a:prstGeom prst="rect">
-            <a:avLst/>
-          </a:prstGeom>
-        </p:spPr>
-      </p:pic>
-      <p:sp>
-        <p:nvSpPr>
-          <p:cNvPr id="5" name="Marcador de número de diapositiva 4"/>
+      <p:sp>
+        <p:nvSpPr>
+          <p:cNvPr id="4" name="Marcador de número de diapositiva 3"/>
           <p:cNvSpPr>
             <a:spLocks noGrp="1"/>
           </p:cNvSpPr>
@@ -5604,7 +5490,7 @@
     </p:spTree>
     <p:extLst>
       <p:ext uri="{BB962C8B-B14F-4D97-AF65-F5344CB8AC3E}">
-        <p14:creationId xmlns:p14="http://schemas.microsoft.com/office/powerpoint/2010/main" val="211567745"/>
+        <p14:creationId xmlns:p14="http://schemas.microsoft.com/office/powerpoint/2010/main" val="2825242228"/>
       </p:ext>
     </p:extLst>
   </p:cSld>
@@ -5648,7 +5534,15 @@
           <a:p>
             <a:r>
               <a:rPr lang="es-CO" dirty="0" err="1" smtClean="0"/>
-              <a:t>Correctness</a:t>
+              <a:t>Number</a:t>
+            </a:r>
+            <a:r>
+              <a:rPr lang="es-CO" dirty="0" smtClean="0"/>
+              <a:t> of </a:t>
+            </a:r>
+            <a:r>
+              <a:rPr lang="es-CO" dirty="0" err="1" smtClean="0"/>
+              <a:t>messages</a:t>
             </a:r>
             <a:r>
               <a:rPr lang="es-CO" dirty="0" smtClean="0"/>
@@ -5667,7 +5561,7 @@
         <p:spPr>
           <a:xfrm>
             <a:off x="1482811" y="5782962"/>
-            <a:ext cx="8397940" cy="646331"/>
+            <a:ext cx="9202456" cy="646331"/>
           </a:xfrm>
           <a:prstGeom prst="rect">
             <a:avLst/>
@@ -5686,15 +5580,7 @@
             </a:pPr>
             <a:r>
               <a:rPr lang="es-CO" dirty="0" smtClean="0"/>
-              <a:t>La </a:t>
-            </a:r>
-            <a:r>
-              <a:rPr lang="es-CO" dirty="0" err="1" smtClean="0"/>
-              <a:t>correctitud</a:t>
-            </a:r>
-            <a:r>
-              <a:rPr lang="es-CO" dirty="0" smtClean="0"/>
-              <a:t> promedio de las respuestas a los mensajes enviados aumenta un poco.</a:t>
+              <a:t>La comunicación promedio disminuye muy poco y termina alrededor de 2 mensajes por ronda</a:t>
             </a:r>
           </a:p>
           <a:p>
@@ -5704,7 +5590,27 @@
             </a:pPr>
             <a:r>
               <a:rPr lang="es-CO" dirty="0" smtClean="0"/>
-              <a:t>No se observa diferencia significativa entre los tipos de experticia.</a:t>
+              <a:t>No </a:t>
+            </a:r>
+            <a:r>
+              <a:rPr lang="es-CO" dirty="0"/>
+              <a:t>se observa diferencia </a:t>
+            </a:r>
+            <a:r>
+              <a:rPr lang="es-CO" dirty="0" smtClean="0"/>
+              <a:t>significativa entre los expertos en </a:t>
+            </a:r>
+            <a:r>
+              <a:rPr lang="es-CO" dirty="0" err="1" smtClean="0"/>
+              <a:t>hounds</a:t>
+            </a:r>
+            <a:r>
+              <a:rPr lang="es-CO" dirty="0" smtClean="0"/>
+              <a:t> y los expertos en </a:t>
+            </a:r>
+            <a:r>
+              <a:rPr lang="es-CO" dirty="0" err="1" smtClean="0"/>
+              <a:t>terriers</a:t>
             </a:r>
             <a:endParaRPr lang="es-CO" dirty="0"/>
           </a:p>
@@ -5712,7 +5618,7 @@
       </p:sp>
       <p:pic>
         <p:nvPicPr>
-          <p:cNvPr id="3" name="Imagen 2"/>
+          <p:cNvPr id="4" name="Imagen 3"/>
           <p:cNvPicPr>
             <a:picLocks noChangeAspect="1"/>
           </p:cNvPicPr>
@@ -5726,8 +5632,8 @@
         </p:blipFill>
         <p:spPr>
           <a:xfrm>
-            <a:off x="1738184" y="1310737"/>
-            <a:ext cx="8279027" cy="4472382"/>
+            <a:off x="1768972" y="1276865"/>
+            <a:ext cx="8341441" cy="4506098"/>
           </a:xfrm>
           <a:prstGeom prst="rect">
             <a:avLst/>
@@ -5736,7 +5642,7 @@
       </p:pic>
       <p:sp>
         <p:nvSpPr>
-          <p:cNvPr id="4" name="Marcador de número de diapositiva 3"/>
+          <p:cNvPr id="5" name="Marcador de número de diapositiva 4"/>
           <p:cNvSpPr>
             <a:spLocks noGrp="1"/>
           </p:cNvSpPr>
@@ -5760,7 +5666,7 @@
     </p:spTree>
     <p:extLst>
       <p:ext uri="{BB962C8B-B14F-4D97-AF65-F5344CB8AC3E}">
-        <p14:creationId xmlns:p14="http://schemas.microsoft.com/office/powerpoint/2010/main" val="3553175743"/>
+        <p14:creationId xmlns:p14="http://schemas.microsoft.com/office/powerpoint/2010/main" val="211567745"/>
       </p:ext>
     </p:extLst>
   </p:cSld>
@@ -5804,27 +5710,11 @@
           <a:p>
             <a:r>
               <a:rPr lang="es-CO" dirty="0" err="1" smtClean="0"/>
-              <a:t>Number</a:t>
-            </a:r>
-            <a:r>
-              <a:rPr lang="es-CO" dirty="0" smtClean="0"/>
-              <a:t> of </a:t>
-            </a:r>
-            <a:r>
-              <a:rPr lang="es-CO" dirty="0" err="1" smtClean="0"/>
-              <a:t>messages</a:t>
-            </a:r>
-            <a:r>
-              <a:rPr lang="es-CO" dirty="0"/>
-              <a:t> </a:t>
-            </a:r>
-            <a:r>
-              <a:rPr lang="es-CO" dirty="0" smtClean="0"/>
-              <a:t>w.r.t. </a:t>
-            </a:r>
-            <a:r>
-              <a:rPr lang="es-CO" dirty="0" err="1" smtClean="0"/>
-              <a:t>correctness</a:t>
+              <a:t>Correctness</a:t>
+            </a:r>
+            <a:r>
+              <a:rPr lang="es-CO" dirty="0" smtClean="0"/>
+              <a:t> per round</a:t>
             </a:r>
             <a:endParaRPr lang="es-CO" dirty="0"/>
           </a:p>
@@ -5839,7 +5729,7 @@
         <p:spPr>
           <a:xfrm>
             <a:off x="1482811" y="5782962"/>
-            <a:ext cx="9146030" cy="369332"/>
+            <a:ext cx="8397940" cy="646331"/>
           </a:xfrm>
           <a:prstGeom prst="rect">
             <a:avLst/>
@@ -5858,7 +5748,7 @@
             </a:pPr>
             <a:r>
               <a:rPr lang="es-CO" dirty="0" smtClean="0"/>
-              <a:t>La comunicación promedio disminuye a medida que aumenta la </a:t>
+              <a:t>La </a:t>
             </a:r>
             <a:r>
               <a:rPr lang="es-CO" dirty="0" err="1" smtClean="0"/>
@@ -5866,11 +5756,17 @@
             </a:r>
             <a:r>
               <a:rPr lang="es-CO" dirty="0" smtClean="0"/>
-              <a:t> de los </a:t>
-            </a:r>
-            <a:r>
-              <a:rPr lang="es-CO" dirty="0" smtClean="0"/>
-              <a:t>mensajes</a:t>
+              <a:t> promedio de las respuestas a los mensajes enviados aumenta un poco.</a:t>
+            </a:r>
+          </a:p>
+          <a:p>
+            <a:pPr marL="285750" indent="-285750">
+              <a:buFont typeface="Arial" panose="020B0604020202020204" pitchFamily="34" charset="0"/>
+              <a:buChar char="•"/>
+            </a:pPr>
+            <a:r>
+              <a:rPr lang="es-CO" dirty="0" smtClean="0"/>
+              <a:t>No se observa diferencia significativa entre los tipos de experticia.</a:t>
             </a:r>
             <a:endParaRPr lang="es-CO" dirty="0"/>
           </a:p>
@@ -5878,7 +5774,7 @@
       </p:sp>
       <p:pic>
         <p:nvPicPr>
-          <p:cNvPr id="6" name="Imagen 5"/>
+          <p:cNvPr id="3" name="Imagen 2"/>
           <p:cNvPicPr>
             <a:picLocks noChangeAspect="1"/>
           </p:cNvPicPr>
@@ -5892,8 +5788,8 @@
         </p:blipFill>
         <p:spPr>
           <a:xfrm>
-            <a:off x="1738475" y="1332988"/>
-            <a:ext cx="8237548" cy="4449974"/>
+            <a:off x="1738184" y="1310737"/>
+            <a:ext cx="8279027" cy="4472382"/>
           </a:xfrm>
           <a:prstGeom prst="rect">
             <a:avLst/>
@@ -5902,7 +5798,7 @@
       </p:pic>
       <p:sp>
         <p:nvSpPr>
-          <p:cNvPr id="8" name="Marcador de número de diapositiva 7"/>
+          <p:cNvPr id="4" name="Marcador de número de diapositiva 3"/>
           <p:cNvSpPr>
             <a:spLocks noGrp="1"/>
           </p:cNvSpPr>
@@ -5926,7 +5822,7 @@
     </p:spTree>
     <p:extLst>
       <p:ext uri="{BB962C8B-B14F-4D97-AF65-F5344CB8AC3E}">
-        <p14:creationId xmlns:p14="http://schemas.microsoft.com/office/powerpoint/2010/main" val="2211966074"/>
+        <p14:creationId xmlns:p14="http://schemas.microsoft.com/office/powerpoint/2010/main" val="3553175743"/>
       </p:ext>
     </p:extLst>
   </p:cSld>
@@ -5969,8 +5865,28 @@
           <a:lstStyle/>
           <a:p>
             <a:r>
-              <a:rPr lang="es-CO" dirty="0" smtClean="0"/>
-              <a:t>Composición de mensajes enviados</a:t>
+              <a:rPr lang="es-CO" dirty="0" err="1" smtClean="0"/>
+              <a:t>Number</a:t>
+            </a:r>
+            <a:r>
+              <a:rPr lang="es-CO" dirty="0" smtClean="0"/>
+              <a:t> of </a:t>
+            </a:r>
+            <a:r>
+              <a:rPr lang="es-CO" dirty="0" err="1" smtClean="0"/>
+              <a:t>messages</a:t>
+            </a:r>
+            <a:r>
+              <a:rPr lang="es-CO" dirty="0"/>
+              <a:t> </a:t>
+            </a:r>
+            <a:r>
+              <a:rPr lang="es-CO" dirty="0" smtClean="0"/>
+              <a:t>w.r.t. </a:t>
+            </a:r>
+            <a:r>
+              <a:rPr lang="es-CO" dirty="0" err="1" smtClean="0"/>
+              <a:t>correctness</a:t>
             </a:r>
             <a:endParaRPr lang="es-CO" dirty="0"/>
           </a:p>
@@ -5978,56 +5894,49 @@
       </p:sp>
       <p:sp>
         <p:nvSpPr>
-          <p:cNvPr id="3" name="Marcador de contenido 2"/>
-          <p:cNvSpPr>
-            <a:spLocks noGrp="1"/>
-          </p:cNvSpPr>
-          <p:nvPr>
-            <p:ph idx="1"/>
-          </p:nvPr>
+          <p:cNvPr id="7" name="CuadroTexto 6"/>
+          <p:cNvSpPr txBox="1"/>
+          <p:nvPr/>
         </p:nvSpPr>
         <p:spPr>
           <a:xfrm>
-            <a:off x="838200" y="5140411"/>
-            <a:ext cx="10515600" cy="1036552"/>
+            <a:off x="1482811" y="5782962"/>
+            <a:ext cx="9146030" cy="369332"/>
           </a:xfrm>
+          <a:prstGeom prst="rect">
+            <a:avLst/>
+          </a:prstGeom>
+          <a:noFill/>
         </p:spPr>
         <p:txBody>
-          <a:bodyPr/>
-          <a:lstStyle/>
-          <a:p>
-            <a:r>
-              <a:rPr lang="es-CO" dirty="0"/>
-              <a:t>Los expertos en </a:t>
-            </a:r>
-            <a:r>
-              <a:rPr lang="es-CO" dirty="0" err="1"/>
-              <a:t>terriers</a:t>
-            </a:r>
-            <a:r>
-              <a:rPr lang="es-CO" dirty="0"/>
-              <a:t> preguntan sobre </a:t>
-            </a:r>
-            <a:r>
-              <a:rPr lang="es-CO" dirty="0" err="1"/>
-              <a:t>hounds</a:t>
-            </a:r>
-            <a:r>
-              <a:rPr lang="es-CO" dirty="0"/>
-              <a:t> y viceversa</a:t>
-            </a:r>
-          </a:p>
-          <a:p>
-            <a:r>
-              <a:rPr lang="es-CO" dirty="0" smtClean="0"/>
-              <a:t>Una cuarta parte de las veces, los expertos no necesitan preguntar</a:t>
-            </a:r>
+          <a:bodyPr wrap="none" rtlCol="0">
+            <a:spAutoFit/>
+          </a:bodyPr>
+          <a:lstStyle/>
+          <a:p>
+            <a:pPr marL="285750" indent="-285750">
+              <a:buFont typeface="Arial" panose="020B0604020202020204" pitchFamily="34" charset="0"/>
+              <a:buChar char="•"/>
+            </a:pPr>
+            <a:r>
+              <a:rPr lang="es-CO" dirty="0" smtClean="0"/>
+              <a:t>La comunicación promedio disminuye a medida que aumenta la </a:t>
+            </a:r>
+            <a:r>
+              <a:rPr lang="es-CO" dirty="0" err="1" smtClean="0"/>
+              <a:t>correctitud</a:t>
+            </a:r>
+            <a:r>
+              <a:rPr lang="es-CO" dirty="0" smtClean="0"/>
+              <a:t> de los mensajes</a:t>
+            </a:r>
+            <a:endParaRPr lang="es-CO" dirty="0"/>
           </a:p>
         </p:txBody>
       </p:sp>
       <p:pic>
         <p:nvPicPr>
-          <p:cNvPr id="5" name="Imagen 4"/>
+          <p:cNvPr id="6" name="Imagen 5"/>
           <p:cNvPicPr>
             <a:picLocks noChangeAspect="1"/>
           </p:cNvPicPr>
@@ -6041,8 +5950,8 @@
         </p:blipFill>
         <p:spPr>
           <a:xfrm>
-            <a:off x="2817341" y="1301836"/>
-            <a:ext cx="7216346" cy="3898315"/>
+            <a:off x="1738475" y="1332988"/>
+            <a:ext cx="8237548" cy="4449974"/>
           </a:xfrm>
           <a:prstGeom prst="rect">
             <a:avLst/>
@@ -6051,7 +5960,7 @@
       </p:pic>
       <p:sp>
         <p:nvSpPr>
-          <p:cNvPr id="6" name="Marcador de número de diapositiva 5"/>
+          <p:cNvPr id="8" name="Marcador de número de diapositiva 7"/>
           <p:cNvSpPr>
             <a:spLocks noGrp="1"/>
           </p:cNvSpPr>
@@ -6075,7 +5984,7 @@
     </p:spTree>
     <p:extLst>
       <p:ext uri="{BB962C8B-B14F-4D97-AF65-F5344CB8AC3E}">
-        <p14:creationId xmlns:p14="http://schemas.microsoft.com/office/powerpoint/2010/main" val="2503689548"/>
+        <p14:creationId xmlns:p14="http://schemas.microsoft.com/office/powerpoint/2010/main" val="2211966074"/>
       </p:ext>
     </p:extLst>
   </p:cSld>
@@ -6119,11 +6028,7 @@
           <a:p>
             <a:r>
               <a:rPr lang="es-CO" dirty="0" smtClean="0"/>
-              <a:t>Suposiciones expertos en </a:t>
-            </a:r>
-            <a:r>
-              <a:rPr lang="es-CO" dirty="0" err="1" smtClean="0"/>
-              <a:t>terriers</a:t>
+              <a:t>Composición de mensajes enviados</a:t>
             </a:r>
             <a:endParaRPr lang="es-CO" dirty="0"/>
           </a:p>
@@ -6141,41 +6046,46 @@
         </p:nvSpPr>
         <p:spPr>
           <a:xfrm>
-            <a:off x="838200" y="5478161"/>
-            <a:ext cx="10515600" cy="698801"/>
+            <a:off x="838200" y="5140411"/>
+            <a:ext cx="10515600" cy="1036552"/>
           </a:xfrm>
         </p:spPr>
         <p:txBody>
-          <a:bodyPr>
-            <a:normAutofit fontScale="77500" lnSpcReduction="20000"/>
-          </a:bodyPr>
-          <a:lstStyle/>
-          <a:p>
-            <a:r>
-              <a:rPr lang="es-CO" dirty="0" smtClean="0"/>
-              <a:t>Más del 60% de las veces, los Terrier </a:t>
-            </a:r>
-            <a:r>
-              <a:rPr lang="es-CO" dirty="0" err="1" smtClean="0"/>
-              <a:t>experts</a:t>
-            </a:r>
-            <a:r>
-              <a:rPr lang="es-CO" dirty="0" smtClean="0"/>
-              <a:t> no se molestan en hacer una suposición</a:t>
-            </a:r>
-          </a:p>
-          <a:p>
-            <a:r>
-              <a:rPr lang="es-CO" dirty="0" smtClean="0"/>
-              <a:t>Más del 30% de las veces, la pregunta está precedida por una suposición correcta</a:t>
-            </a:r>
-            <a:endParaRPr lang="es-CO" dirty="0"/>
+          <a:bodyPr/>
+          <a:lstStyle/>
+          <a:p>
+            <a:r>
+              <a:rPr lang="es-CO" dirty="0"/>
+              <a:t>Los expertos en </a:t>
+            </a:r>
+            <a:r>
+              <a:rPr lang="es-CO" dirty="0" err="1"/>
+              <a:t>terriers</a:t>
+            </a:r>
+            <a:r>
+              <a:rPr lang="es-CO" dirty="0"/>
+              <a:t> preguntan sobre </a:t>
+            </a:r>
+            <a:r>
+              <a:rPr lang="es-CO" dirty="0" err="1"/>
+              <a:t>hounds</a:t>
+            </a:r>
+            <a:r>
+              <a:rPr lang="es-CO" dirty="0"/>
+              <a:t> y viceversa</a:t>
+            </a:r>
+          </a:p>
+          <a:p>
+            <a:r>
+              <a:rPr lang="es-CO" dirty="0" smtClean="0"/>
+              <a:t>Una cuarta parte de las veces, los expertos no necesitan preguntar</a:t>
+            </a:r>
           </a:p>
         </p:txBody>
       </p:sp>
       <p:pic>
         <p:nvPicPr>
-          <p:cNvPr id="8" name="Imagen 7"/>
+          <p:cNvPr id="5" name="Imagen 4"/>
           <p:cNvPicPr>
             <a:picLocks noChangeAspect="1"/>
           </p:cNvPicPr>
@@ -6189,8 +6099,8 @@
         </p:blipFill>
         <p:spPr>
           <a:xfrm>
-            <a:off x="2380735" y="1453142"/>
-            <a:ext cx="7372866" cy="3982867"/>
+            <a:off x="2817341" y="1301836"/>
+            <a:ext cx="7216346" cy="3898315"/>
           </a:xfrm>
           <a:prstGeom prst="rect">
             <a:avLst/>
@@ -6199,7 +6109,7 @@
       </p:pic>
       <p:sp>
         <p:nvSpPr>
-          <p:cNvPr id="9" name="Marcador de número de diapositiva 8"/>
+          <p:cNvPr id="6" name="Marcador de número de diapositiva 5"/>
           <p:cNvSpPr>
             <a:spLocks noGrp="1"/>
           </p:cNvSpPr>
@@ -6223,7 +6133,7 @@
     </p:spTree>
     <p:extLst>
       <p:ext uri="{BB962C8B-B14F-4D97-AF65-F5344CB8AC3E}">
-        <p14:creationId xmlns:p14="http://schemas.microsoft.com/office/powerpoint/2010/main" val="3441565506"/>
+        <p14:creationId xmlns:p14="http://schemas.microsoft.com/office/powerpoint/2010/main" val="2503689548"/>
       </p:ext>
     </p:extLst>
   </p:cSld>
@@ -6271,7 +6181,7 @@
             </a:r>
             <a:r>
               <a:rPr lang="es-CO" dirty="0" err="1" smtClean="0"/>
-              <a:t>hounds</a:t>
+              <a:t>terriers</a:t>
             </a:r>
             <a:endParaRPr lang="es-CO" dirty="0"/>
           </a:p>
@@ -6295,21 +6205,13 @@
         </p:spPr>
         <p:txBody>
           <a:bodyPr>
-            <a:normAutofit fontScale="77500" lnSpcReduction="20000"/>
+            <a:normAutofit fontScale="40000" lnSpcReduction="20000"/>
           </a:bodyPr>
           <a:lstStyle/>
           <a:p>
             <a:r>
               <a:rPr lang="es-CO" dirty="0" smtClean="0"/>
-              <a:t>Cerca del 50% de las veces, los </a:t>
-            </a:r>
-            <a:r>
-              <a:rPr lang="es-CO" dirty="0" err="1" smtClean="0"/>
-              <a:t>hound</a:t>
-            </a:r>
-            <a:r>
-              <a:rPr lang="es-CO" dirty="0" smtClean="0"/>
-              <a:t> </a:t>
+              <a:t>Más del 60% de las veces, los Terrier </a:t>
             </a:r>
             <a:r>
               <a:rPr lang="es-CO" dirty="0" err="1" smtClean="0"/>
@@ -6323,15 +6225,33 @@
           <a:p>
             <a:r>
               <a:rPr lang="es-CO" dirty="0" smtClean="0"/>
-              <a:t>Más del 40% de las veces, la pregunta está precedida por una suposición correcta</a:t>
-            </a:r>
-            <a:endParaRPr lang="es-CO" dirty="0"/>
+              <a:t>Más del 30% de las veces, la pregunta está precedida por una suposición </a:t>
+            </a:r>
+            <a:r>
+              <a:rPr lang="es-CO" dirty="0" smtClean="0"/>
+              <a:t>correcta</a:t>
+            </a:r>
+          </a:p>
+          <a:p>
+            <a:r>
+              <a:rPr lang="es-CO" dirty="0" smtClean="0">
+                <a:solidFill>
+                  <a:srgbClr val="FF0000"/>
+                </a:solidFill>
+              </a:rPr>
+              <a:t>HAY QUE HACER LA GRÁFICA DE SI LA SUPOSICIÓN ERA CORRECTA!!!!!!!!!!!!!!!!!!!</a:t>
+            </a:r>
+            <a:endParaRPr lang="es-CO" dirty="0">
+              <a:solidFill>
+                <a:srgbClr val="FF0000"/>
+              </a:solidFill>
+            </a:endParaRPr>
           </a:p>
         </p:txBody>
       </p:sp>
       <p:pic>
         <p:nvPicPr>
-          <p:cNvPr id="5" name="Imagen 4"/>
+          <p:cNvPr id="8" name="Imagen 7"/>
           <p:cNvPicPr>
             <a:picLocks noChangeAspect="1"/>
           </p:cNvPicPr>
@@ -6345,8 +6265,8 @@
         </p:blipFill>
         <p:spPr>
           <a:xfrm>
-            <a:off x="2463113" y="1350788"/>
-            <a:ext cx="7479957" cy="4040719"/>
+            <a:off x="2380735" y="1453142"/>
+            <a:ext cx="7372866" cy="3982867"/>
           </a:xfrm>
           <a:prstGeom prst="rect">
             <a:avLst/>
@@ -6355,7 +6275,7 @@
       </p:pic>
       <p:sp>
         <p:nvSpPr>
-          <p:cNvPr id="6" name="Marcador de número de diapositiva 5"/>
+          <p:cNvPr id="9" name="Marcador de número de diapositiva 8"/>
           <p:cNvSpPr>
             <a:spLocks noGrp="1"/>
           </p:cNvSpPr>
@@ -6379,7 +6299,7 @@
     </p:spTree>
     <p:extLst>
       <p:ext uri="{BB962C8B-B14F-4D97-AF65-F5344CB8AC3E}">
-        <p14:creationId xmlns:p14="http://schemas.microsoft.com/office/powerpoint/2010/main" val="683136306"/>
+        <p14:creationId xmlns:p14="http://schemas.microsoft.com/office/powerpoint/2010/main" val="3441565506"/>
       </p:ext>
     </p:extLst>
   </p:cSld>
@@ -6423,7 +6343,11 @@
           <a:p>
             <a:r>
               <a:rPr lang="es-CO" dirty="0" smtClean="0"/>
-              <a:t>Meando fuera del tiesto</a:t>
+              <a:t>Suposiciones expertos en </a:t>
+            </a:r>
+            <a:r>
+              <a:rPr lang="es-CO" dirty="0" err="1" smtClean="0"/>
+              <a:t>hounds</a:t>
             </a:r>
             <a:endParaRPr lang="es-CO" dirty="0"/>
           </a:p>
@@ -6446,12 +6370,36 @@
           </a:xfrm>
         </p:spPr>
         <p:txBody>
-          <a:bodyPr/>
-          <a:lstStyle/>
-          <a:p>
-            <a:r>
-              <a:rPr lang="es-CO" dirty="0" smtClean="0"/>
-              <a:t>?????</a:t>
+          <a:bodyPr>
+            <a:normAutofit fontScale="77500" lnSpcReduction="20000"/>
+          </a:bodyPr>
+          <a:lstStyle/>
+          <a:p>
+            <a:r>
+              <a:rPr lang="es-CO" dirty="0" smtClean="0"/>
+              <a:t>Cerca del 50% de las veces, los </a:t>
+            </a:r>
+            <a:r>
+              <a:rPr lang="es-CO" dirty="0" err="1" smtClean="0"/>
+              <a:t>hound</a:t>
+            </a:r>
+            <a:r>
+              <a:rPr lang="es-CO" dirty="0" smtClean="0"/>
+              <a:t> </a:t>
+            </a:r>
+            <a:r>
+              <a:rPr lang="es-CO" dirty="0" err="1" smtClean="0"/>
+              <a:t>experts</a:t>
+            </a:r>
+            <a:r>
+              <a:rPr lang="es-CO" dirty="0" smtClean="0"/>
+              <a:t> no se molestan en hacer una suposición</a:t>
+            </a:r>
+          </a:p>
+          <a:p>
+            <a:r>
+              <a:rPr lang="es-CO" dirty="0" smtClean="0"/>
+              <a:t>Más del 40% de las veces, la pregunta está precedida por una suposición correcta</a:t>
             </a:r>
             <a:endParaRPr lang="es-CO" dirty="0"/>
           </a:p>
@@ -6473,8 +6421,8 @@
         </p:blipFill>
         <p:spPr>
           <a:xfrm>
-            <a:off x="1872369" y="1380875"/>
-            <a:ext cx="7584670" cy="4097286"/>
+            <a:off x="2463113" y="1350788"/>
+            <a:ext cx="7479957" cy="4040719"/>
           </a:xfrm>
           <a:prstGeom prst="rect">
             <a:avLst/>
@@ -6483,7 +6431,7 @@
       </p:pic>
       <p:sp>
         <p:nvSpPr>
-          <p:cNvPr id="4" name="Marcador de número de diapositiva 3"/>
+          <p:cNvPr id="6" name="Marcador de número de diapositiva 5"/>
           <p:cNvSpPr>
             <a:spLocks noGrp="1"/>
           </p:cNvSpPr>
@@ -6507,7 +6455,7 @@
     </p:spTree>
     <p:extLst>
       <p:ext uri="{BB962C8B-B14F-4D97-AF65-F5344CB8AC3E}">
-        <p14:creationId xmlns:p14="http://schemas.microsoft.com/office/powerpoint/2010/main" val="919449595"/>
+        <p14:creationId xmlns:p14="http://schemas.microsoft.com/office/powerpoint/2010/main" val="683136306"/>
       </p:ext>
     </p:extLst>
   </p:cSld>
@@ -6551,7 +6499,7 @@
           <a:p>
             <a:r>
               <a:rPr lang="es-CO" dirty="0" smtClean="0"/>
-              <a:t>Cosas por explorar</a:t>
+              <a:t>Meando fuera del tiesto</a:t>
             </a:r>
             <a:endParaRPr lang="es-CO" dirty="0"/>
           </a:p>
@@ -6567,104 +6515,48 @@
             <p:ph idx="1"/>
           </p:nvPr>
         </p:nvSpPr>
-        <p:spPr/>
-        <p:txBody>
-          <a:bodyPr>
-            <a:normAutofit/>
-          </a:bodyPr>
-          <a:lstStyle/>
-          <a:p>
-            <a:r>
-              <a:rPr lang="es-CO" dirty="0" smtClean="0"/>
-              <a:t>Gráficas de desempeño separando </a:t>
-            </a:r>
-            <a:r>
-              <a:rPr lang="es-CO" dirty="0" err="1" smtClean="0"/>
-              <a:t>Terriers</a:t>
-            </a:r>
-            <a:r>
-              <a:rPr lang="es-CO" dirty="0" smtClean="0"/>
-              <a:t> de </a:t>
-            </a:r>
-            <a:r>
-              <a:rPr lang="es-CO" dirty="0" err="1" smtClean="0"/>
-              <a:t>Hounds</a:t>
-            </a:r>
-            <a:r>
-              <a:rPr lang="es-CO" dirty="0" smtClean="0"/>
-              <a:t> =&gt; OK</a:t>
+        <p:spPr>
+          <a:xfrm>
+            <a:off x="838200" y="5478161"/>
+            <a:ext cx="10515600" cy="698801"/>
+          </a:xfrm>
+        </p:spPr>
+        <p:txBody>
+          <a:bodyPr/>
+          <a:lstStyle/>
+          <a:p>
+            <a:r>
+              <a:rPr lang="es-CO" dirty="0" smtClean="0"/>
+              <a:t>?????</a:t>
             </a:r>
             <a:endParaRPr lang="es-CO" dirty="0"/>
           </a:p>
-          <a:p>
-            <a:r>
-              <a:rPr lang="es-CO" dirty="0" smtClean="0"/>
-              <a:t>Graficar el número de mensajes por ronda, agregado y también de acuerdo a experticia =&gt; OK</a:t>
-            </a:r>
-          </a:p>
-          <a:p>
-            <a:r>
-              <a:rPr lang="es-CO" dirty="0" err="1" smtClean="0"/>
-              <a:t>Correctitud</a:t>
-            </a:r>
-            <a:r>
-              <a:rPr lang="es-CO" dirty="0" smtClean="0"/>
-              <a:t> de clasificación =&gt; </a:t>
-            </a:r>
-            <a:r>
-              <a:rPr lang="es-CO" dirty="0" smtClean="0"/>
-              <a:t>OK</a:t>
-            </a:r>
-            <a:endParaRPr lang="es-CO" dirty="0" smtClean="0"/>
-          </a:p>
-          <a:p>
-            <a:r>
-              <a:rPr lang="es-CO" dirty="0" err="1" smtClean="0"/>
-              <a:t>Correctitud</a:t>
-            </a:r>
-            <a:r>
-              <a:rPr lang="es-CO" dirty="0" smtClean="0"/>
-              <a:t> de “</a:t>
-            </a:r>
-            <a:r>
-              <a:rPr lang="es-CO" dirty="0" err="1" smtClean="0"/>
-              <a:t>guesses</a:t>
-            </a:r>
-            <a:r>
-              <a:rPr lang="es-CO" dirty="0" smtClean="0"/>
-              <a:t>” =&gt; OK</a:t>
-            </a:r>
-          </a:p>
-          <a:p>
-            <a:r>
-              <a:rPr lang="es-CO" dirty="0" smtClean="0"/>
-              <a:t>Correlacionar la comunicación correcta con el envío de mensajes =&gt; OK</a:t>
-            </a:r>
-          </a:p>
-          <a:p>
-            <a:r>
-              <a:rPr lang="es-CO" dirty="0" smtClean="0"/>
-              <a:t>Condición parejas: “Cantidad” de </a:t>
-            </a:r>
-            <a:r>
-              <a:rPr lang="es-CO" dirty="0" smtClean="0"/>
-              <a:t>interacción =&gt; OK</a:t>
-            </a:r>
-            <a:endParaRPr lang="es-CO" dirty="0" smtClean="0"/>
-          </a:p>
-          <a:p>
-            <a:r>
-              <a:rPr lang="es-CO" dirty="0" smtClean="0"/>
-              <a:t>Sacar índice de cooperación =&gt; </a:t>
-            </a:r>
-            <a:r>
-              <a:rPr lang="es-CO" dirty="0" smtClean="0"/>
-              <a:t>OK</a:t>
-            </a:r>
-            <a:endParaRPr lang="es-CO" dirty="0"/>
-          </a:p>
-        </p:txBody>
-      </p:sp>
+        </p:txBody>
+      </p:sp>
+      <p:pic>
+        <p:nvPicPr>
+          <p:cNvPr id="5" name="Imagen 4"/>
+          <p:cNvPicPr>
+            <a:picLocks noChangeAspect="1"/>
+          </p:cNvPicPr>
+          <p:nvPr/>
+        </p:nvPicPr>
+        <p:blipFill>
+          <a:blip r:embed="rId2"/>
+          <a:stretch>
+            <a:fillRect/>
+          </a:stretch>
+        </p:blipFill>
+        <p:spPr>
+          <a:xfrm>
+            <a:off x="1872369" y="1380875"/>
+            <a:ext cx="7584670" cy="4097286"/>
+          </a:xfrm>
+          <a:prstGeom prst="rect">
+            <a:avLst/>
+          </a:prstGeom>
+        </p:spPr>
+      </p:pic>
       <p:sp>
         <p:nvSpPr>
           <p:cNvPr id="4" name="Marcador de número de diapositiva 3"/>
@@ -6691,7 +6583,7 @@
     </p:spTree>
     <p:extLst>
       <p:ext uri="{BB962C8B-B14F-4D97-AF65-F5344CB8AC3E}">
-        <p14:creationId xmlns:p14="http://schemas.microsoft.com/office/powerpoint/2010/main" val="497127000"/>
+        <p14:creationId xmlns:p14="http://schemas.microsoft.com/office/powerpoint/2010/main" val="919449595"/>
       </p:ext>
     </p:extLst>
   </p:cSld>
@@ -6914,39 +6806,109 @@
           <a:p>
             <a:r>
               <a:rPr lang="es-CO" dirty="0" smtClean="0"/>
-              <a:t>Condición parejas -- Terrier</a:t>
+              <a:t>Cosas por explorar</a:t>
             </a:r>
             <a:endParaRPr lang="es-CO" dirty="0"/>
           </a:p>
         </p:txBody>
       </p:sp>
-      <p:pic>
-        <p:nvPicPr>
-          <p:cNvPr id="9" name="Imagen 8"/>
-          <p:cNvPicPr>
-            <a:picLocks noChangeAspect="1"/>
-          </p:cNvPicPr>
-          <p:nvPr/>
-        </p:nvPicPr>
-        <p:blipFill>
-          <a:blip r:embed="rId2"/>
-          <a:stretch>
-            <a:fillRect/>
-          </a:stretch>
-        </p:blipFill>
-        <p:spPr>
-          <a:xfrm>
-            <a:off x="1476952" y="1608308"/>
-            <a:ext cx="9238095" cy="4990476"/>
-          </a:xfrm>
-          <a:prstGeom prst="rect">
-            <a:avLst/>
-          </a:prstGeom>
-        </p:spPr>
-      </p:pic>
-      <p:sp>
-        <p:nvSpPr>
-          <p:cNvPr id="10" name="Marcador de número de diapositiva 9"/>
+      <p:sp>
+        <p:nvSpPr>
+          <p:cNvPr id="3" name="Marcador de contenido 2"/>
+          <p:cNvSpPr>
+            <a:spLocks noGrp="1"/>
+          </p:cNvSpPr>
+          <p:nvPr>
+            <p:ph idx="1"/>
+          </p:nvPr>
+        </p:nvSpPr>
+        <p:spPr/>
+        <p:txBody>
+          <a:bodyPr>
+            <a:normAutofit/>
+          </a:bodyPr>
+          <a:lstStyle/>
+          <a:p>
+            <a:r>
+              <a:rPr lang="es-CO" dirty="0" smtClean="0"/>
+              <a:t>Gráficas de desempeño separando </a:t>
+            </a:r>
+            <a:r>
+              <a:rPr lang="es-CO" dirty="0" err="1" smtClean="0"/>
+              <a:t>Terriers</a:t>
+            </a:r>
+            <a:r>
+              <a:rPr lang="es-CO" dirty="0" smtClean="0"/>
+              <a:t> de </a:t>
+            </a:r>
+            <a:r>
+              <a:rPr lang="es-CO" dirty="0" err="1" smtClean="0"/>
+              <a:t>Hounds</a:t>
+            </a:r>
+            <a:r>
+              <a:rPr lang="es-CO" dirty="0" smtClean="0"/>
+              <a:t> =&gt; OK</a:t>
+            </a:r>
+            <a:endParaRPr lang="es-CO" dirty="0"/>
+          </a:p>
+          <a:p>
+            <a:r>
+              <a:rPr lang="es-CO" dirty="0" smtClean="0"/>
+              <a:t>Graficar el número de mensajes por ronda, agregado y también de acuerdo a experticia =&gt; OK</a:t>
+            </a:r>
+          </a:p>
+          <a:p>
+            <a:r>
+              <a:rPr lang="es-CO" dirty="0" err="1" smtClean="0"/>
+              <a:t>Correctitud</a:t>
+            </a:r>
+            <a:r>
+              <a:rPr lang="es-CO" dirty="0" smtClean="0"/>
+              <a:t> de clasificación =&gt; OK</a:t>
+            </a:r>
+          </a:p>
+          <a:p>
+            <a:r>
+              <a:rPr lang="es-CO" dirty="0" err="1" smtClean="0"/>
+              <a:t>Correctitud</a:t>
+            </a:r>
+            <a:r>
+              <a:rPr lang="es-CO" dirty="0" smtClean="0"/>
+              <a:t> de “</a:t>
+            </a:r>
+            <a:r>
+              <a:rPr lang="es-CO" dirty="0" err="1" smtClean="0"/>
+              <a:t>guesses</a:t>
+            </a:r>
+            <a:r>
+              <a:rPr lang="es-CO" dirty="0" smtClean="0"/>
+              <a:t>” =&gt; OK</a:t>
+            </a:r>
+          </a:p>
+          <a:p>
+            <a:r>
+              <a:rPr lang="es-CO" dirty="0" smtClean="0"/>
+              <a:t>Correlacionar la comunicación correcta con el envío de mensajes =&gt; OK</a:t>
+            </a:r>
+          </a:p>
+          <a:p>
+            <a:r>
+              <a:rPr lang="es-CO" dirty="0" smtClean="0"/>
+              <a:t>Condición parejas: “Cantidad” de interacción =&gt; OK</a:t>
+            </a:r>
+          </a:p>
+          <a:p>
+            <a:r>
+              <a:rPr lang="es-CO" dirty="0" smtClean="0"/>
+              <a:t>Sacar índice de cooperación =&gt; OK</a:t>
+            </a:r>
+            <a:endParaRPr lang="es-CO" dirty="0"/>
+          </a:p>
+        </p:txBody>
+      </p:sp>
+      <p:sp>
+        <p:nvSpPr>
+          <p:cNvPr id="4" name="Marcador de número de diapositiva 3"/>
           <p:cNvSpPr>
             <a:spLocks noGrp="1"/>
           </p:cNvSpPr>
@@ -6970,7 +6932,7 @@
     </p:spTree>
     <p:extLst>
       <p:ext uri="{BB962C8B-B14F-4D97-AF65-F5344CB8AC3E}">
-        <p14:creationId xmlns:p14="http://schemas.microsoft.com/office/powerpoint/2010/main" val="2127358247"/>
+        <p14:creationId xmlns:p14="http://schemas.microsoft.com/office/powerpoint/2010/main" val="497127000"/>
       </p:ext>
     </p:extLst>
   </p:cSld>
@@ -7014,7 +6976,7 @@
           <a:p>
             <a:r>
               <a:rPr lang="es-CO" dirty="0" smtClean="0"/>
-              <a:t>Condición individuos -- Terrier</a:t>
+              <a:t>Condición parejas -- Terrier</a:t>
             </a:r>
             <a:endParaRPr lang="es-CO" dirty="0"/>
           </a:p>
@@ -7022,7 +6984,7 @@
       </p:sp>
       <p:pic>
         <p:nvPicPr>
-          <p:cNvPr id="7" name="Imagen 6"/>
+          <p:cNvPr id="9" name="Imagen 8"/>
           <p:cNvPicPr>
             <a:picLocks noChangeAspect="1"/>
           </p:cNvPicPr>
@@ -7036,7 +6998,7 @@
         </p:blipFill>
         <p:spPr>
           <a:xfrm>
-            <a:off x="1476952" y="1609265"/>
+            <a:off x="1476952" y="1608308"/>
             <a:ext cx="9238095" cy="4990476"/>
           </a:xfrm>
           <a:prstGeom prst="rect">
@@ -7046,7 +7008,7 @@
       </p:pic>
       <p:sp>
         <p:nvSpPr>
-          <p:cNvPr id="8" name="Marcador de número de diapositiva 7"/>
+          <p:cNvPr id="10" name="Marcador de número de diapositiva 9"/>
           <p:cNvSpPr>
             <a:spLocks noGrp="1"/>
           </p:cNvSpPr>
@@ -7070,7 +7032,7 @@
     </p:spTree>
     <p:extLst>
       <p:ext uri="{BB962C8B-B14F-4D97-AF65-F5344CB8AC3E}">
-        <p14:creationId xmlns:p14="http://schemas.microsoft.com/office/powerpoint/2010/main" val="608742201"/>
+        <p14:creationId xmlns:p14="http://schemas.microsoft.com/office/powerpoint/2010/main" val="2127358247"/>
       </p:ext>
     </p:extLst>
   </p:cSld>
@@ -7114,11 +7076,7 @@
           <a:p>
             <a:r>
               <a:rPr lang="es-CO" dirty="0" smtClean="0"/>
-              <a:t>Condición parejas -- </a:t>
-            </a:r>
-            <a:r>
-              <a:rPr lang="es-CO" dirty="0" err="1" smtClean="0"/>
-              <a:t>Hounds</a:t>
+              <a:t>Condición individuos -- Terrier</a:t>
             </a:r>
             <a:endParaRPr lang="es-CO" dirty="0"/>
           </a:p>
@@ -7126,7 +7084,7 @@
       </p:sp>
       <p:pic>
         <p:nvPicPr>
-          <p:cNvPr id="6" name="Imagen 5"/>
+          <p:cNvPr id="7" name="Imagen 6"/>
           <p:cNvPicPr>
             <a:picLocks noChangeAspect="1"/>
           </p:cNvPicPr>
@@ -7140,7 +7098,7 @@
         </p:blipFill>
         <p:spPr>
           <a:xfrm>
-            <a:off x="1476952" y="1690688"/>
+            <a:off x="1476952" y="1609265"/>
             <a:ext cx="9238095" cy="4990476"/>
           </a:xfrm>
           <a:prstGeom prst="rect">
@@ -7174,7 +7132,7 @@
     </p:spTree>
     <p:extLst>
       <p:ext uri="{BB962C8B-B14F-4D97-AF65-F5344CB8AC3E}">
-        <p14:creationId xmlns:p14="http://schemas.microsoft.com/office/powerpoint/2010/main" val="1953259931"/>
+        <p14:creationId xmlns:p14="http://schemas.microsoft.com/office/powerpoint/2010/main" val="608742201"/>
       </p:ext>
     </p:extLst>
   </p:cSld>
@@ -7218,7 +7176,7 @@
           <a:p>
             <a:r>
               <a:rPr lang="es-CO" dirty="0" smtClean="0"/>
-              <a:t>Condición individuos -- </a:t>
+              <a:t>Condición parejas -- </a:t>
             </a:r>
             <a:r>
               <a:rPr lang="es-CO" dirty="0" err="1" smtClean="0"/>
@@ -7230,7 +7188,7 @@
       </p:sp>
       <p:pic>
         <p:nvPicPr>
-          <p:cNvPr id="5" name="Imagen 4"/>
+          <p:cNvPr id="6" name="Imagen 5"/>
           <p:cNvPicPr>
             <a:picLocks noChangeAspect="1"/>
           </p:cNvPicPr>
@@ -7254,7 +7212,7 @@
       </p:pic>
       <p:sp>
         <p:nvSpPr>
-          <p:cNvPr id="7" name="Marcador de número de diapositiva 6"/>
+          <p:cNvPr id="8" name="Marcador de número de diapositiva 7"/>
           <p:cNvSpPr>
             <a:spLocks noGrp="1"/>
           </p:cNvSpPr>
@@ -7278,7 +7236,7 @@
     </p:spTree>
     <p:extLst>
       <p:ext uri="{BB962C8B-B14F-4D97-AF65-F5344CB8AC3E}">
-        <p14:creationId xmlns:p14="http://schemas.microsoft.com/office/powerpoint/2010/main" val="558178405"/>
+        <p14:creationId xmlns:p14="http://schemas.microsoft.com/office/powerpoint/2010/main" val="1953259931"/>
       </p:ext>
     </p:extLst>
   </p:cSld>
@@ -7321,28 +7279,44 @@
           <a:lstStyle/>
           <a:p>
             <a:r>
-              <a:rPr lang="es-CO" dirty="0"/>
-              <a:t>Í</a:t>
-            </a:r>
-            <a:r>
-              <a:rPr lang="es-CO" dirty="0" smtClean="0"/>
-              <a:t>ndice de cooperación (</a:t>
+              <a:rPr lang="es-CO" dirty="0" smtClean="0"/>
+              <a:t>Condición individuos -- </a:t>
             </a:r>
             <a:r>
               <a:rPr lang="es-CO" dirty="0" err="1" smtClean="0"/>
-              <a:t>max</a:t>
-            </a:r>
-            <a:r>
-              <a:rPr lang="es-CO" dirty="0" smtClean="0"/>
-              <a:t>=1; min=0)</a:t>
+              <a:t>Hounds</a:t>
             </a:r>
             <a:endParaRPr lang="es-CO" dirty="0"/>
           </a:p>
         </p:txBody>
       </p:sp>
-      <p:sp>
-        <p:nvSpPr>
-          <p:cNvPr id="5" name="Marcador de número de diapositiva 4"/>
+      <p:pic>
+        <p:nvPicPr>
+          <p:cNvPr id="5" name="Imagen 4"/>
+          <p:cNvPicPr>
+            <a:picLocks noChangeAspect="1"/>
+          </p:cNvPicPr>
+          <p:nvPr/>
+        </p:nvPicPr>
+        <p:blipFill>
+          <a:blip r:embed="rId2"/>
+          <a:stretch>
+            <a:fillRect/>
+          </a:stretch>
+        </p:blipFill>
+        <p:spPr>
+          <a:xfrm>
+            <a:off x="1476952" y="1690688"/>
+            <a:ext cx="9238095" cy="4990476"/>
+          </a:xfrm>
+          <a:prstGeom prst="rect">
+            <a:avLst/>
+          </a:prstGeom>
+        </p:spPr>
+      </p:pic>
+      <p:sp>
+        <p:nvSpPr>
+          <p:cNvPr id="7" name="Marcador de número de diapositiva 6"/>
           <p:cNvSpPr>
             <a:spLocks noGrp="1"/>
           </p:cNvSpPr>
@@ -7358,6 +7332,110 @@
             <a:fld id="{0AC18DFE-2F64-4429-B499-E16537F0080F}" type="slidenum">
               <a:rPr lang="es-CO" smtClean="0"/>
               <a:t>34</a:t>
+            </a:fld>
+            <a:endParaRPr lang="es-CO"/>
+          </a:p>
+        </p:txBody>
+      </p:sp>
+    </p:spTree>
+    <p:extLst>
+      <p:ext uri="{BB962C8B-B14F-4D97-AF65-F5344CB8AC3E}">
+        <p14:creationId xmlns:p14="http://schemas.microsoft.com/office/powerpoint/2010/main" val="558178405"/>
+      </p:ext>
+    </p:extLst>
+  </p:cSld>
+  <p:clrMapOvr>
+    <a:masterClrMapping/>
+  </p:clrMapOvr>
+</p:sld>
+</file>
+
+<file path=ppt/slides/slide35.xml><?xml version="1.0" encoding="utf-8"?>
+<p:sld xmlns:a="http://schemas.openxmlformats.org/drawingml/2006/main" xmlns:r="http://schemas.openxmlformats.org/officeDocument/2006/relationships" xmlns:p="http://schemas.openxmlformats.org/presentationml/2006/main">
+  <p:cSld>
+    <p:spTree>
+      <p:nvGrpSpPr>
+        <p:cNvPr id="1" name=""/>
+        <p:cNvGrpSpPr/>
+        <p:nvPr/>
+      </p:nvGrpSpPr>
+      <p:grpSpPr>
+        <a:xfrm>
+          <a:off x="0" y="0"/>
+          <a:ext cx="0" cy="0"/>
+          <a:chOff x="0" y="0"/>
+          <a:chExt cx="0" cy="0"/>
+        </a:xfrm>
+      </p:grpSpPr>
+      <p:sp>
+        <p:nvSpPr>
+          <p:cNvPr id="2" name="Título 1"/>
+          <p:cNvSpPr>
+            <a:spLocks noGrp="1"/>
+          </p:cNvSpPr>
+          <p:nvPr>
+            <p:ph type="title"/>
+          </p:nvPr>
+        </p:nvSpPr>
+        <p:spPr/>
+        <p:txBody>
+          <a:bodyPr/>
+          <a:lstStyle/>
+          <a:p>
+            <a:r>
+              <a:rPr lang="es-CO" dirty="0"/>
+              <a:t>Í</a:t>
+            </a:r>
+            <a:r>
+              <a:rPr lang="es-CO" dirty="0" smtClean="0"/>
+              <a:t>ndice de </a:t>
+            </a:r>
+            <a:r>
+              <a:rPr lang="es-CO" dirty="0" smtClean="0">
+                <a:solidFill>
+                  <a:srgbClr val="FF0000"/>
+                </a:solidFill>
+              </a:rPr>
+              <a:t>”cooperación”</a:t>
+            </a:r>
+            <a:r>
+              <a:rPr lang="es-CO" dirty="0" smtClean="0"/>
+              <a:t> </a:t>
+            </a:r>
+            <a:r>
+              <a:rPr lang="es-CO" dirty="0" smtClean="0"/>
+              <a:t>(</a:t>
+            </a:r>
+            <a:r>
+              <a:rPr lang="es-CO" dirty="0" err="1" smtClean="0"/>
+              <a:t>max</a:t>
+            </a:r>
+            <a:r>
+              <a:rPr lang="es-CO" dirty="0" smtClean="0"/>
+              <a:t>=1; min=0)</a:t>
+            </a:r>
+            <a:endParaRPr lang="es-CO" dirty="0"/>
+          </a:p>
+        </p:txBody>
+      </p:sp>
+      <p:sp>
+        <p:nvSpPr>
+          <p:cNvPr id="5" name="Marcador de número de diapositiva 4"/>
+          <p:cNvSpPr>
+            <a:spLocks noGrp="1"/>
+          </p:cNvSpPr>
+          <p:nvPr>
+            <p:ph type="sldNum" sz="quarter" idx="12"/>
+          </p:nvPr>
+        </p:nvSpPr>
+        <p:spPr/>
+        <p:txBody>
+          <a:bodyPr/>
+          <a:lstStyle/>
+          <a:p>
+            <a:fld id="{0AC18DFE-2F64-4429-B499-E16537F0080F}" type="slidenum">
+              <a:rPr lang="es-CO" smtClean="0"/>
+              <a:t>35</a:t>
             </a:fld>
             <a:endParaRPr lang="es-CO"/>
           </a:p>
@@ -7391,6 +7469,106 @@
     <p:extLst>
       <p:ext uri="{BB962C8B-B14F-4D97-AF65-F5344CB8AC3E}">
         <p14:creationId xmlns:p14="http://schemas.microsoft.com/office/powerpoint/2010/main" val="1799511670"/>
+      </p:ext>
+    </p:extLst>
+  </p:cSld>
+  <p:clrMapOvr>
+    <a:masterClrMapping/>
+  </p:clrMapOvr>
+</p:sld>
+</file>
+
+<file path=ppt/slides/slide36.xml><?xml version="1.0" encoding="utf-8"?>
+<p:sld xmlns:a="http://schemas.openxmlformats.org/drawingml/2006/main" xmlns:r="http://schemas.openxmlformats.org/officeDocument/2006/relationships" xmlns:p="http://schemas.openxmlformats.org/presentationml/2006/main">
+  <p:cSld>
+    <p:spTree>
+      <p:nvGrpSpPr>
+        <p:cNvPr id="1" name=""/>
+        <p:cNvGrpSpPr/>
+        <p:nvPr/>
+      </p:nvGrpSpPr>
+      <p:grpSpPr>
+        <a:xfrm>
+          <a:off x="0" y="0"/>
+          <a:ext cx="0" cy="0"/>
+          <a:chOff x="0" y="0"/>
+          <a:chExt cx="0" cy="0"/>
+        </a:xfrm>
+      </p:grpSpPr>
+      <p:sp>
+        <p:nvSpPr>
+          <p:cNvPr id="2" name="Título 1"/>
+          <p:cNvSpPr>
+            <a:spLocks noGrp="1"/>
+          </p:cNvSpPr>
+          <p:nvPr>
+            <p:ph type="title"/>
+          </p:nvPr>
+        </p:nvSpPr>
+        <p:spPr/>
+        <p:txBody>
+          <a:bodyPr/>
+          <a:lstStyle/>
+          <a:p>
+            <a:r>
+              <a:rPr lang="es-CO" dirty="0" smtClean="0"/>
+              <a:t>Mensajes no respondidos</a:t>
+            </a:r>
+            <a:endParaRPr lang="es-CO" dirty="0"/>
+          </a:p>
+        </p:txBody>
+      </p:sp>
+      <p:sp>
+        <p:nvSpPr>
+          <p:cNvPr id="5" name="Marcador de número de diapositiva 4"/>
+          <p:cNvSpPr>
+            <a:spLocks noGrp="1"/>
+          </p:cNvSpPr>
+          <p:nvPr>
+            <p:ph type="sldNum" sz="quarter" idx="12"/>
+          </p:nvPr>
+        </p:nvSpPr>
+        <p:spPr/>
+        <p:txBody>
+          <a:bodyPr/>
+          <a:lstStyle/>
+          <a:p>
+            <a:fld id="{0AC18DFE-2F64-4429-B499-E16537F0080F}" type="slidenum">
+              <a:rPr lang="es-CO" smtClean="0"/>
+              <a:t>36</a:t>
+            </a:fld>
+            <a:endParaRPr lang="es-CO"/>
+          </a:p>
+        </p:txBody>
+      </p:sp>
+      <p:pic>
+        <p:nvPicPr>
+          <p:cNvPr id="3" name="Imagen 2"/>
+          <p:cNvPicPr>
+            <a:picLocks noChangeAspect="1"/>
+          </p:cNvPicPr>
+          <p:nvPr/>
+        </p:nvPicPr>
+        <p:blipFill>
+          <a:blip r:embed="rId2"/>
+          <a:stretch>
+            <a:fillRect/>
+          </a:stretch>
+        </p:blipFill>
+        <p:spPr>
+          <a:xfrm>
+            <a:off x="1312195" y="2227128"/>
+            <a:ext cx="9238095" cy="3342857"/>
+          </a:xfrm>
+          <a:prstGeom prst="rect">
+            <a:avLst/>
+          </a:prstGeom>
+        </p:spPr>
+      </p:pic>
+    </p:spTree>
+    <p:extLst>
+      <p:ext uri="{BB962C8B-B14F-4D97-AF65-F5344CB8AC3E}">
+        <p14:creationId xmlns:p14="http://schemas.microsoft.com/office/powerpoint/2010/main" val="106511395"/>
       </p:ext>
     </p:extLst>
   </p:cSld>
